--- a/Capstone_1/Reports/Slides.pptx
+++ b/Capstone_1/Reports/Slides.pptx
@@ -28,16 +28,25 @@
     <p:sldId id="273" r:id="rId23"/>
     <p:sldId id="274" r:id="rId24"/>
     <p:sldId id="275" r:id="rId25"/>
+    <p:sldId id="276" r:id="rId26"/>
+    <p:sldId id="277" r:id="rId27"/>
+    <p:sldId id="278" r:id="rId28"/>
+    <p:sldId id="279" r:id="rId29"/>
+    <p:sldId id="280" r:id="rId30"/>
+    <p:sldId id="281" r:id="rId31"/>
+    <p:sldId id="282" r:id="rId32"/>
+    <p:sldId id="283" r:id="rId33"/>
+    <p:sldId id="284" r:id="rId34"/>
   </p:sldIdLst>
   <p:sldSz cy="5143500" cx="9144000"/>
   <p:notesSz cx="6858000" cy="9144000"/>
   <p:embeddedFontLst>
     <p:embeddedFont>
       <p:font typeface="Proxima Nova"/>
-      <p:regular r:id="rId26"/>
-      <p:bold r:id="rId27"/>
-      <p:italic r:id="rId28"/>
-      <p:boldItalic r:id="rId29"/>
+      <p:regular r:id="rId35"/>
+      <p:bold r:id="rId36"/>
+      <p:italic r:id="rId37"/>
+      <p:boldItalic r:id="rId38"/>
     </p:embeddedFont>
   </p:embeddedFontLst>
   <p:defaultTextStyle>
@@ -1957,6 +1966,897 @@
       <p:sp>
         <p:nvSpPr>
           <p:cNvPr id="204" name="Google Shape;204;g723eb11097_1_198:notes"/>
+          <p:cNvSpPr txBox="1"/>
+          <p:nvPr>
+            <p:ph idx="1" type="body"/>
+          </p:nvPr>
+        </p:nvSpPr>
+        <p:spPr>
+          <a:xfrm>
+            <a:off x="685800" y="4343400"/>
+            <a:ext cx="5486400" cy="4114800"/>
+          </a:xfrm>
+          <a:prstGeom prst="rect">
+            <a:avLst/>
+          </a:prstGeom>
+        </p:spPr>
+        <p:txBody>
+          <a:bodyPr anchorCtr="0" anchor="t" bIns="91425" lIns="91425" spcFirstLastPara="1" rIns="91425" wrap="square" tIns="91425">
+            <a:noAutofit/>
+          </a:bodyPr>
+          <a:lstStyle/>
+          <a:p>
+            <a:pPr indent="0" lvl="0" marL="0" rtl="0" algn="l">
+              <a:spcBef>
+                <a:spcPts val="0"/>
+              </a:spcBef>
+              <a:spcAft>
+                <a:spcPts val="0"/>
+              </a:spcAft>
+              <a:buNone/>
+            </a:pPr>
+            <a:r>
+              <a:t/>
+            </a:r>
+            <a:endParaRPr/>
+          </a:p>
+        </p:txBody>
+      </p:sp>
+    </p:spTree>
+  </p:cSld>
+  <p:clrMapOvr>
+    <a:masterClrMapping/>
+  </p:clrMapOvr>
+</p:notes>
+</file>
+
+<file path=ppt/notesSlides/notesSlide21.xml><?xml version="1.0" encoding="utf-8"?>
+<p:notes xmlns:a="http://schemas.openxmlformats.org/drawingml/2006/main" xmlns:r="http://schemas.openxmlformats.org/officeDocument/2006/relationships" xmlns:mc="http://schemas.openxmlformats.org/markup-compatibility/2006" xmlns:mv="urn:schemas-microsoft-com:mac:vml" xmlns:p="http://schemas.openxmlformats.org/presentationml/2006/main" xmlns:c="http://schemas.openxmlformats.org/drawingml/2006/chart" xmlns:dgm="http://schemas.openxmlformats.org/drawingml/2006/diagram" xmlns:o="urn:schemas-microsoft-com:office:office" xmlns:v="urn:schemas-microsoft-com:vml" xmlns:pvml="urn:schemas-microsoft-com:office:powerpoint" xmlns:com="http://schemas.openxmlformats.org/drawingml/2006/compatibility" xmlns:p14="http://schemas.microsoft.com/office/powerpoint/2010/main" xmlns:p15="http://schemas.microsoft.com/office/powerpoint/2012/main" showMasterPhAnim="0" showMasterSp="0">
+  <p:cSld>
+    <p:spTree>
+      <p:nvGrpSpPr>
+        <p:cNvPr id="219" name="Shape 219"/>
+        <p:cNvGrpSpPr/>
+        <p:nvPr/>
+      </p:nvGrpSpPr>
+      <p:grpSpPr>
+        <a:xfrm>
+          <a:off x="0" y="0"/>
+          <a:ext cx="0" cy="0"/>
+          <a:chOff x="0" y="0"/>
+          <a:chExt cx="0" cy="0"/>
+        </a:xfrm>
+      </p:grpSpPr>
+      <p:sp>
+        <p:nvSpPr>
+          <p:cNvPr id="220" name="Google Shape;220;g775e9d90f9_0_1:notes"/>
+          <p:cNvSpPr/>
+          <p:nvPr>
+            <p:ph idx="2" type="sldImg"/>
+          </p:nvPr>
+        </p:nvSpPr>
+        <p:spPr>
+          <a:xfrm>
+            <a:off x="381300" y="685800"/>
+            <a:ext cx="6096000" cy="3429000"/>
+          </a:xfrm>
+          <a:custGeom>
+            <a:rect b="b" l="l" r="r" t="t"/>
+            <a:pathLst>
+              <a:path extrusionOk="0" h="120000" w="120000">
+                <a:moveTo>
+                  <a:pt x="0" y="0"/>
+                </a:moveTo>
+                <a:lnTo>
+                  <a:pt x="120000" y="0"/>
+                </a:lnTo>
+                <a:lnTo>
+                  <a:pt x="120000" y="120000"/>
+                </a:lnTo>
+                <a:lnTo>
+                  <a:pt x="0" y="120000"/>
+                </a:lnTo>
+                <a:close/>
+              </a:path>
+            </a:pathLst>
+          </a:custGeom>
+        </p:spPr>
+      </p:sp>
+      <p:sp>
+        <p:nvSpPr>
+          <p:cNvPr id="221" name="Google Shape;221;g775e9d90f9_0_1:notes"/>
+          <p:cNvSpPr txBox="1"/>
+          <p:nvPr>
+            <p:ph idx="1" type="body"/>
+          </p:nvPr>
+        </p:nvSpPr>
+        <p:spPr>
+          <a:xfrm>
+            <a:off x="685800" y="4343400"/>
+            <a:ext cx="5486400" cy="4114800"/>
+          </a:xfrm>
+          <a:prstGeom prst="rect">
+            <a:avLst/>
+          </a:prstGeom>
+        </p:spPr>
+        <p:txBody>
+          <a:bodyPr anchorCtr="0" anchor="t" bIns="91425" lIns="91425" spcFirstLastPara="1" rIns="91425" wrap="square" tIns="91425">
+            <a:noAutofit/>
+          </a:bodyPr>
+          <a:lstStyle/>
+          <a:p>
+            <a:pPr indent="0" lvl="0" marL="0" rtl="0" algn="l">
+              <a:spcBef>
+                <a:spcPts val="0"/>
+              </a:spcBef>
+              <a:spcAft>
+                <a:spcPts val="0"/>
+              </a:spcAft>
+              <a:buNone/>
+            </a:pPr>
+            <a:r>
+              <a:t/>
+            </a:r>
+            <a:endParaRPr/>
+          </a:p>
+        </p:txBody>
+      </p:sp>
+    </p:spTree>
+  </p:cSld>
+  <p:clrMapOvr>
+    <a:masterClrMapping/>
+  </p:clrMapOvr>
+</p:notes>
+</file>
+
+<file path=ppt/notesSlides/notesSlide22.xml><?xml version="1.0" encoding="utf-8"?>
+<p:notes xmlns:a="http://schemas.openxmlformats.org/drawingml/2006/main" xmlns:r="http://schemas.openxmlformats.org/officeDocument/2006/relationships" xmlns:mc="http://schemas.openxmlformats.org/markup-compatibility/2006" xmlns:mv="urn:schemas-microsoft-com:mac:vml" xmlns:p="http://schemas.openxmlformats.org/presentationml/2006/main" xmlns:c="http://schemas.openxmlformats.org/drawingml/2006/chart" xmlns:dgm="http://schemas.openxmlformats.org/drawingml/2006/diagram" xmlns:o="urn:schemas-microsoft-com:office:office" xmlns:v="urn:schemas-microsoft-com:vml" xmlns:pvml="urn:schemas-microsoft-com:office:powerpoint" xmlns:com="http://schemas.openxmlformats.org/drawingml/2006/compatibility" xmlns:p14="http://schemas.microsoft.com/office/powerpoint/2010/main" xmlns:p15="http://schemas.microsoft.com/office/powerpoint/2012/main" showMasterPhAnim="0" showMasterSp="0">
+  <p:cSld>
+    <p:spTree>
+      <p:nvGrpSpPr>
+        <p:cNvPr id="226" name="Shape 226"/>
+        <p:cNvGrpSpPr/>
+        <p:nvPr/>
+      </p:nvGrpSpPr>
+      <p:grpSpPr>
+        <a:xfrm>
+          <a:off x="0" y="0"/>
+          <a:ext cx="0" cy="0"/>
+          <a:chOff x="0" y="0"/>
+          <a:chExt cx="0" cy="0"/>
+        </a:xfrm>
+      </p:grpSpPr>
+      <p:sp>
+        <p:nvSpPr>
+          <p:cNvPr id="227" name="Google Shape;227;g775e9d90f9_0_9:notes"/>
+          <p:cNvSpPr/>
+          <p:nvPr>
+            <p:ph idx="2" type="sldImg"/>
+          </p:nvPr>
+        </p:nvSpPr>
+        <p:spPr>
+          <a:xfrm>
+            <a:off x="381300" y="685800"/>
+            <a:ext cx="6096000" cy="3429000"/>
+          </a:xfrm>
+          <a:custGeom>
+            <a:rect b="b" l="l" r="r" t="t"/>
+            <a:pathLst>
+              <a:path extrusionOk="0" h="120000" w="120000">
+                <a:moveTo>
+                  <a:pt x="0" y="0"/>
+                </a:moveTo>
+                <a:lnTo>
+                  <a:pt x="120000" y="0"/>
+                </a:lnTo>
+                <a:lnTo>
+                  <a:pt x="120000" y="120000"/>
+                </a:lnTo>
+                <a:lnTo>
+                  <a:pt x="0" y="120000"/>
+                </a:lnTo>
+                <a:close/>
+              </a:path>
+            </a:pathLst>
+          </a:custGeom>
+        </p:spPr>
+      </p:sp>
+      <p:sp>
+        <p:nvSpPr>
+          <p:cNvPr id="228" name="Google Shape;228;g775e9d90f9_0_9:notes"/>
+          <p:cNvSpPr txBox="1"/>
+          <p:nvPr>
+            <p:ph idx="1" type="body"/>
+          </p:nvPr>
+        </p:nvSpPr>
+        <p:spPr>
+          <a:xfrm>
+            <a:off x="685800" y="4343400"/>
+            <a:ext cx="5486400" cy="4114800"/>
+          </a:xfrm>
+          <a:prstGeom prst="rect">
+            <a:avLst/>
+          </a:prstGeom>
+        </p:spPr>
+        <p:txBody>
+          <a:bodyPr anchorCtr="0" anchor="t" bIns="91425" lIns="91425" spcFirstLastPara="1" rIns="91425" wrap="square" tIns="91425">
+            <a:noAutofit/>
+          </a:bodyPr>
+          <a:lstStyle/>
+          <a:p>
+            <a:pPr indent="0" lvl="0" marL="0" rtl="0" algn="l">
+              <a:spcBef>
+                <a:spcPts val="0"/>
+              </a:spcBef>
+              <a:spcAft>
+                <a:spcPts val="0"/>
+              </a:spcAft>
+              <a:buNone/>
+            </a:pPr>
+            <a:r>
+              <a:t/>
+            </a:r>
+            <a:endParaRPr/>
+          </a:p>
+        </p:txBody>
+      </p:sp>
+    </p:spTree>
+  </p:cSld>
+  <p:clrMapOvr>
+    <a:masterClrMapping/>
+  </p:clrMapOvr>
+</p:notes>
+</file>
+
+<file path=ppt/notesSlides/notesSlide23.xml><?xml version="1.0" encoding="utf-8"?>
+<p:notes xmlns:a="http://schemas.openxmlformats.org/drawingml/2006/main" xmlns:r="http://schemas.openxmlformats.org/officeDocument/2006/relationships" xmlns:mc="http://schemas.openxmlformats.org/markup-compatibility/2006" xmlns:mv="urn:schemas-microsoft-com:mac:vml" xmlns:p="http://schemas.openxmlformats.org/presentationml/2006/main" xmlns:c="http://schemas.openxmlformats.org/drawingml/2006/chart" xmlns:dgm="http://schemas.openxmlformats.org/drawingml/2006/diagram" xmlns:o="urn:schemas-microsoft-com:office:office" xmlns:v="urn:schemas-microsoft-com:vml" xmlns:pvml="urn:schemas-microsoft-com:office:powerpoint" xmlns:com="http://schemas.openxmlformats.org/drawingml/2006/compatibility" xmlns:p14="http://schemas.microsoft.com/office/powerpoint/2010/main" xmlns:p15="http://schemas.microsoft.com/office/powerpoint/2012/main" showMasterPhAnim="0" showMasterSp="0">
+  <p:cSld>
+    <p:spTree>
+      <p:nvGrpSpPr>
+        <p:cNvPr id="242" name="Shape 242"/>
+        <p:cNvGrpSpPr/>
+        <p:nvPr/>
+      </p:nvGrpSpPr>
+      <p:grpSpPr>
+        <a:xfrm>
+          <a:off x="0" y="0"/>
+          <a:ext cx="0" cy="0"/>
+          <a:chOff x="0" y="0"/>
+          <a:chExt cx="0" cy="0"/>
+        </a:xfrm>
+      </p:grpSpPr>
+      <p:sp>
+        <p:nvSpPr>
+          <p:cNvPr id="243" name="Google Shape;243;g775e9d90f9_0_26:notes"/>
+          <p:cNvSpPr/>
+          <p:nvPr>
+            <p:ph idx="2" type="sldImg"/>
+          </p:nvPr>
+        </p:nvSpPr>
+        <p:spPr>
+          <a:xfrm>
+            <a:off x="381300" y="685800"/>
+            <a:ext cx="6096000" cy="3429000"/>
+          </a:xfrm>
+          <a:custGeom>
+            <a:rect b="b" l="l" r="r" t="t"/>
+            <a:pathLst>
+              <a:path extrusionOk="0" h="120000" w="120000">
+                <a:moveTo>
+                  <a:pt x="0" y="0"/>
+                </a:moveTo>
+                <a:lnTo>
+                  <a:pt x="120000" y="0"/>
+                </a:lnTo>
+                <a:lnTo>
+                  <a:pt x="120000" y="120000"/>
+                </a:lnTo>
+                <a:lnTo>
+                  <a:pt x="0" y="120000"/>
+                </a:lnTo>
+                <a:close/>
+              </a:path>
+            </a:pathLst>
+          </a:custGeom>
+        </p:spPr>
+      </p:sp>
+      <p:sp>
+        <p:nvSpPr>
+          <p:cNvPr id="244" name="Google Shape;244;g775e9d90f9_0_26:notes"/>
+          <p:cNvSpPr txBox="1"/>
+          <p:nvPr>
+            <p:ph idx="1" type="body"/>
+          </p:nvPr>
+        </p:nvSpPr>
+        <p:spPr>
+          <a:xfrm>
+            <a:off x="685800" y="4343400"/>
+            <a:ext cx="5486400" cy="4114800"/>
+          </a:xfrm>
+          <a:prstGeom prst="rect">
+            <a:avLst/>
+          </a:prstGeom>
+        </p:spPr>
+        <p:txBody>
+          <a:bodyPr anchorCtr="0" anchor="t" bIns="91425" lIns="91425" spcFirstLastPara="1" rIns="91425" wrap="square" tIns="91425">
+            <a:noAutofit/>
+          </a:bodyPr>
+          <a:lstStyle/>
+          <a:p>
+            <a:pPr indent="0" lvl="0" marL="0" rtl="0" algn="l">
+              <a:spcBef>
+                <a:spcPts val="0"/>
+              </a:spcBef>
+              <a:spcAft>
+                <a:spcPts val="0"/>
+              </a:spcAft>
+              <a:buNone/>
+            </a:pPr>
+            <a:r>
+              <a:t/>
+            </a:r>
+            <a:endParaRPr/>
+          </a:p>
+        </p:txBody>
+      </p:sp>
+    </p:spTree>
+  </p:cSld>
+  <p:clrMapOvr>
+    <a:masterClrMapping/>
+  </p:clrMapOvr>
+</p:notes>
+</file>
+
+<file path=ppt/notesSlides/notesSlide24.xml><?xml version="1.0" encoding="utf-8"?>
+<p:notes xmlns:a="http://schemas.openxmlformats.org/drawingml/2006/main" xmlns:r="http://schemas.openxmlformats.org/officeDocument/2006/relationships" xmlns:mc="http://schemas.openxmlformats.org/markup-compatibility/2006" xmlns:mv="urn:schemas-microsoft-com:mac:vml" xmlns:p="http://schemas.openxmlformats.org/presentationml/2006/main" xmlns:c="http://schemas.openxmlformats.org/drawingml/2006/chart" xmlns:dgm="http://schemas.openxmlformats.org/drawingml/2006/diagram" xmlns:o="urn:schemas-microsoft-com:office:office" xmlns:v="urn:schemas-microsoft-com:vml" xmlns:pvml="urn:schemas-microsoft-com:office:powerpoint" xmlns:com="http://schemas.openxmlformats.org/drawingml/2006/compatibility" xmlns:p14="http://schemas.microsoft.com/office/powerpoint/2010/main" xmlns:p15="http://schemas.microsoft.com/office/powerpoint/2012/main" showMasterPhAnim="0" showMasterSp="0">
+  <p:cSld>
+    <p:spTree>
+      <p:nvGrpSpPr>
+        <p:cNvPr id="250" name="Shape 250"/>
+        <p:cNvGrpSpPr/>
+        <p:nvPr/>
+      </p:nvGrpSpPr>
+      <p:grpSpPr>
+        <a:xfrm>
+          <a:off x="0" y="0"/>
+          <a:ext cx="0" cy="0"/>
+          <a:chOff x="0" y="0"/>
+          <a:chExt cx="0" cy="0"/>
+        </a:xfrm>
+      </p:grpSpPr>
+      <p:sp>
+        <p:nvSpPr>
+          <p:cNvPr id="251" name="Google Shape;251;g775e9d90f9_0_58:notes"/>
+          <p:cNvSpPr/>
+          <p:nvPr>
+            <p:ph idx="2" type="sldImg"/>
+          </p:nvPr>
+        </p:nvSpPr>
+        <p:spPr>
+          <a:xfrm>
+            <a:off x="381300" y="685800"/>
+            <a:ext cx="6096000" cy="3429000"/>
+          </a:xfrm>
+          <a:custGeom>
+            <a:rect b="b" l="l" r="r" t="t"/>
+            <a:pathLst>
+              <a:path extrusionOk="0" h="120000" w="120000">
+                <a:moveTo>
+                  <a:pt x="0" y="0"/>
+                </a:moveTo>
+                <a:lnTo>
+                  <a:pt x="120000" y="0"/>
+                </a:lnTo>
+                <a:lnTo>
+                  <a:pt x="120000" y="120000"/>
+                </a:lnTo>
+                <a:lnTo>
+                  <a:pt x="0" y="120000"/>
+                </a:lnTo>
+                <a:close/>
+              </a:path>
+            </a:pathLst>
+          </a:custGeom>
+        </p:spPr>
+      </p:sp>
+      <p:sp>
+        <p:nvSpPr>
+          <p:cNvPr id="252" name="Google Shape;252;g775e9d90f9_0_58:notes"/>
+          <p:cNvSpPr txBox="1"/>
+          <p:nvPr>
+            <p:ph idx="1" type="body"/>
+          </p:nvPr>
+        </p:nvSpPr>
+        <p:spPr>
+          <a:xfrm>
+            <a:off x="685800" y="4343400"/>
+            <a:ext cx="5486400" cy="4114800"/>
+          </a:xfrm>
+          <a:prstGeom prst="rect">
+            <a:avLst/>
+          </a:prstGeom>
+        </p:spPr>
+        <p:txBody>
+          <a:bodyPr anchorCtr="0" anchor="t" bIns="91425" lIns="91425" spcFirstLastPara="1" rIns="91425" wrap="square" tIns="91425">
+            <a:noAutofit/>
+          </a:bodyPr>
+          <a:lstStyle/>
+          <a:p>
+            <a:pPr indent="0" lvl="0" marL="0" rtl="0" algn="l">
+              <a:spcBef>
+                <a:spcPts val="0"/>
+              </a:spcBef>
+              <a:spcAft>
+                <a:spcPts val="0"/>
+              </a:spcAft>
+              <a:buNone/>
+            </a:pPr>
+            <a:r>
+              <a:t/>
+            </a:r>
+            <a:endParaRPr/>
+          </a:p>
+        </p:txBody>
+      </p:sp>
+    </p:spTree>
+  </p:cSld>
+  <p:clrMapOvr>
+    <a:masterClrMapping/>
+  </p:clrMapOvr>
+</p:notes>
+</file>
+
+<file path=ppt/notesSlides/notesSlide25.xml><?xml version="1.0" encoding="utf-8"?>
+<p:notes xmlns:a="http://schemas.openxmlformats.org/drawingml/2006/main" xmlns:r="http://schemas.openxmlformats.org/officeDocument/2006/relationships" xmlns:mc="http://schemas.openxmlformats.org/markup-compatibility/2006" xmlns:mv="urn:schemas-microsoft-com:mac:vml" xmlns:p="http://schemas.openxmlformats.org/presentationml/2006/main" xmlns:c="http://schemas.openxmlformats.org/drawingml/2006/chart" xmlns:dgm="http://schemas.openxmlformats.org/drawingml/2006/diagram" xmlns:o="urn:schemas-microsoft-com:office:office" xmlns:v="urn:schemas-microsoft-com:vml" xmlns:pvml="urn:schemas-microsoft-com:office:powerpoint" xmlns:com="http://schemas.openxmlformats.org/drawingml/2006/compatibility" xmlns:p14="http://schemas.microsoft.com/office/powerpoint/2010/main" xmlns:p15="http://schemas.microsoft.com/office/powerpoint/2012/main" showMasterPhAnim="0" showMasterSp="0">
+  <p:cSld>
+    <p:spTree>
+      <p:nvGrpSpPr>
+        <p:cNvPr id="258" name="Shape 258"/>
+        <p:cNvGrpSpPr/>
+        <p:nvPr/>
+      </p:nvGrpSpPr>
+      <p:grpSpPr>
+        <a:xfrm>
+          <a:off x="0" y="0"/>
+          <a:ext cx="0" cy="0"/>
+          <a:chOff x="0" y="0"/>
+          <a:chExt cx="0" cy="0"/>
+        </a:xfrm>
+      </p:grpSpPr>
+      <p:sp>
+        <p:nvSpPr>
+          <p:cNvPr id="259" name="Google Shape;259;g775e9d90f9_0_75:notes"/>
+          <p:cNvSpPr/>
+          <p:nvPr>
+            <p:ph idx="2" type="sldImg"/>
+          </p:nvPr>
+        </p:nvSpPr>
+        <p:spPr>
+          <a:xfrm>
+            <a:off x="381300" y="685800"/>
+            <a:ext cx="6096000" cy="3429000"/>
+          </a:xfrm>
+          <a:custGeom>
+            <a:rect b="b" l="l" r="r" t="t"/>
+            <a:pathLst>
+              <a:path extrusionOk="0" h="120000" w="120000">
+                <a:moveTo>
+                  <a:pt x="0" y="0"/>
+                </a:moveTo>
+                <a:lnTo>
+                  <a:pt x="120000" y="0"/>
+                </a:lnTo>
+                <a:lnTo>
+                  <a:pt x="120000" y="120000"/>
+                </a:lnTo>
+                <a:lnTo>
+                  <a:pt x="0" y="120000"/>
+                </a:lnTo>
+                <a:close/>
+              </a:path>
+            </a:pathLst>
+          </a:custGeom>
+        </p:spPr>
+      </p:sp>
+      <p:sp>
+        <p:nvSpPr>
+          <p:cNvPr id="260" name="Google Shape;260;g775e9d90f9_0_75:notes"/>
+          <p:cNvSpPr txBox="1"/>
+          <p:nvPr>
+            <p:ph idx="1" type="body"/>
+          </p:nvPr>
+        </p:nvSpPr>
+        <p:spPr>
+          <a:xfrm>
+            <a:off x="685800" y="4343400"/>
+            <a:ext cx="5486400" cy="4114800"/>
+          </a:xfrm>
+          <a:prstGeom prst="rect">
+            <a:avLst/>
+          </a:prstGeom>
+        </p:spPr>
+        <p:txBody>
+          <a:bodyPr anchorCtr="0" anchor="t" bIns="91425" lIns="91425" spcFirstLastPara="1" rIns="91425" wrap="square" tIns="91425">
+            <a:noAutofit/>
+          </a:bodyPr>
+          <a:lstStyle/>
+          <a:p>
+            <a:pPr indent="0" lvl="0" marL="0" rtl="0" algn="l">
+              <a:spcBef>
+                <a:spcPts val="0"/>
+              </a:spcBef>
+              <a:spcAft>
+                <a:spcPts val="0"/>
+              </a:spcAft>
+              <a:buNone/>
+            </a:pPr>
+            <a:r>
+              <a:t/>
+            </a:r>
+            <a:endParaRPr/>
+          </a:p>
+        </p:txBody>
+      </p:sp>
+    </p:spTree>
+  </p:cSld>
+  <p:clrMapOvr>
+    <a:masterClrMapping/>
+  </p:clrMapOvr>
+</p:notes>
+</file>
+
+<file path=ppt/notesSlides/notesSlide26.xml><?xml version="1.0" encoding="utf-8"?>
+<p:notes xmlns:a="http://schemas.openxmlformats.org/drawingml/2006/main" xmlns:r="http://schemas.openxmlformats.org/officeDocument/2006/relationships" xmlns:mc="http://schemas.openxmlformats.org/markup-compatibility/2006" xmlns:mv="urn:schemas-microsoft-com:mac:vml" xmlns:p="http://schemas.openxmlformats.org/presentationml/2006/main" xmlns:c="http://schemas.openxmlformats.org/drawingml/2006/chart" xmlns:dgm="http://schemas.openxmlformats.org/drawingml/2006/diagram" xmlns:o="urn:schemas-microsoft-com:office:office" xmlns:v="urn:schemas-microsoft-com:vml" xmlns:pvml="urn:schemas-microsoft-com:office:powerpoint" xmlns:com="http://schemas.openxmlformats.org/drawingml/2006/compatibility" xmlns:p14="http://schemas.microsoft.com/office/powerpoint/2010/main" xmlns:p15="http://schemas.microsoft.com/office/powerpoint/2012/main" showMasterPhAnim="0" showMasterSp="0">
+  <p:cSld>
+    <p:spTree>
+      <p:nvGrpSpPr>
+        <p:cNvPr id="265" name="Shape 265"/>
+        <p:cNvGrpSpPr/>
+        <p:nvPr/>
+      </p:nvGrpSpPr>
+      <p:grpSpPr>
+        <a:xfrm>
+          <a:off x="0" y="0"/>
+          <a:ext cx="0" cy="0"/>
+          <a:chOff x="0" y="0"/>
+          <a:chExt cx="0" cy="0"/>
+        </a:xfrm>
+      </p:grpSpPr>
+      <p:sp>
+        <p:nvSpPr>
+          <p:cNvPr id="266" name="Google Shape;266;g775e9d90f9_0_105:notes"/>
+          <p:cNvSpPr/>
+          <p:nvPr>
+            <p:ph idx="2" type="sldImg"/>
+          </p:nvPr>
+        </p:nvSpPr>
+        <p:spPr>
+          <a:xfrm>
+            <a:off x="381300" y="685800"/>
+            <a:ext cx="6096000" cy="3429000"/>
+          </a:xfrm>
+          <a:custGeom>
+            <a:rect b="b" l="l" r="r" t="t"/>
+            <a:pathLst>
+              <a:path extrusionOk="0" h="120000" w="120000">
+                <a:moveTo>
+                  <a:pt x="0" y="0"/>
+                </a:moveTo>
+                <a:lnTo>
+                  <a:pt x="120000" y="0"/>
+                </a:lnTo>
+                <a:lnTo>
+                  <a:pt x="120000" y="120000"/>
+                </a:lnTo>
+                <a:lnTo>
+                  <a:pt x="0" y="120000"/>
+                </a:lnTo>
+                <a:close/>
+              </a:path>
+            </a:pathLst>
+          </a:custGeom>
+        </p:spPr>
+      </p:sp>
+      <p:sp>
+        <p:nvSpPr>
+          <p:cNvPr id="267" name="Google Shape;267;g775e9d90f9_0_105:notes"/>
+          <p:cNvSpPr txBox="1"/>
+          <p:nvPr>
+            <p:ph idx="1" type="body"/>
+          </p:nvPr>
+        </p:nvSpPr>
+        <p:spPr>
+          <a:xfrm>
+            <a:off x="685800" y="4343400"/>
+            <a:ext cx="5486400" cy="4114800"/>
+          </a:xfrm>
+          <a:prstGeom prst="rect">
+            <a:avLst/>
+          </a:prstGeom>
+        </p:spPr>
+        <p:txBody>
+          <a:bodyPr anchorCtr="0" anchor="t" bIns="91425" lIns="91425" spcFirstLastPara="1" rIns="91425" wrap="square" tIns="91425">
+            <a:noAutofit/>
+          </a:bodyPr>
+          <a:lstStyle/>
+          <a:p>
+            <a:pPr indent="0" lvl="0" marL="0" rtl="0" algn="l">
+              <a:spcBef>
+                <a:spcPts val="0"/>
+              </a:spcBef>
+              <a:spcAft>
+                <a:spcPts val="0"/>
+              </a:spcAft>
+              <a:buNone/>
+            </a:pPr>
+            <a:r>
+              <a:t/>
+            </a:r>
+            <a:endParaRPr/>
+          </a:p>
+        </p:txBody>
+      </p:sp>
+    </p:spTree>
+  </p:cSld>
+  <p:clrMapOvr>
+    <a:masterClrMapping/>
+  </p:clrMapOvr>
+</p:notes>
+</file>
+
+<file path=ppt/notesSlides/notesSlide27.xml><?xml version="1.0" encoding="utf-8"?>
+<p:notes xmlns:a="http://schemas.openxmlformats.org/drawingml/2006/main" xmlns:r="http://schemas.openxmlformats.org/officeDocument/2006/relationships" xmlns:mc="http://schemas.openxmlformats.org/markup-compatibility/2006" xmlns:mv="urn:schemas-microsoft-com:mac:vml" xmlns:p="http://schemas.openxmlformats.org/presentationml/2006/main" xmlns:c="http://schemas.openxmlformats.org/drawingml/2006/chart" xmlns:dgm="http://schemas.openxmlformats.org/drawingml/2006/diagram" xmlns:o="urn:schemas-microsoft-com:office:office" xmlns:v="urn:schemas-microsoft-com:vml" xmlns:pvml="urn:schemas-microsoft-com:office:powerpoint" xmlns:com="http://schemas.openxmlformats.org/drawingml/2006/compatibility" xmlns:p14="http://schemas.microsoft.com/office/powerpoint/2010/main" xmlns:p15="http://schemas.microsoft.com/office/powerpoint/2012/main" showMasterPhAnim="0" showMasterSp="0">
+  <p:cSld>
+    <p:spTree>
+      <p:nvGrpSpPr>
+        <p:cNvPr id="274" name="Shape 274"/>
+        <p:cNvGrpSpPr/>
+        <p:nvPr/>
+      </p:nvGrpSpPr>
+      <p:grpSpPr>
+        <a:xfrm>
+          <a:off x="0" y="0"/>
+          <a:ext cx="0" cy="0"/>
+          <a:chOff x="0" y="0"/>
+          <a:chExt cx="0" cy="0"/>
+        </a:xfrm>
+      </p:grpSpPr>
+      <p:sp>
+        <p:nvSpPr>
+          <p:cNvPr id="275" name="Google Shape;275;g775e9d90f9_0_98:notes"/>
+          <p:cNvSpPr/>
+          <p:nvPr>
+            <p:ph idx="2" type="sldImg"/>
+          </p:nvPr>
+        </p:nvSpPr>
+        <p:spPr>
+          <a:xfrm>
+            <a:off x="381300" y="685800"/>
+            <a:ext cx="6096000" cy="3429000"/>
+          </a:xfrm>
+          <a:custGeom>
+            <a:rect b="b" l="l" r="r" t="t"/>
+            <a:pathLst>
+              <a:path extrusionOk="0" h="120000" w="120000">
+                <a:moveTo>
+                  <a:pt x="0" y="0"/>
+                </a:moveTo>
+                <a:lnTo>
+                  <a:pt x="120000" y="0"/>
+                </a:lnTo>
+                <a:lnTo>
+                  <a:pt x="120000" y="120000"/>
+                </a:lnTo>
+                <a:lnTo>
+                  <a:pt x="0" y="120000"/>
+                </a:lnTo>
+                <a:close/>
+              </a:path>
+            </a:pathLst>
+          </a:custGeom>
+        </p:spPr>
+      </p:sp>
+      <p:sp>
+        <p:nvSpPr>
+          <p:cNvPr id="276" name="Google Shape;276;g775e9d90f9_0_98:notes"/>
+          <p:cNvSpPr txBox="1"/>
+          <p:nvPr>
+            <p:ph idx="1" type="body"/>
+          </p:nvPr>
+        </p:nvSpPr>
+        <p:spPr>
+          <a:xfrm>
+            <a:off x="685800" y="4343400"/>
+            <a:ext cx="5486400" cy="4114800"/>
+          </a:xfrm>
+          <a:prstGeom prst="rect">
+            <a:avLst/>
+          </a:prstGeom>
+        </p:spPr>
+        <p:txBody>
+          <a:bodyPr anchorCtr="0" anchor="t" bIns="91425" lIns="91425" spcFirstLastPara="1" rIns="91425" wrap="square" tIns="91425">
+            <a:noAutofit/>
+          </a:bodyPr>
+          <a:lstStyle/>
+          <a:p>
+            <a:pPr indent="0" lvl="0" marL="0" rtl="0" algn="l">
+              <a:spcBef>
+                <a:spcPts val="0"/>
+              </a:spcBef>
+              <a:spcAft>
+                <a:spcPts val="0"/>
+              </a:spcAft>
+              <a:buNone/>
+            </a:pPr>
+            <a:r>
+              <a:t/>
+            </a:r>
+            <a:endParaRPr/>
+          </a:p>
+        </p:txBody>
+      </p:sp>
+    </p:spTree>
+  </p:cSld>
+  <p:clrMapOvr>
+    <a:masterClrMapping/>
+  </p:clrMapOvr>
+</p:notes>
+</file>
+
+<file path=ppt/notesSlides/notesSlide28.xml><?xml version="1.0" encoding="utf-8"?>
+<p:notes xmlns:a="http://schemas.openxmlformats.org/drawingml/2006/main" xmlns:r="http://schemas.openxmlformats.org/officeDocument/2006/relationships" xmlns:mc="http://schemas.openxmlformats.org/markup-compatibility/2006" xmlns:mv="urn:schemas-microsoft-com:mac:vml" xmlns:p="http://schemas.openxmlformats.org/presentationml/2006/main" xmlns:c="http://schemas.openxmlformats.org/drawingml/2006/chart" xmlns:dgm="http://schemas.openxmlformats.org/drawingml/2006/diagram" xmlns:o="urn:schemas-microsoft-com:office:office" xmlns:v="urn:schemas-microsoft-com:vml" xmlns:pvml="urn:schemas-microsoft-com:office:powerpoint" xmlns:com="http://schemas.openxmlformats.org/drawingml/2006/compatibility" xmlns:p14="http://schemas.microsoft.com/office/powerpoint/2010/main" xmlns:p15="http://schemas.microsoft.com/office/powerpoint/2012/main" showMasterPhAnim="0" showMasterSp="0">
+  <p:cSld>
+    <p:spTree>
+      <p:nvGrpSpPr>
+        <p:cNvPr id="284" name="Shape 284"/>
+        <p:cNvGrpSpPr/>
+        <p:nvPr/>
+      </p:nvGrpSpPr>
+      <p:grpSpPr>
+        <a:xfrm>
+          <a:off x="0" y="0"/>
+          <a:ext cx="0" cy="0"/>
+          <a:chOff x="0" y="0"/>
+          <a:chExt cx="0" cy="0"/>
+        </a:xfrm>
+      </p:grpSpPr>
+      <p:sp>
+        <p:nvSpPr>
+          <p:cNvPr id="285" name="Google Shape;285;g775e9d90f9_0_120:notes"/>
+          <p:cNvSpPr/>
+          <p:nvPr>
+            <p:ph idx="2" type="sldImg"/>
+          </p:nvPr>
+        </p:nvSpPr>
+        <p:spPr>
+          <a:xfrm>
+            <a:off x="381300" y="685800"/>
+            <a:ext cx="6096000" cy="3429000"/>
+          </a:xfrm>
+          <a:custGeom>
+            <a:rect b="b" l="l" r="r" t="t"/>
+            <a:pathLst>
+              <a:path extrusionOk="0" h="120000" w="120000">
+                <a:moveTo>
+                  <a:pt x="0" y="0"/>
+                </a:moveTo>
+                <a:lnTo>
+                  <a:pt x="120000" y="0"/>
+                </a:lnTo>
+                <a:lnTo>
+                  <a:pt x="120000" y="120000"/>
+                </a:lnTo>
+                <a:lnTo>
+                  <a:pt x="0" y="120000"/>
+                </a:lnTo>
+                <a:close/>
+              </a:path>
+            </a:pathLst>
+          </a:custGeom>
+        </p:spPr>
+      </p:sp>
+      <p:sp>
+        <p:nvSpPr>
+          <p:cNvPr id="286" name="Google Shape;286;g775e9d90f9_0_120:notes"/>
+          <p:cNvSpPr txBox="1"/>
+          <p:nvPr>
+            <p:ph idx="1" type="body"/>
+          </p:nvPr>
+        </p:nvSpPr>
+        <p:spPr>
+          <a:xfrm>
+            <a:off x="685800" y="4343400"/>
+            <a:ext cx="5486400" cy="4114800"/>
+          </a:xfrm>
+          <a:prstGeom prst="rect">
+            <a:avLst/>
+          </a:prstGeom>
+        </p:spPr>
+        <p:txBody>
+          <a:bodyPr anchorCtr="0" anchor="t" bIns="91425" lIns="91425" spcFirstLastPara="1" rIns="91425" wrap="square" tIns="91425">
+            <a:noAutofit/>
+          </a:bodyPr>
+          <a:lstStyle/>
+          <a:p>
+            <a:pPr indent="0" lvl="0" marL="0" rtl="0" algn="l">
+              <a:spcBef>
+                <a:spcPts val="0"/>
+              </a:spcBef>
+              <a:spcAft>
+                <a:spcPts val="0"/>
+              </a:spcAft>
+              <a:buNone/>
+            </a:pPr>
+            <a:r>
+              <a:t/>
+            </a:r>
+            <a:endParaRPr/>
+          </a:p>
+        </p:txBody>
+      </p:sp>
+    </p:spTree>
+  </p:cSld>
+  <p:clrMapOvr>
+    <a:masterClrMapping/>
+  </p:clrMapOvr>
+</p:notes>
+</file>
+
+<file path=ppt/notesSlides/notesSlide29.xml><?xml version="1.0" encoding="utf-8"?>
+<p:notes xmlns:a="http://schemas.openxmlformats.org/drawingml/2006/main" xmlns:r="http://schemas.openxmlformats.org/officeDocument/2006/relationships" xmlns:mc="http://schemas.openxmlformats.org/markup-compatibility/2006" xmlns:mv="urn:schemas-microsoft-com:mac:vml" xmlns:p="http://schemas.openxmlformats.org/presentationml/2006/main" xmlns:c="http://schemas.openxmlformats.org/drawingml/2006/chart" xmlns:dgm="http://schemas.openxmlformats.org/drawingml/2006/diagram" xmlns:o="urn:schemas-microsoft-com:office:office" xmlns:v="urn:schemas-microsoft-com:vml" xmlns:pvml="urn:schemas-microsoft-com:office:powerpoint" xmlns:com="http://schemas.openxmlformats.org/drawingml/2006/compatibility" xmlns:p14="http://schemas.microsoft.com/office/powerpoint/2010/main" xmlns:p15="http://schemas.microsoft.com/office/powerpoint/2012/main" showMasterPhAnim="0" showMasterSp="0">
+  <p:cSld>
+    <p:spTree>
+      <p:nvGrpSpPr>
+        <p:cNvPr id="291" name="Shape 291"/>
+        <p:cNvGrpSpPr/>
+        <p:nvPr/>
+      </p:nvGrpSpPr>
+      <p:grpSpPr>
+        <a:xfrm>
+          <a:off x="0" y="0"/>
+          <a:ext cx="0" cy="0"/>
+          <a:chOff x="0" y="0"/>
+          <a:chExt cx="0" cy="0"/>
+        </a:xfrm>
+      </p:grpSpPr>
+      <p:sp>
+        <p:nvSpPr>
+          <p:cNvPr id="292" name="Google Shape;292;g775e9d90f9_0_135:notes"/>
+          <p:cNvSpPr/>
+          <p:nvPr>
+            <p:ph idx="2" type="sldImg"/>
+          </p:nvPr>
+        </p:nvSpPr>
+        <p:spPr>
+          <a:xfrm>
+            <a:off x="381300" y="685800"/>
+            <a:ext cx="6096000" cy="3429000"/>
+          </a:xfrm>
+          <a:custGeom>
+            <a:rect b="b" l="l" r="r" t="t"/>
+            <a:pathLst>
+              <a:path extrusionOk="0" h="120000" w="120000">
+                <a:moveTo>
+                  <a:pt x="0" y="0"/>
+                </a:moveTo>
+                <a:lnTo>
+                  <a:pt x="120000" y="0"/>
+                </a:lnTo>
+                <a:lnTo>
+                  <a:pt x="120000" y="120000"/>
+                </a:lnTo>
+                <a:lnTo>
+                  <a:pt x="0" y="120000"/>
+                </a:lnTo>
+                <a:close/>
+              </a:path>
+            </a:pathLst>
+          </a:custGeom>
+        </p:spPr>
+      </p:sp>
+      <p:sp>
+        <p:nvSpPr>
+          <p:cNvPr id="293" name="Google Shape;293;g775e9d90f9_0_135:notes"/>
           <p:cNvSpPr txBox="1"/>
           <p:nvPr>
             <p:ph idx="1" type="body"/>
@@ -10895,7 +11795,7 @@
                   <a:schemeClr val="accent2"/>
                 </a:solidFill>
               </a:rPr>
-              <a:t>X=’yards first 5 seasons’</a:t>
+              <a:t>y=’yards first 5 seasons’</a:t>
             </a:r>
             <a:endParaRPr>
               <a:solidFill>
@@ -11142,7 +12042,7 @@
                   <a:schemeClr val="dk1"/>
                 </a:solidFill>
               </a:rPr>
-              <a:t>Null hypothesis: the sec and big12 samples are from the same distribution with respect to the mean of X</a:t>
+              <a:t>Null hypothesis: the sec and big12 samples are from the same distribution with respect to the mean of y</a:t>
             </a:r>
             <a:endParaRPr>
               <a:latin typeface="Proxima Nova"/>
@@ -11299,7 +12199,7 @@
             </a:pPr>
             <a:r>
               <a:rPr lang="en"/>
-              <a:t>We test for the independence of the two samples with respect to the target X</a:t>
+              <a:t>We test for the independence of the two samples with respect to the target y</a:t>
             </a:r>
             <a:endParaRPr/>
           </a:p>
@@ -11505,7 +12405,7 @@
             </a:pPr>
             <a:r>
               <a:rPr lang="en"/>
-              <a:t>We test for the independence of the two samples with respect to the target X</a:t>
+              <a:t>We test for the independence of the two samples with respect to the target y</a:t>
             </a:r>
             <a:endParaRPr/>
           </a:p>
@@ -11651,6 +12551,4571 @@
           </a:p>
         </p:txBody>
       </p:sp>
+      <p:sp>
+        <p:nvSpPr>
+          <p:cNvPr id="218" name="Google Shape;218;p32"/>
+          <p:cNvSpPr txBox="1"/>
+          <p:nvPr/>
+        </p:nvSpPr>
+        <p:spPr>
+          <a:xfrm>
+            <a:off x="7764225" y="2551400"/>
+            <a:ext cx="1285800" cy="1140600"/>
+          </a:xfrm>
+          <a:prstGeom prst="rect">
+            <a:avLst/>
+          </a:prstGeom>
+          <a:noFill/>
+          <a:ln>
+            <a:noFill/>
+          </a:ln>
+        </p:spPr>
+        <p:txBody>
+          <a:bodyPr anchorCtr="0" anchor="t" bIns="91425" lIns="91425" spcFirstLastPara="1" rIns="91425" wrap="square" tIns="91425">
+            <a:noAutofit/>
+          </a:bodyPr>
+          <a:lstStyle/>
+          <a:p>
+            <a:pPr indent="0" lvl="0" marL="0" rtl="0" algn="l">
+              <a:spcBef>
+                <a:spcPts val="0"/>
+              </a:spcBef>
+              <a:spcAft>
+                <a:spcPts val="0"/>
+              </a:spcAft>
+              <a:buNone/>
+            </a:pPr>
+            <a:r>
+              <a:rPr lang="en">
+                <a:solidFill>
+                  <a:schemeClr val="accent2"/>
+                </a:solidFill>
+                <a:latin typeface="Proxima Nova"/>
+                <a:ea typeface="Proxima Nova"/>
+                <a:cs typeface="Proxima Nova"/>
+                <a:sym typeface="Proxima Nova"/>
+              </a:rPr>
+              <a:t>For all tests, confidence level:</a:t>
+            </a:r>
+            <a:endParaRPr>
+              <a:solidFill>
+                <a:schemeClr val="accent2"/>
+              </a:solidFill>
+              <a:latin typeface="Proxima Nova"/>
+              <a:ea typeface="Proxima Nova"/>
+              <a:cs typeface="Proxima Nova"/>
+              <a:sym typeface="Proxima Nova"/>
+            </a:endParaRPr>
+          </a:p>
+          <a:p>
+            <a:pPr indent="0" lvl="0" marL="0" rtl="0" algn="l">
+              <a:spcBef>
+                <a:spcPts val="0"/>
+              </a:spcBef>
+              <a:spcAft>
+                <a:spcPts val="0"/>
+              </a:spcAft>
+              <a:buNone/>
+            </a:pPr>
+            <a:r>
+              <a:rPr lang="en">
+                <a:solidFill>
+                  <a:schemeClr val="accent2"/>
+                </a:solidFill>
+                <a:latin typeface="Proxima Nova"/>
+                <a:ea typeface="Proxima Nova"/>
+                <a:cs typeface="Proxima Nova"/>
+                <a:sym typeface="Proxima Nova"/>
+              </a:rPr>
+              <a:t>𝛂</a:t>
+            </a:r>
+            <a:r>
+              <a:rPr lang="en">
+                <a:solidFill>
+                  <a:schemeClr val="accent2"/>
+                </a:solidFill>
+                <a:latin typeface="Proxima Nova"/>
+                <a:ea typeface="Proxima Nova"/>
+                <a:cs typeface="Proxima Nova"/>
+                <a:sym typeface="Proxima Nova"/>
+              </a:rPr>
+              <a:t> = 95%</a:t>
+            </a:r>
+            <a:endParaRPr>
+              <a:solidFill>
+                <a:schemeClr val="accent2"/>
+              </a:solidFill>
+              <a:latin typeface="Proxima Nova"/>
+              <a:ea typeface="Proxima Nova"/>
+              <a:cs typeface="Proxima Nova"/>
+              <a:sym typeface="Proxima Nova"/>
+            </a:endParaRPr>
+          </a:p>
+        </p:txBody>
+      </p:sp>
+    </p:spTree>
+  </p:cSld>
+  <p:clrMapOvr>
+    <a:masterClrMapping/>
+  </p:clrMapOvr>
+</p:sld>
+</file>
+
+<file path=ppt/slides/slide21.xml><?xml version="1.0" encoding="utf-8"?>
+<p:sld xmlns:a="http://schemas.openxmlformats.org/drawingml/2006/main" xmlns:r="http://schemas.openxmlformats.org/officeDocument/2006/relationships" xmlns:mc="http://schemas.openxmlformats.org/markup-compatibility/2006" xmlns:mv="urn:schemas-microsoft-com:mac:vml" xmlns:p="http://schemas.openxmlformats.org/presentationml/2006/main" xmlns:c="http://schemas.openxmlformats.org/drawingml/2006/chart" xmlns:dgm="http://schemas.openxmlformats.org/drawingml/2006/diagram" xmlns:o="urn:schemas-microsoft-com:office:office" xmlns:v="urn:schemas-microsoft-com:vml" xmlns:pvml="urn:schemas-microsoft-com:office:powerpoint" xmlns:com="http://schemas.openxmlformats.org/drawingml/2006/compatibility" xmlns:p14="http://schemas.microsoft.com/office/powerpoint/2010/main" xmlns:p15="http://schemas.microsoft.com/office/powerpoint/2012/main">
+  <p:cSld>
+    <p:spTree>
+      <p:nvGrpSpPr>
+        <p:cNvPr id="222" name="Shape 222"/>
+        <p:cNvGrpSpPr/>
+        <p:nvPr/>
+      </p:nvGrpSpPr>
+      <p:grpSpPr>
+        <a:xfrm>
+          <a:off x="0" y="0"/>
+          <a:ext cx="0" cy="0"/>
+          <a:chOff x="0" y="0"/>
+          <a:chExt cx="0" cy="0"/>
+        </a:xfrm>
+      </p:grpSpPr>
+      <p:sp>
+        <p:nvSpPr>
+          <p:cNvPr id="223" name="Google Shape;223;p33"/>
+          <p:cNvSpPr txBox="1"/>
+          <p:nvPr>
+            <p:ph type="title"/>
+          </p:nvPr>
+        </p:nvSpPr>
+        <p:spPr>
+          <a:xfrm>
+            <a:off x="311700" y="332375"/>
+            <a:ext cx="8520600" cy="572700"/>
+          </a:xfrm>
+          <a:prstGeom prst="rect">
+            <a:avLst/>
+          </a:prstGeom>
+        </p:spPr>
+        <p:txBody>
+          <a:bodyPr anchorCtr="0" anchor="t" bIns="91425" lIns="91425" spcFirstLastPara="1" rIns="91425" wrap="square" tIns="91425">
+            <a:noAutofit/>
+          </a:bodyPr>
+          <a:lstStyle/>
+          <a:p>
+            <a:pPr indent="0" lvl="0" marL="0" rtl="0" algn="l">
+              <a:spcBef>
+                <a:spcPts val="0"/>
+              </a:spcBef>
+              <a:spcAft>
+                <a:spcPts val="0"/>
+              </a:spcAft>
+              <a:buNone/>
+            </a:pPr>
+            <a:r>
+              <a:rPr b="1" lang="en"/>
+              <a:t>In Depth Analysis (1) - Goal</a:t>
+            </a:r>
+            <a:endParaRPr b="1"/>
+          </a:p>
+        </p:txBody>
+      </p:sp>
+      <p:pic>
+        <p:nvPicPr>
+          <p:cNvPr id="224" name="Google Shape;224;p33"/>
+          <p:cNvPicPr preferRelativeResize="0"/>
+          <p:nvPr/>
+        </p:nvPicPr>
+        <p:blipFill>
+          <a:blip r:embed="rId3">
+            <a:alphaModFix/>
+          </a:blip>
+          <a:stretch>
+            <a:fillRect/>
+          </a:stretch>
+        </p:blipFill>
+        <p:spPr>
+          <a:xfrm>
+            <a:off x="4971375" y="3277550"/>
+            <a:ext cx="3025549" cy="945875"/>
+          </a:xfrm>
+          <a:prstGeom prst="rect">
+            <a:avLst/>
+          </a:prstGeom>
+          <a:noFill/>
+          <a:ln>
+            <a:noFill/>
+          </a:ln>
+        </p:spPr>
+      </p:pic>
+      <p:sp>
+        <p:nvSpPr>
+          <p:cNvPr id="225" name="Google Shape;225;p33"/>
+          <p:cNvSpPr txBox="1"/>
+          <p:nvPr>
+            <p:ph idx="1" type="body"/>
+          </p:nvPr>
+        </p:nvSpPr>
+        <p:spPr>
+          <a:xfrm>
+            <a:off x="311700" y="1152475"/>
+            <a:ext cx="8520600" cy="3416400"/>
+          </a:xfrm>
+          <a:prstGeom prst="rect">
+            <a:avLst/>
+          </a:prstGeom>
+        </p:spPr>
+        <p:txBody>
+          <a:bodyPr anchorCtr="0" anchor="t" bIns="91425" lIns="91425" spcFirstLastPara="1" rIns="91425" wrap="square" tIns="91425">
+            <a:noAutofit/>
+          </a:bodyPr>
+          <a:lstStyle/>
+          <a:p>
+            <a:pPr indent="0" lvl="0" marL="0" rtl="0" algn="l">
+              <a:spcBef>
+                <a:spcPts val="0"/>
+              </a:spcBef>
+              <a:spcAft>
+                <a:spcPts val="0"/>
+              </a:spcAft>
+              <a:buNone/>
+            </a:pPr>
+            <a:r>
+              <a:rPr lang="en">
+                <a:solidFill>
+                  <a:schemeClr val="accent2"/>
+                </a:solidFill>
+              </a:rPr>
+              <a:t>Using feature variables X, build a predictive model for the target y</a:t>
+            </a:r>
+            <a:endParaRPr>
+              <a:solidFill>
+                <a:schemeClr val="accent2"/>
+              </a:solidFill>
+            </a:endParaRPr>
+          </a:p>
+          <a:p>
+            <a:pPr indent="0" lvl="0" marL="0" rtl="0" algn="l">
+              <a:spcBef>
+                <a:spcPts val="1600"/>
+              </a:spcBef>
+              <a:spcAft>
+                <a:spcPts val="0"/>
+              </a:spcAft>
+              <a:buNone/>
+            </a:pPr>
+            <a:r>
+              <a:rPr lang="en">
+                <a:solidFill>
+                  <a:schemeClr val="accent2"/>
+                </a:solidFill>
+              </a:rPr>
+              <a:t>Model: </a:t>
+            </a:r>
+            <a:r>
+              <a:rPr b="1" lang="en">
+                <a:solidFill>
+                  <a:schemeClr val="accent2"/>
+                </a:solidFill>
+              </a:rPr>
+              <a:t>Linear regression</a:t>
+            </a:r>
+            <a:r>
+              <a:rPr lang="en">
+                <a:solidFill>
+                  <a:schemeClr val="accent2"/>
+                </a:solidFill>
+              </a:rPr>
+              <a:t> (</a:t>
+            </a:r>
+            <a:r>
+              <a:rPr i="1" lang="en">
+                <a:solidFill>
+                  <a:schemeClr val="accent2"/>
+                </a:solidFill>
+              </a:rPr>
+              <a:t>Scikit-Learn</a:t>
+            </a:r>
+            <a:r>
+              <a:rPr lang="en">
+                <a:solidFill>
+                  <a:schemeClr val="accent2"/>
+                </a:solidFill>
+              </a:rPr>
+              <a:t>)</a:t>
+            </a:r>
+            <a:endParaRPr>
+              <a:solidFill>
+                <a:schemeClr val="accent2"/>
+              </a:solidFill>
+            </a:endParaRPr>
+          </a:p>
+          <a:p>
+            <a:pPr indent="0" lvl="0" marL="0" rtl="0" algn="l">
+              <a:spcBef>
+                <a:spcPts val="1600"/>
+              </a:spcBef>
+              <a:spcAft>
+                <a:spcPts val="0"/>
+              </a:spcAft>
+              <a:buNone/>
+            </a:pPr>
+            <a:r>
+              <a:rPr lang="en">
+                <a:solidFill>
+                  <a:schemeClr val="accent2"/>
+                </a:solidFill>
+              </a:rPr>
+              <a:t>Methods: apply transformation to the data, try different algorithms</a:t>
+            </a:r>
+            <a:endParaRPr>
+              <a:solidFill>
+                <a:schemeClr val="accent2"/>
+              </a:solidFill>
+            </a:endParaRPr>
+          </a:p>
+          <a:p>
+            <a:pPr indent="0" lvl="0" marL="0" rtl="0" algn="l">
+              <a:lnSpc>
+                <a:spcPct val="150000"/>
+              </a:lnSpc>
+              <a:spcBef>
+                <a:spcPts val="1600"/>
+              </a:spcBef>
+              <a:spcAft>
+                <a:spcPts val="0"/>
+              </a:spcAft>
+              <a:buNone/>
+            </a:pPr>
+            <a:r>
+              <a:rPr lang="en">
+                <a:solidFill>
+                  <a:schemeClr val="accent2"/>
+                </a:solidFill>
+              </a:rPr>
+              <a:t>Metric for performance evaluation:  </a:t>
+            </a:r>
+            <a:r>
+              <a:rPr b="1" lang="en">
+                <a:solidFill>
+                  <a:schemeClr val="accent2"/>
+                </a:solidFill>
+              </a:rPr>
+              <a:t>minimize root mean square error</a:t>
+            </a:r>
+            <a:endParaRPr b="1">
+              <a:solidFill>
+                <a:schemeClr val="accent2"/>
+              </a:solidFill>
+            </a:endParaRPr>
+          </a:p>
+          <a:p>
+            <a:pPr indent="-342900" lvl="0" marL="457200" rtl="0" algn="l">
+              <a:spcBef>
+                <a:spcPts val="1600"/>
+              </a:spcBef>
+              <a:spcAft>
+                <a:spcPts val="0"/>
+              </a:spcAft>
+              <a:buClr>
+                <a:schemeClr val="accent2"/>
+              </a:buClr>
+              <a:buSzPts val="1800"/>
+              <a:buChar char="-"/>
+            </a:pPr>
+            <a:r>
+              <a:rPr lang="en">
+                <a:solidFill>
+                  <a:schemeClr val="accent2"/>
+                </a:solidFill>
+              </a:rPr>
+              <a:t>Split data between train and test or,</a:t>
+            </a:r>
+            <a:endParaRPr>
+              <a:solidFill>
+                <a:schemeClr val="accent2"/>
+              </a:solidFill>
+            </a:endParaRPr>
+          </a:p>
+          <a:p>
+            <a:pPr indent="-342900" lvl="0" marL="457200" rtl="0" algn="l">
+              <a:spcBef>
+                <a:spcPts val="0"/>
+              </a:spcBef>
+              <a:spcAft>
+                <a:spcPts val="0"/>
+              </a:spcAft>
+              <a:buClr>
+                <a:schemeClr val="accent2"/>
+              </a:buClr>
+              <a:buSzPts val="1800"/>
+              <a:buChar char="-"/>
+            </a:pPr>
+            <a:r>
+              <a:rPr lang="en">
+                <a:solidFill>
+                  <a:schemeClr val="accent2"/>
+                </a:solidFill>
+              </a:rPr>
+              <a:t>Perform cross validation test</a:t>
+            </a:r>
+            <a:endParaRPr>
+              <a:solidFill>
+                <a:schemeClr val="accent2"/>
+              </a:solidFill>
+            </a:endParaRPr>
+          </a:p>
+        </p:txBody>
+      </p:sp>
+    </p:spTree>
+  </p:cSld>
+  <p:clrMapOvr>
+    <a:masterClrMapping/>
+  </p:clrMapOvr>
+</p:sld>
+</file>
+
+<file path=ppt/slides/slide22.xml><?xml version="1.0" encoding="utf-8"?>
+<p:sld xmlns:a="http://schemas.openxmlformats.org/drawingml/2006/main" xmlns:r="http://schemas.openxmlformats.org/officeDocument/2006/relationships" xmlns:mc="http://schemas.openxmlformats.org/markup-compatibility/2006" xmlns:mv="urn:schemas-microsoft-com:mac:vml" xmlns:p="http://schemas.openxmlformats.org/presentationml/2006/main" xmlns:c="http://schemas.openxmlformats.org/drawingml/2006/chart" xmlns:dgm="http://schemas.openxmlformats.org/drawingml/2006/diagram" xmlns:o="urn:schemas-microsoft-com:office:office" xmlns:v="urn:schemas-microsoft-com:vml" xmlns:pvml="urn:schemas-microsoft-com:office:powerpoint" xmlns:com="http://schemas.openxmlformats.org/drawingml/2006/compatibility" xmlns:p14="http://schemas.microsoft.com/office/powerpoint/2010/main" xmlns:p15="http://schemas.microsoft.com/office/powerpoint/2012/main">
+  <p:cSld>
+    <p:spTree>
+      <p:nvGrpSpPr>
+        <p:cNvPr id="229" name="Shape 229"/>
+        <p:cNvGrpSpPr/>
+        <p:nvPr/>
+      </p:nvGrpSpPr>
+      <p:grpSpPr>
+        <a:xfrm>
+          <a:off x="0" y="0"/>
+          <a:ext cx="0" cy="0"/>
+          <a:chOff x="0" y="0"/>
+          <a:chExt cx="0" cy="0"/>
+        </a:xfrm>
+      </p:grpSpPr>
+      <p:sp>
+        <p:nvSpPr>
+          <p:cNvPr id="230" name="Google Shape;230;p34"/>
+          <p:cNvSpPr txBox="1"/>
+          <p:nvPr>
+            <p:ph type="title"/>
+          </p:nvPr>
+        </p:nvSpPr>
+        <p:spPr>
+          <a:xfrm>
+            <a:off x="311700" y="295625"/>
+            <a:ext cx="3839700" cy="572700"/>
+          </a:xfrm>
+          <a:prstGeom prst="rect">
+            <a:avLst/>
+          </a:prstGeom>
+        </p:spPr>
+        <p:txBody>
+          <a:bodyPr anchorCtr="0" anchor="t" bIns="91425" lIns="91425" spcFirstLastPara="1" rIns="91425" wrap="square" tIns="91425">
+            <a:noAutofit/>
+          </a:bodyPr>
+          <a:lstStyle/>
+          <a:p>
+            <a:pPr indent="0" lvl="0" marL="0" rtl="0" algn="l">
+              <a:spcBef>
+                <a:spcPts val="0"/>
+              </a:spcBef>
+              <a:spcAft>
+                <a:spcPts val="0"/>
+              </a:spcAft>
+              <a:buNone/>
+            </a:pPr>
+            <a:r>
+              <a:rPr lang="en"/>
+              <a:t>Data </a:t>
+            </a:r>
+            <a:r>
+              <a:rPr lang="en"/>
+              <a:t>Transformation</a:t>
+            </a:r>
+            <a:endParaRPr/>
+          </a:p>
+        </p:txBody>
+      </p:sp>
+      <p:sp>
+        <p:nvSpPr>
+          <p:cNvPr id="231" name="Google Shape;231;p34"/>
+          <p:cNvSpPr txBox="1"/>
+          <p:nvPr>
+            <p:ph idx="1" type="body"/>
+          </p:nvPr>
+        </p:nvSpPr>
+        <p:spPr>
+          <a:xfrm>
+            <a:off x="311700" y="1054500"/>
+            <a:ext cx="5003400" cy="639900"/>
+          </a:xfrm>
+          <a:prstGeom prst="rect">
+            <a:avLst/>
+          </a:prstGeom>
+        </p:spPr>
+        <p:txBody>
+          <a:bodyPr anchorCtr="0" anchor="t" bIns="91425" lIns="91425" spcFirstLastPara="1" rIns="91425" wrap="square" tIns="91425">
+            <a:noAutofit/>
+          </a:bodyPr>
+          <a:lstStyle/>
+          <a:p>
+            <a:pPr indent="-342900" lvl="0" marL="457200" rtl="0" algn="l">
+              <a:lnSpc>
+                <a:spcPct val="115000"/>
+              </a:lnSpc>
+              <a:spcBef>
+                <a:spcPts val="0"/>
+              </a:spcBef>
+              <a:spcAft>
+                <a:spcPts val="0"/>
+              </a:spcAft>
+              <a:buSzPts val="1800"/>
+              <a:buChar char="●"/>
+            </a:pPr>
+            <a:r>
+              <a:rPr lang="en"/>
+              <a:t>Consider all data point: RMSE = 1515.6908</a:t>
+            </a:r>
+            <a:endParaRPr/>
+          </a:p>
+        </p:txBody>
+      </p:sp>
+      <p:sp>
+        <p:nvSpPr>
+          <p:cNvPr id="232" name="Google Shape;232;p34"/>
+          <p:cNvSpPr txBox="1"/>
+          <p:nvPr>
+            <p:ph type="title"/>
+          </p:nvPr>
+        </p:nvSpPr>
+        <p:spPr>
+          <a:xfrm>
+            <a:off x="5008650" y="295625"/>
+            <a:ext cx="3233100" cy="572700"/>
+          </a:xfrm>
+          <a:prstGeom prst="rect">
+            <a:avLst/>
+          </a:prstGeom>
+          <a:ln cap="flat" cmpd="sng" w="9525">
+            <a:solidFill>
+              <a:srgbClr val="000000"/>
+            </a:solidFill>
+            <a:prstDash val="solid"/>
+            <a:round/>
+            <a:headEnd len="sm" w="sm" type="none"/>
+            <a:tailEnd len="sm" w="sm" type="none"/>
+          </a:ln>
+        </p:spPr>
+        <p:txBody>
+          <a:bodyPr anchorCtr="0" anchor="t" bIns="91425" lIns="91425" spcFirstLastPara="1" rIns="91425" wrap="square" tIns="91425">
+            <a:noAutofit/>
+          </a:bodyPr>
+          <a:lstStyle/>
+          <a:p>
+            <a:pPr indent="0" lvl="0" marL="0" rtl="0" algn="l">
+              <a:spcBef>
+                <a:spcPts val="0"/>
+              </a:spcBef>
+              <a:spcAft>
+                <a:spcPts val="0"/>
+              </a:spcAft>
+              <a:buNone/>
+            </a:pPr>
+            <a:r>
+              <a:rPr lang="en" sz="2200"/>
+              <a:t>Range for y:  1 &lt; y &lt; 6201</a:t>
+            </a:r>
+            <a:endParaRPr sz="2200"/>
+          </a:p>
+        </p:txBody>
+      </p:sp>
+      <p:sp>
+        <p:nvSpPr>
+          <p:cNvPr id="233" name="Google Shape;233;p34"/>
+          <p:cNvSpPr txBox="1"/>
+          <p:nvPr/>
+        </p:nvSpPr>
+        <p:spPr>
+          <a:xfrm>
+            <a:off x="6954150" y="1290150"/>
+            <a:ext cx="1759500" cy="2376900"/>
+          </a:xfrm>
+          <a:prstGeom prst="rect">
+            <a:avLst/>
+          </a:prstGeom>
+          <a:noFill/>
+          <a:ln>
+            <a:noFill/>
+          </a:ln>
+        </p:spPr>
+        <p:txBody>
+          <a:bodyPr anchorCtr="0" anchor="t" bIns="91425" lIns="91425" spcFirstLastPara="1" rIns="91425" wrap="square" tIns="91425">
+            <a:noAutofit/>
+          </a:bodyPr>
+          <a:lstStyle/>
+          <a:p>
+            <a:pPr indent="0" lvl="0" marL="0" rtl="0" algn="l">
+              <a:spcBef>
+                <a:spcPts val="0"/>
+              </a:spcBef>
+              <a:spcAft>
+                <a:spcPts val="0"/>
+              </a:spcAft>
+              <a:buNone/>
+            </a:pPr>
+            <a:r>
+              <a:rPr lang="en" sz="1800">
+                <a:solidFill>
+                  <a:schemeClr val="accent3"/>
+                </a:solidFill>
+                <a:latin typeface="Proxima Nova"/>
+                <a:ea typeface="Proxima Nova"/>
+                <a:cs typeface="Proxima Nova"/>
+                <a:sym typeface="Proxima Nova"/>
+              </a:rPr>
+              <a:t>...</a:t>
+            </a:r>
+            <a:r>
+              <a:rPr lang="en" sz="1800">
+                <a:solidFill>
+                  <a:schemeClr val="accent3"/>
+                </a:solidFill>
+                <a:latin typeface="Proxima Nova"/>
+                <a:ea typeface="Proxima Nova"/>
+                <a:cs typeface="Proxima Nova"/>
+                <a:sym typeface="Proxima Nova"/>
+              </a:rPr>
+              <a:t> receiving td, </a:t>
+            </a:r>
+            <a:endParaRPr sz="1800">
+              <a:solidFill>
+                <a:schemeClr val="accent3"/>
+              </a:solidFill>
+              <a:latin typeface="Proxima Nova"/>
+              <a:ea typeface="Proxima Nova"/>
+              <a:cs typeface="Proxima Nova"/>
+              <a:sym typeface="Proxima Nova"/>
+            </a:endParaRPr>
+          </a:p>
+          <a:p>
+            <a:pPr indent="0" lvl="0" marL="0" rtl="0" algn="l">
+              <a:spcBef>
+                <a:spcPts val="0"/>
+              </a:spcBef>
+              <a:spcAft>
+                <a:spcPts val="0"/>
+              </a:spcAft>
+              <a:buNone/>
+            </a:pPr>
+            <a:r>
+              <a:rPr lang="en" sz="1800">
+                <a:solidFill>
+                  <a:schemeClr val="accent3"/>
+                </a:solidFill>
+                <a:latin typeface="Proxima Nova"/>
+                <a:ea typeface="Proxima Nova"/>
+                <a:cs typeface="Proxima Nova"/>
+                <a:sym typeface="Proxima Nova"/>
+              </a:rPr>
+              <a:t>... td, </a:t>
+            </a:r>
+            <a:endParaRPr sz="1800">
+              <a:solidFill>
+                <a:schemeClr val="accent3"/>
+              </a:solidFill>
+              <a:latin typeface="Proxima Nova"/>
+              <a:ea typeface="Proxima Nova"/>
+              <a:cs typeface="Proxima Nova"/>
+              <a:sym typeface="Proxima Nova"/>
+            </a:endParaRPr>
+          </a:p>
+          <a:p>
+            <a:pPr indent="0" lvl="0" marL="0" rtl="0" algn="l">
+              <a:spcBef>
+                <a:spcPts val="0"/>
+              </a:spcBef>
+              <a:spcAft>
+                <a:spcPts val="0"/>
+              </a:spcAft>
+              <a:buNone/>
+            </a:pPr>
+            <a:r>
+              <a:rPr lang="en" sz="1800">
+                <a:solidFill>
+                  <a:schemeClr val="accent3"/>
+                </a:solidFill>
+                <a:latin typeface="Proxima Nova"/>
+                <a:ea typeface="Proxima Nova"/>
+                <a:cs typeface="Proxima Nova"/>
+                <a:sym typeface="Proxima Nova"/>
+              </a:rPr>
+              <a:t>… yards, </a:t>
+            </a:r>
+            <a:endParaRPr sz="1800">
+              <a:solidFill>
+                <a:schemeClr val="accent3"/>
+              </a:solidFill>
+              <a:latin typeface="Proxima Nova"/>
+              <a:ea typeface="Proxima Nova"/>
+              <a:cs typeface="Proxima Nova"/>
+              <a:sym typeface="Proxima Nova"/>
+            </a:endParaRPr>
+          </a:p>
+          <a:p>
+            <a:pPr indent="0" lvl="0" marL="0" rtl="0" algn="l">
+              <a:spcBef>
+                <a:spcPts val="0"/>
+              </a:spcBef>
+              <a:spcAft>
+                <a:spcPts val="0"/>
+              </a:spcAft>
+              <a:buNone/>
+            </a:pPr>
+            <a:r>
+              <a:rPr lang="en" sz="1800">
+                <a:solidFill>
+                  <a:schemeClr val="accent3"/>
+                </a:solidFill>
+                <a:latin typeface="Proxima Nova"/>
+                <a:ea typeface="Proxima Nova"/>
+                <a:cs typeface="Proxima Nova"/>
+                <a:sym typeface="Proxima Nova"/>
+              </a:rPr>
+              <a:t>… rec yds,</a:t>
+            </a:r>
+            <a:endParaRPr sz="1800">
+              <a:solidFill>
+                <a:schemeClr val="accent3"/>
+              </a:solidFill>
+              <a:latin typeface="Proxima Nova"/>
+              <a:ea typeface="Proxima Nova"/>
+              <a:cs typeface="Proxima Nova"/>
+              <a:sym typeface="Proxima Nova"/>
+            </a:endParaRPr>
+          </a:p>
+          <a:p>
+            <a:pPr indent="0" lvl="0" marL="0" rtl="0" algn="l">
+              <a:spcBef>
+                <a:spcPts val="0"/>
+              </a:spcBef>
+              <a:spcAft>
+                <a:spcPts val="0"/>
+              </a:spcAft>
+              <a:buNone/>
+            </a:pPr>
+            <a:r>
+              <a:rPr lang="en" sz="1800">
+                <a:solidFill>
+                  <a:schemeClr val="accent3"/>
+                </a:solidFill>
+                <a:latin typeface="Proxima Nova"/>
+                <a:ea typeface="Proxima Nova"/>
+                <a:cs typeface="Proxima Nova"/>
+                <a:sym typeface="Proxima Nova"/>
+              </a:rPr>
+              <a:t>… yds from scrimmage, </a:t>
+            </a:r>
+            <a:endParaRPr sz="1800">
+              <a:solidFill>
+                <a:schemeClr val="accent3"/>
+              </a:solidFill>
+              <a:latin typeface="Proxima Nova"/>
+              <a:ea typeface="Proxima Nova"/>
+              <a:cs typeface="Proxima Nova"/>
+              <a:sym typeface="Proxima Nova"/>
+            </a:endParaRPr>
+          </a:p>
+          <a:p>
+            <a:pPr indent="0" lvl="0" marL="0" rtl="0" algn="l">
+              <a:spcBef>
+                <a:spcPts val="0"/>
+              </a:spcBef>
+              <a:spcAft>
+                <a:spcPts val="0"/>
+              </a:spcAft>
+              <a:buClr>
+                <a:schemeClr val="dk1"/>
+              </a:buClr>
+              <a:buSzPts val="1100"/>
+              <a:buFont typeface="Arial"/>
+              <a:buNone/>
+            </a:pPr>
+            <a:r>
+              <a:rPr lang="en" sz="1800">
+                <a:solidFill>
+                  <a:schemeClr val="accent3"/>
+                </a:solidFill>
+                <a:latin typeface="Proxima Nova"/>
+                <a:ea typeface="Proxima Nova"/>
+                <a:cs typeface="Proxima Nova"/>
+                <a:sym typeface="Proxima Nova"/>
+              </a:rPr>
+              <a:t>… games</a:t>
+            </a:r>
+            <a:endParaRPr>
+              <a:latin typeface="Proxima Nova"/>
+              <a:ea typeface="Proxima Nova"/>
+              <a:cs typeface="Proxima Nova"/>
+              <a:sym typeface="Proxima Nova"/>
+            </a:endParaRPr>
+          </a:p>
+        </p:txBody>
+      </p:sp>
+      <p:sp>
+        <p:nvSpPr>
+          <p:cNvPr id="234" name="Google Shape;234;p34"/>
+          <p:cNvSpPr txBox="1"/>
+          <p:nvPr/>
+        </p:nvSpPr>
+        <p:spPr>
+          <a:xfrm>
+            <a:off x="5406900" y="1846675"/>
+            <a:ext cx="1575900" cy="497700"/>
+          </a:xfrm>
+          <a:prstGeom prst="rect">
+            <a:avLst/>
+          </a:prstGeom>
+          <a:noFill/>
+          <a:ln>
+            <a:noFill/>
+          </a:ln>
+        </p:spPr>
+        <p:txBody>
+          <a:bodyPr anchorCtr="0" anchor="t" bIns="91425" lIns="91425" spcFirstLastPara="1" rIns="91425" wrap="square" tIns="91425">
+            <a:noAutofit/>
+          </a:bodyPr>
+          <a:lstStyle/>
+          <a:p>
+            <a:pPr indent="0" lvl="0" marL="0" rtl="0" algn="l">
+              <a:spcBef>
+                <a:spcPts val="0"/>
+              </a:spcBef>
+              <a:spcAft>
+                <a:spcPts val="0"/>
+              </a:spcAft>
+              <a:buNone/>
+            </a:pPr>
+            <a:r>
+              <a:rPr lang="en" sz="1800">
+                <a:solidFill>
+                  <a:schemeClr val="accent3"/>
+                </a:solidFill>
+                <a:latin typeface="Proxima Nova"/>
+                <a:ea typeface="Proxima Nova"/>
+                <a:cs typeface="Proxima Nova"/>
+                <a:sym typeface="Proxima Nova"/>
+              </a:rPr>
+              <a:t>X’ = college ...</a:t>
+            </a:r>
+            <a:endParaRPr>
+              <a:latin typeface="Proxima Nova"/>
+              <a:ea typeface="Proxima Nova"/>
+              <a:cs typeface="Proxima Nova"/>
+              <a:sym typeface="Proxima Nova"/>
+            </a:endParaRPr>
+          </a:p>
+        </p:txBody>
+      </p:sp>
+      <p:sp>
+        <p:nvSpPr>
+          <p:cNvPr id="235" name="Google Shape;235;p34"/>
+          <p:cNvSpPr txBox="1"/>
+          <p:nvPr/>
+        </p:nvSpPr>
+        <p:spPr>
+          <a:xfrm>
+            <a:off x="5745450" y="3949125"/>
+            <a:ext cx="1759500" cy="1073400"/>
+          </a:xfrm>
+          <a:prstGeom prst="rect">
+            <a:avLst/>
+          </a:prstGeom>
+          <a:noFill/>
+          <a:ln>
+            <a:noFill/>
+          </a:ln>
+        </p:spPr>
+        <p:txBody>
+          <a:bodyPr anchorCtr="0" anchor="t" bIns="91425" lIns="91425" spcFirstLastPara="1" rIns="91425" wrap="square" tIns="91425">
+            <a:noAutofit/>
+          </a:bodyPr>
+          <a:lstStyle/>
+          <a:p>
+            <a:pPr indent="0" lvl="0" marL="0" rtl="0" algn="l">
+              <a:spcBef>
+                <a:spcPts val="0"/>
+              </a:spcBef>
+              <a:spcAft>
+                <a:spcPts val="0"/>
+              </a:spcAft>
+              <a:buNone/>
+            </a:pPr>
+            <a:r>
+              <a:rPr i="1" lang="en" sz="1800">
+                <a:solidFill>
+                  <a:schemeClr val="accent3"/>
+                </a:solidFill>
+                <a:latin typeface="Proxima Nova"/>
+                <a:ea typeface="Proxima Nova"/>
+                <a:cs typeface="Proxima Nova"/>
+                <a:sym typeface="Proxima Nova"/>
+              </a:rPr>
+              <a:t>SimpleImputer</a:t>
+            </a:r>
+            <a:endParaRPr sz="1800">
+              <a:solidFill>
+                <a:schemeClr val="accent3"/>
+              </a:solidFill>
+              <a:latin typeface="Proxima Nova"/>
+              <a:ea typeface="Proxima Nova"/>
+              <a:cs typeface="Proxima Nova"/>
+              <a:sym typeface="Proxima Nova"/>
+            </a:endParaRPr>
+          </a:p>
+          <a:p>
+            <a:pPr indent="0" lvl="0" marL="0" rtl="0" algn="l">
+              <a:spcBef>
+                <a:spcPts val="0"/>
+              </a:spcBef>
+              <a:spcAft>
+                <a:spcPts val="0"/>
+              </a:spcAft>
+              <a:buNone/>
+            </a:pPr>
+            <a:r>
+              <a:rPr lang="en" sz="1800">
+                <a:solidFill>
+                  <a:schemeClr val="accent3"/>
+                </a:solidFill>
+                <a:latin typeface="Proxima Nova"/>
+                <a:ea typeface="Proxima Nova"/>
+                <a:cs typeface="Proxima Nova"/>
+                <a:sym typeface="Proxima Nova"/>
+              </a:rPr>
+              <a:t>s</a:t>
+            </a:r>
+            <a:r>
+              <a:rPr lang="en" sz="1800">
+                <a:solidFill>
+                  <a:schemeClr val="accent3"/>
+                </a:solidFill>
+                <a:latin typeface="Proxima Nova"/>
+                <a:ea typeface="Proxima Nova"/>
+                <a:cs typeface="Proxima Nova"/>
+                <a:sym typeface="Proxima Nova"/>
+              </a:rPr>
+              <a:t>trategy:  mean</a:t>
+            </a:r>
+            <a:endParaRPr sz="1800">
+              <a:solidFill>
+                <a:schemeClr val="accent3"/>
+              </a:solidFill>
+              <a:latin typeface="Proxima Nova"/>
+              <a:ea typeface="Proxima Nova"/>
+              <a:cs typeface="Proxima Nova"/>
+              <a:sym typeface="Proxima Nova"/>
+            </a:endParaRPr>
+          </a:p>
+        </p:txBody>
+      </p:sp>
+      <p:sp>
+        <p:nvSpPr>
+          <p:cNvPr id="236" name="Google Shape;236;p34"/>
+          <p:cNvSpPr txBox="1"/>
+          <p:nvPr/>
+        </p:nvSpPr>
+        <p:spPr>
+          <a:xfrm>
+            <a:off x="311700" y="1612375"/>
+            <a:ext cx="4506600" cy="808200"/>
+          </a:xfrm>
+          <a:prstGeom prst="rect">
+            <a:avLst/>
+          </a:prstGeom>
+          <a:noFill/>
+          <a:ln>
+            <a:noFill/>
+          </a:ln>
+        </p:spPr>
+        <p:txBody>
+          <a:bodyPr anchorCtr="0" anchor="t" bIns="91425" lIns="91425" spcFirstLastPara="1" rIns="91425" wrap="square" tIns="91425">
+            <a:noAutofit/>
+          </a:bodyPr>
+          <a:lstStyle/>
+          <a:p>
+            <a:pPr indent="-342900" lvl="0" marL="457200" rtl="0" algn="l">
+              <a:lnSpc>
+                <a:spcPct val="115000"/>
+              </a:lnSpc>
+              <a:spcBef>
+                <a:spcPts val="0"/>
+              </a:spcBef>
+              <a:spcAft>
+                <a:spcPts val="0"/>
+              </a:spcAft>
+              <a:buClr>
+                <a:schemeClr val="accent3"/>
+              </a:buClr>
+              <a:buSzPts val="1800"/>
+              <a:buFont typeface="Proxima Nova"/>
+              <a:buChar char="●"/>
+            </a:pPr>
+            <a:r>
+              <a:rPr lang="en" sz="1800">
+                <a:solidFill>
+                  <a:schemeClr val="accent3"/>
+                </a:solidFill>
+                <a:latin typeface="Proxima Nova"/>
+                <a:ea typeface="Proxima Nova"/>
+                <a:cs typeface="Proxima Nova"/>
+                <a:sym typeface="Proxima Nova"/>
+              </a:rPr>
+              <a:t>Reducing the features X to 6 variables: RMSE  = 1437.94</a:t>
+            </a:r>
+            <a:endParaRPr/>
+          </a:p>
+        </p:txBody>
+      </p:sp>
+      <p:sp>
+        <p:nvSpPr>
+          <p:cNvPr id="237" name="Google Shape;237;p34"/>
+          <p:cNvSpPr txBox="1"/>
+          <p:nvPr/>
+        </p:nvSpPr>
+        <p:spPr>
+          <a:xfrm>
+            <a:off x="311700" y="2268175"/>
+            <a:ext cx="4396500" cy="639900"/>
+          </a:xfrm>
+          <a:prstGeom prst="rect">
+            <a:avLst/>
+          </a:prstGeom>
+          <a:noFill/>
+          <a:ln>
+            <a:noFill/>
+          </a:ln>
+        </p:spPr>
+        <p:txBody>
+          <a:bodyPr anchorCtr="0" anchor="t" bIns="91425" lIns="91425" spcFirstLastPara="1" rIns="91425" wrap="square" tIns="91425">
+            <a:noAutofit/>
+          </a:bodyPr>
+          <a:lstStyle/>
+          <a:p>
+            <a:pPr indent="-342900" lvl="0" marL="457200" rtl="0" algn="l">
+              <a:lnSpc>
+                <a:spcPct val="115000"/>
+              </a:lnSpc>
+              <a:spcBef>
+                <a:spcPts val="1000"/>
+              </a:spcBef>
+              <a:spcAft>
+                <a:spcPts val="0"/>
+              </a:spcAft>
+              <a:buClr>
+                <a:schemeClr val="accent3"/>
+              </a:buClr>
+              <a:buSzPts val="1800"/>
+              <a:buFont typeface="Proxima Nova"/>
+              <a:buChar char="●"/>
+            </a:pPr>
+            <a:r>
+              <a:rPr lang="en" sz="1800">
+                <a:solidFill>
+                  <a:schemeClr val="accent3"/>
+                </a:solidFill>
+                <a:latin typeface="Proxima Nova"/>
+                <a:ea typeface="Proxima Nova"/>
+                <a:cs typeface="Proxima Nova"/>
+                <a:sym typeface="Proxima Nova"/>
+              </a:rPr>
+              <a:t>Remove outliers: RMSE = 1363.66</a:t>
+            </a:r>
+            <a:endParaRPr>
+              <a:solidFill>
+                <a:schemeClr val="dk1"/>
+              </a:solidFill>
+            </a:endParaRPr>
+          </a:p>
+        </p:txBody>
+      </p:sp>
+      <p:sp>
+        <p:nvSpPr>
+          <p:cNvPr id="238" name="Google Shape;238;p34"/>
+          <p:cNvSpPr txBox="1"/>
+          <p:nvPr/>
+        </p:nvSpPr>
+        <p:spPr>
+          <a:xfrm>
+            <a:off x="311700" y="2913475"/>
+            <a:ext cx="4206000" cy="1432800"/>
+          </a:xfrm>
+          <a:prstGeom prst="rect">
+            <a:avLst/>
+          </a:prstGeom>
+          <a:noFill/>
+          <a:ln>
+            <a:noFill/>
+          </a:ln>
+        </p:spPr>
+        <p:txBody>
+          <a:bodyPr anchorCtr="0" anchor="t" bIns="91425" lIns="91425" spcFirstLastPara="1" rIns="91425" wrap="square" tIns="91425">
+            <a:noAutofit/>
+          </a:bodyPr>
+          <a:lstStyle/>
+          <a:p>
+            <a:pPr indent="-342900" lvl="0" marL="457200" rtl="0" algn="l">
+              <a:lnSpc>
+                <a:spcPct val="115000"/>
+              </a:lnSpc>
+              <a:spcBef>
+                <a:spcPts val="0"/>
+              </a:spcBef>
+              <a:spcAft>
+                <a:spcPts val="0"/>
+              </a:spcAft>
+              <a:buClr>
+                <a:schemeClr val="accent3"/>
+              </a:buClr>
+              <a:buSzPts val="1800"/>
+              <a:buFont typeface="Proxima Nova"/>
+              <a:buChar char="●"/>
+            </a:pPr>
+            <a:r>
+              <a:rPr lang="en" sz="1800">
+                <a:solidFill>
+                  <a:schemeClr val="accent3"/>
+                </a:solidFill>
+                <a:latin typeface="Proxima Nova"/>
+                <a:ea typeface="Proxima Nova"/>
+                <a:cs typeface="Proxima Nova"/>
+                <a:sym typeface="Proxima Nova"/>
+              </a:rPr>
+              <a:t>Include non numerical features: </a:t>
+            </a:r>
+            <a:endParaRPr sz="1800">
+              <a:solidFill>
+                <a:schemeClr val="accent3"/>
+              </a:solidFill>
+              <a:latin typeface="Proxima Nova"/>
+              <a:ea typeface="Proxima Nova"/>
+              <a:cs typeface="Proxima Nova"/>
+              <a:sym typeface="Proxima Nova"/>
+            </a:endParaRPr>
+          </a:p>
+          <a:p>
+            <a:pPr indent="0" lvl="0" marL="457200" rtl="0" algn="l">
+              <a:lnSpc>
+                <a:spcPct val="115000"/>
+              </a:lnSpc>
+              <a:spcBef>
+                <a:spcPts val="0"/>
+              </a:spcBef>
+              <a:spcAft>
+                <a:spcPts val="0"/>
+              </a:spcAft>
+              <a:buNone/>
+            </a:pPr>
+            <a:r>
+              <a:rPr i="1" lang="en" sz="1800">
+                <a:solidFill>
+                  <a:schemeClr val="accent3"/>
+                </a:solidFill>
+                <a:latin typeface="Proxima Nova"/>
+                <a:ea typeface="Proxima Nova"/>
+                <a:cs typeface="Proxima Nova"/>
+                <a:sym typeface="Proxima Nova"/>
+              </a:rPr>
+              <a:t>get_dummies</a:t>
+            </a:r>
+            <a:r>
+              <a:rPr lang="en" sz="1800">
+                <a:solidFill>
+                  <a:schemeClr val="accent3"/>
+                </a:solidFill>
+                <a:latin typeface="Proxima Nova"/>
+                <a:ea typeface="Proxima Nova"/>
+                <a:cs typeface="Proxima Nova"/>
+                <a:sym typeface="Proxima Nova"/>
+              </a:rPr>
+              <a:t> (</a:t>
+            </a:r>
+            <a:r>
+              <a:rPr i="1" lang="en" sz="1800">
+                <a:solidFill>
+                  <a:schemeClr val="accent3"/>
+                </a:solidFill>
+                <a:latin typeface="Proxima Nova"/>
+                <a:ea typeface="Proxima Nova"/>
+                <a:cs typeface="Proxima Nova"/>
+                <a:sym typeface="Proxima Nova"/>
+              </a:rPr>
+              <a:t>pandas</a:t>
+            </a:r>
+            <a:r>
+              <a:rPr lang="en" sz="1800">
+                <a:solidFill>
+                  <a:schemeClr val="accent3"/>
+                </a:solidFill>
+                <a:latin typeface="Proxima Nova"/>
+                <a:ea typeface="Proxima Nova"/>
+                <a:cs typeface="Proxima Nova"/>
+                <a:sym typeface="Proxima Nova"/>
+              </a:rPr>
+              <a:t>)</a:t>
+            </a:r>
+            <a:endParaRPr sz="1800">
+              <a:solidFill>
+                <a:schemeClr val="accent3"/>
+              </a:solidFill>
+              <a:latin typeface="Proxima Nova"/>
+              <a:ea typeface="Proxima Nova"/>
+              <a:cs typeface="Proxima Nova"/>
+              <a:sym typeface="Proxima Nova"/>
+            </a:endParaRPr>
+          </a:p>
+          <a:p>
+            <a:pPr indent="0" lvl="0" marL="457200" rtl="0" algn="l">
+              <a:lnSpc>
+                <a:spcPct val="115000"/>
+              </a:lnSpc>
+              <a:spcBef>
+                <a:spcPts val="0"/>
+              </a:spcBef>
+              <a:spcAft>
+                <a:spcPts val="0"/>
+              </a:spcAft>
+              <a:buNone/>
+            </a:pPr>
+            <a:r>
+              <a:rPr lang="en" sz="1800">
+                <a:solidFill>
+                  <a:schemeClr val="accent3"/>
+                </a:solidFill>
+                <a:latin typeface="Proxima Nova"/>
+                <a:ea typeface="Proxima Nova"/>
+                <a:cs typeface="Proxima Nova"/>
+                <a:sym typeface="Proxima Nova"/>
+              </a:rPr>
+              <a:t>no effect on RMSE</a:t>
+            </a:r>
+            <a:endParaRPr/>
+          </a:p>
+        </p:txBody>
+      </p:sp>
+      <p:sp>
+        <p:nvSpPr>
+          <p:cNvPr id="239" name="Google Shape;239;p34"/>
+          <p:cNvSpPr txBox="1"/>
+          <p:nvPr/>
+        </p:nvSpPr>
+        <p:spPr>
+          <a:xfrm>
+            <a:off x="308875" y="4013925"/>
+            <a:ext cx="4506600" cy="1073400"/>
+          </a:xfrm>
+          <a:prstGeom prst="rect">
+            <a:avLst/>
+          </a:prstGeom>
+          <a:noFill/>
+          <a:ln>
+            <a:noFill/>
+          </a:ln>
+        </p:spPr>
+        <p:txBody>
+          <a:bodyPr anchorCtr="0" anchor="t" bIns="91425" lIns="91425" spcFirstLastPara="1" rIns="91425" wrap="square" tIns="91425">
+            <a:noAutofit/>
+          </a:bodyPr>
+          <a:lstStyle/>
+          <a:p>
+            <a:pPr indent="-342900" lvl="0" marL="457200" rtl="0" algn="l">
+              <a:lnSpc>
+                <a:spcPct val="115000"/>
+              </a:lnSpc>
+              <a:spcBef>
+                <a:spcPts val="0"/>
+              </a:spcBef>
+              <a:spcAft>
+                <a:spcPts val="0"/>
+              </a:spcAft>
+              <a:buClr>
+                <a:schemeClr val="accent3"/>
+              </a:buClr>
+              <a:buSzPts val="1800"/>
+              <a:buFont typeface="Proxima Nova"/>
+              <a:buChar char="●"/>
+            </a:pPr>
+            <a:r>
+              <a:rPr lang="en" sz="1800">
+                <a:solidFill>
+                  <a:schemeClr val="accent3"/>
+                </a:solidFill>
+                <a:latin typeface="Proxima Nova"/>
+                <a:ea typeface="Proxima Nova"/>
+                <a:cs typeface="Proxima Nova"/>
+                <a:sym typeface="Proxima Nova"/>
+              </a:rPr>
+              <a:t>Applying an Imputer for missing data: </a:t>
+            </a:r>
+            <a:endParaRPr sz="1800">
+              <a:solidFill>
+                <a:schemeClr val="accent3"/>
+              </a:solidFill>
+              <a:latin typeface="Proxima Nova"/>
+              <a:ea typeface="Proxima Nova"/>
+              <a:cs typeface="Proxima Nova"/>
+              <a:sym typeface="Proxima Nova"/>
+            </a:endParaRPr>
+          </a:p>
+          <a:p>
+            <a:pPr indent="0" lvl="0" marL="457200" rtl="0" algn="l">
+              <a:lnSpc>
+                <a:spcPct val="115000"/>
+              </a:lnSpc>
+              <a:spcBef>
+                <a:spcPts val="0"/>
+              </a:spcBef>
+              <a:spcAft>
+                <a:spcPts val="0"/>
+              </a:spcAft>
+              <a:buNone/>
+            </a:pPr>
+            <a:r>
+              <a:rPr lang="en" sz="1800">
+                <a:solidFill>
+                  <a:schemeClr val="accent3"/>
+                </a:solidFill>
+                <a:latin typeface="Proxima Nova"/>
+                <a:ea typeface="Proxima Nova"/>
+                <a:cs typeface="Proxima Nova"/>
+                <a:sym typeface="Proxima Nova"/>
+              </a:rPr>
+              <a:t>RMSE = 1383.19</a:t>
+            </a:r>
+            <a:endParaRPr>
+              <a:solidFill>
+                <a:schemeClr val="dk1"/>
+              </a:solidFill>
+            </a:endParaRPr>
+          </a:p>
+        </p:txBody>
+      </p:sp>
+      <p:cxnSp>
+        <p:nvCxnSpPr>
+          <p:cNvPr id="240" name="Google Shape;240;p34"/>
+          <p:cNvCxnSpPr/>
+          <p:nvPr/>
+        </p:nvCxnSpPr>
+        <p:spPr>
+          <a:xfrm flipH="1" rot="10800000">
+            <a:off x="4891675" y="4317825"/>
+            <a:ext cx="642600" cy="4200"/>
+          </a:xfrm>
+          <a:prstGeom prst="straightConnector1">
+            <a:avLst/>
+          </a:prstGeom>
+          <a:noFill/>
+          <a:ln cap="flat" cmpd="sng" w="28575">
+            <a:solidFill>
+              <a:schemeClr val="dk2"/>
+            </a:solidFill>
+            <a:prstDash val="solid"/>
+            <a:round/>
+            <a:headEnd len="med" w="med" type="none"/>
+            <a:tailEnd len="med" w="med" type="triangle"/>
+          </a:ln>
+        </p:spPr>
+      </p:cxnSp>
+      <p:cxnSp>
+        <p:nvCxnSpPr>
+          <p:cNvPr id="241" name="Google Shape;241;p34"/>
+          <p:cNvCxnSpPr/>
+          <p:nvPr/>
+        </p:nvCxnSpPr>
+        <p:spPr>
+          <a:xfrm flipH="1" rot="10800000">
+            <a:off x="4663075" y="2108025"/>
+            <a:ext cx="642600" cy="4200"/>
+          </a:xfrm>
+          <a:prstGeom prst="straightConnector1">
+            <a:avLst/>
+          </a:prstGeom>
+          <a:noFill/>
+          <a:ln cap="flat" cmpd="sng" w="28575">
+            <a:solidFill>
+              <a:schemeClr val="dk2"/>
+            </a:solidFill>
+            <a:prstDash val="solid"/>
+            <a:round/>
+            <a:headEnd len="med" w="med" type="none"/>
+            <a:tailEnd len="med" w="med" type="triangle"/>
+          </a:ln>
+        </p:spPr>
+      </p:cxnSp>
+    </p:spTree>
+  </p:cSld>
+  <p:clrMapOvr>
+    <a:masterClrMapping/>
+  </p:clrMapOvr>
+  <p:timing>
+    <p:tnLst>
+      <p:par>
+        <p:cTn dur="indefinite" nodeType="tmRoot" restart="never">
+          <p:childTnLst>
+            <p:seq concurrent="1" nextAc="seek">
+              <p:cTn dur="indefinite" id="2" nodeType="mainSeq">
+                <p:childTnLst>
+                  <p:par>
+                    <p:cTn fill="hold">
+                      <p:stCondLst>
+                        <p:cond delay="indefinite"/>
+                      </p:stCondLst>
+                      <p:childTnLst>
+                        <p:par>
+                          <p:cTn fill="hold">
+                            <p:stCondLst>
+                              <p:cond delay="0"/>
+                            </p:stCondLst>
+                            <p:childTnLst>
+                              <p:par>
+                                <p:cTn fill="hold" nodeType="clickEffect" presetClass="entr" presetID="1" presetSubtype="0">
+                                  <p:stCondLst>
+                                    <p:cond delay="0"/>
+                                  </p:stCondLst>
+                                  <p:childTnLst>
+                                    <p:set>
+                                      <p:cBhvr>
+                                        <p:cTn dur="1" fill="hold">
+                                          <p:stCondLst>
+                                            <p:cond delay="0"/>
+                                          </p:stCondLst>
+                                        </p:cTn>
+                                        <p:tgtEl>
+                                          <p:spTgt spid="231"/>
+                                        </p:tgtEl>
+                                        <p:attrNameLst>
+                                          <p:attrName>style.visibility</p:attrName>
+                                        </p:attrNameLst>
+                                      </p:cBhvr>
+                                      <p:to>
+                                        <p:strVal val="visible"/>
+                                      </p:to>
+                                    </p:set>
+                                  </p:childTnLst>
+                                </p:cTn>
+                              </p:par>
+                            </p:childTnLst>
+                          </p:cTn>
+                        </p:par>
+                      </p:childTnLst>
+                    </p:cTn>
+                  </p:par>
+                  <p:par>
+                    <p:cTn fill="hold">
+                      <p:stCondLst>
+                        <p:cond delay="indefinite"/>
+                      </p:stCondLst>
+                      <p:childTnLst>
+                        <p:par>
+                          <p:cTn fill="hold">
+                            <p:stCondLst>
+                              <p:cond delay="0"/>
+                            </p:stCondLst>
+                            <p:childTnLst>
+                              <p:par>
+                                <p:cTn fill="hold" nodeType="clickEffect" presetClass="entr" presetID="10" presetSubtype="0">
+                                  <p:stCondLst>
+                                    <p:cond delay="0"/>
+                                  </p:stCondLst>
+                                  <p:childTnLst>
+                                    <p:set>
+                                      <p:cBhvr>
+                                        <p:cTn dur="1" fill="hold">
+                                          <p:stCondLst>
+                                            <p:cond delay="0"/>
+                                          </p:stCondLst>
+                                        </p:cTn>
+                                        <p:tgtEl>
+                                          <p:spTgt spid="236"/>
+                                        </p:tgtEl>
+                                        <p:attrNameLst>
+                                          <p:attrName>style.visibility</p:attrName>
+                                        </p:attrNameLst>
+                                      </p:cBhvr>
+                                      <p:to>
+                                        <p:strVal val="visible"/>
+                                      </p:to>
+                                    </p:set>
+                                    <p:animEffect filter="fade" transition="in">
+                                      <p:cBhvr>
+                                        <p:cTn dur="1000"/>
+                                        <p:tgtEl>
+                                          <p:spTgt spid="236"/>
+                                        </p:tgtEl>
+                                      </p:cBhvr>
+                                    </p:animEffect>
+                                  </p:childTnLst>
+                                </p:cTn>
+                              </p:par>
+                              <p:par>
+                                <p:cTn fill="hold" nodeType="withEffect" presetClass="entr" presetID="10" presetSubtype="0">
+                                  <p:stCondLst>
+                                    <p:cond delay="0"/>
+                                  </p:stCondLst>
+                                  <p:childTnLst>
+                                    <p:set>
+                                      <p:cBhvr>
+                                        <p:cTn dur="1" fill="hold">
+                                          <p:stCondLst>
+                                            <p:cond delay="0"/>
+                                          </p:stCondLst>
+                                        </p:cTn>
+                                        <p:tgtEl>
+                                          <p:spTgt spid="241"/>
+                                        </p:tgtEl>
+                                        <p:attrNameLst>
+                                          <p:attrName>style.visibility</p:attrName>
+                                        </p:attrNameLst>
+                                      </p:cBhvr>
+                                      <p:to>
+                                        <p:strVal val="visible"/>
+                                      </p:to>
+                                    </p:set>
+                                    <p:animEffect filter="fade" transition="in">
+                                      <p:cBhvr>
+                                        <p:cTn dur="1000"/>
+                                        <p:tgtEl>
+                                          <p:spTgt spid="241"/>
+                                        </p:tgtEl>
+                                      </p:cBhvr>
+                                    </p:animEffect>
+                                  </p:childTnLst>
+                                </p:cTn>
+                              </p:par>
+                              <p:par>
+                                <p:cTn fill="hold" nodeType="withEffect" presetClass="entr" presetID="10" presetSubtype="0">
+                                  <p:stCondLst>
+                                    <p:cond delay="0"/>
+                                  </p:stCondLst>
+                                  <p:childTnLst>
+                                    <p:set>
+                                      <p:cBhvr>
+                                        <p:cTn dur="1" fill="hold">
+                                          <p:stCondLst>
+                                            <p:cond delay="0"/>
+                                          </p:stCondLst>
+                                        </p:cTn>
+                                        <p:tgtEl>
+                                          <p:spTgt spid="234"/>
+                                        </p:tgtEl>
+                                        <p:attrNameLst>
+                                          <p:attrName>style.visibility</p:attrName>
+                                        </p:attrNameLst>
+                                      </p:cBhvr>
+                                      <p:to>
+                                        <p:strVal val="visible"/>
+                                      </p:to>
+                                    </p:set>
+                                    <p:animEffect filter="fade" transition="in">
+                                      <p:cBhvr>
+                                        <p:cTn dur="1000"/>
+                                        <p:tgtEl>
+                                          <p:spTgt spid="234"/>
+                                        </p:tgtEl>
+                                      </p:cBhvr>
+                                    </p:animEffect>
+                                  </p:childTnLst>
+                                </p:cTn>
+                              </p:par>
+                              <p:par>
+                                <p:cTn fill="hold" nodeType="withEffect" presetClass="entr" presetID="10" presetSubtype="0">
+                                  <p:stCondLst>
+                                    <p:cond delay="0"/>
+                                  </p:stCondLst>
+                                  <p:childTnLst>
+                                    <p:set>
+                                      <p:cBhvr>
+                                        <p:cTn dur="1" fill="hold">
+                                          <p:stCondLst>
+                                            <p:cond delay="0"/>
+                                          </p:stCondLst>
+                                        </p:cTn>
+                                        <p:tgtEl>
+                                          <p:spTgt spid="233"/>
+                                        </p:tgtEl>
+                                        <p:attrNameLst>
+                                          <p:attrName>style.visibility</p:attrName>
+                                        </p:attrNameLst>
+                                      </p:cBhvr>
+                                      <p:to>
+                                        <p:strVal val="visible"/>
+                                      </p:to>
+                                    </p:set>
+                                    <p:animEffect filter="fade" transition="in">
+                                      <p:cBhvr>
+                                        <p:cTn dur="1000"/>
+                                        <p:tgtEl>
+                                          <p:spTgt spid="233"/>
+                                        </p:tgtEl>
+                                      </p:cBhvr>
+                                    </p:animEffect>
+                                  </p:childTnLst>
+                                </p:cTn>
+                              </p:par>
+                            </p:childTnLst>
+                          </p:cTn>
+                        </p:par>
+                      </p:childTnLst>
+                    </p:cTn>
+                  </p:par>
+                  <p:par>
+                    <p:cTn fill="hold">
+                      <p:stCondLst>
+                        <p:cond delay="indefinite"/>
+                      </p:stCondLst>
+                      <p:childTnLst>
+                        <p:par>
+                          <p:cTn fill="hold">
+                            <p:stCondLst>
+                              <p:cond delay="0"/>
+                            </p:stCondLst>
+                            <p:childTnLst>
+                              <p:par>
+                                <p:cTn fill="hold" nodeType="clickEffect" presetClass="entr" presetID="10" presetSubtype="0">
+                                  <p:stCondLst>
+                                    <p:cond delay="0"/>
+                                  </p:stCondLst>
+                                  <p:childTnLst>
+                                    <p:set>
+                                      <p:cBhvr>
+                                        <p:cTn dur="1" fill="hold">
+                                          <p:stCondLst>
+                                            <p:cond delay="0"/>
+                                          </p:stCondLst>
+                                        </p:cTn>
+                                        <p:tgtEl>
+                                          <p:spTgt spid="237"/>
+                                        </p:tgtEl>
+                                        <p:attrNameLst>
+                                          <p:attrName>style.visibility</p:attrName>
+                                        </p:attrNameLst>
+                                      </p:cBhvr>
+                                      <p:to>
+                                        <p:strVal val="visible"/>
+                                      </p:to>
+                                    </p:set>
+                                    <p:animEffect filter="fade" transition="in">
+                                      <p:cBhvr>
+                                        <p:cTn dur="1000"/>
+                                        <p:tgtEl>
+                                          <p:spTgt spid="237"/>
+                                        </p:tgtEl>
+                                      </p:cBhvr>
+                                    </p:animEffect>
+                                  </p:childTnLst>
+                                </p:cTn>
+                              </p:par>
+                              <p:par>
+                                <p:cTn fill="hold" nodeType="withEffect" presetClass="exit" presetID="1" presetSubtype="0">
+                                  <p:stCondLst>
+                                    <p:cond delay="0"/>
+                                  </p:stCondLst>
+                                  <p:childTnLst>
+                                    <p:set>
+                                      <p:cBhvr>
+                                        <p:cTn dur="1" fill="hold">
+                                          <p:stCondLst>
+                                            <p:cond delay="0"/>
+                                          </p:stCondLst>
+                                        </p:cTn>
+                                        <p:tgtEl>
+                                          <p:spTgt spid="241"/>
+                                        </p:tgtEl>
+                                        <p:attrNameLst>
+                                          <p:attrName>style.visibility</p:attrName>
+                                        </p:attrNameLst>
+                                      </p:cBhvr>
+                                      <p:to>
+                                        <p:strVal val="hidden"/>
+                                      </p:to>
+                                    </p:set>
+                                  </p:childTnLst>
+                                </p:cTn>
+                              </p:par>
+                              <p:par>
+                                <p:cTn fill="hold" nodeType="withEffect" presetClass="exit" presetID="1" presetSubtype="0">
+                                  <p:stCondLst>
+                                    <p:cond delay="0"/>
+                                  </p:stCondLst>
+                                  <p:childTnLst>
+                                    <p:set>
+                                      <p:cBhvr>
+                                        <p:cTn dur="1" fill="hold">
+                                          <p:stCondLst>
+                                            <p:cond delay="0"/>
+                                          </p:stCondLst>
+                                        </p:cTn>
+                                        <p:tgtEl>
+                                          <p:spTgt spid="234"/>
+                                        </p:tgtEl>
+                                        <p:attrNameLst>
+                                          <p:attrName>style.visibility</p:attrName>
+                                        </p:attrNameLst>
+                                      </p:cBhvr>
+                                      <p:to>
+                                        <p:strVal val="hidden"/>
+                                      </p:to>
+                                    </p:set>
+                                  </p:childTnLst>
+                                </p:cTn>
+                              </p:par>
+                              <p:par>
+                                <p:cTn fill="hold" nodeType="withEffect" presetClass="exit" presetID="1" presetSubtype="0">
+                                  <p:stCondLst>
+                                    <p:cond delay="0"/>
+                                  </p:stCondLst>
+                                  <p:childTnLst>
+                                    <p:set>
+                                      <p:cBhvr>
+                                        <p:cTn dur="1" fill="hold">
+                                          <p:stCondLst>
+                                            <p:cond delay="0"/>
+                                          </p:stCondLst>
+                                        </p:cTn>
+                                        <p:tgtEl>
+                                          <p:spTgt spid="233"/>
+                                        </p:tgtEl>
+                                        <p:attrNameLst>
+                                          <p:attrName>style.visibility</p:attrName>
+                                        </p:attrNameLst>
+                                      </p:cBhvr>
+                                      <p:to>
+                                        <p:strVal val="hidden"/>
+                                      </p:to>
+                                    </p:set>
+                                  </p:childTnLst>
+                                </p:cTn>
+                              </p:par>
+                            </p:childTnLst>
+                          </p:cTn>
+                        </p:par>
+                      </p:childTnLst>
+                    </p:cTn>
+                  </p:par>
+                  <p:par>
+                    <p:cTn fill="hold">
+                      <p:stCondLst>
+                        <p:cond delay="indefinite"/>
+                      </p:stCondLst>
+                      <p:childTnLst>
+                        <p:par>
+                          <p:cTn fill="hold">
+                            <p:stCondLst>
+                              <p:cond delay="0"/>
+                            </p:stCondLst>
+                            <p:childTnLst>
+                              <p:par>
+                                <p:cTn fill="hold" nodeType="clickEffect" presetClass="entr" presetID="10" presetSubtype="0">
+                                  <p:stCondLst>
+                                    <p:cond delay="0"/>
+                                  </p:stCondLst>
+                                  <p:childTnLst>
+                                    <p:set>
+                                      <p:cBhvr>
+                                        <p:cTn dur="1" fill="hold">
+                                          <p:stCondLst>
+                                            <p:cond delay="0"/>
+                                          </p:stCondLst>
+                                        </p:cTn>
+                                        <p:tgtEl>
+                                          <p:spTgt spid="238"/>
+                                        </p:tgtEl>
+                                        <p:attrNameLst>
+                                          <p:attrName>style.visibility</p:attrName>
+                                        </p:attrNameLst>
+                                      </p:cBhvr>
+                                      <p:to>
+                                        <p:strVal val="visible"/>
+                                      </p:to>
+                                    </p:set>
+                                    <p:animEffect filter="fade" transition="in">
+                                      <p:cBhvr>
+                                        <p:cTn dur="1000"/>
+                                        <p:tgtEl>
+                                          <p:spTgt spid="238"/>
+                                        </p:tgtEl>
+                                      </p:cBhvr>
+                                    </p:animEffect>
+                                  </p:childTnLst>
+                                </p:cTn>
+                              </p:par>
+                            </p:childTnLst>
+                          </p:cTn>
+                        </p:par>
+                      </p:childTnLst>
+                    </p:cTn>
+                  </p:par>
+                  <p:par>
+                    <p:cTn fill="hold">
+                      <p:stCondLst>
+                        <p:cond delay="indefinite"/>
+                      </p:stCondLst>
+                      <p:childTnLst>
+                        <p:par>
+                          <p:cTn fill="hold">
+                            <p:stCondLst>
+                              <p:cond delay="0"/>
+                            </p:stCondLst>
+                            <p:childTnLst>
+                              <p:par>
+                                <p:cTn fill="hold" nodeType="clickEffect" presetClass="entr" presetID="10" presetSubtype="0">
+                                  <p:stCondLst>
+                                    <p:cond delay="0"/>
+                                  </p:stCondLst>
+                                  <p:childTnLst>
+                                    <p:set>
+                                      <p:cBhvr>
+                                        <p:cTn dur="1" fill="hold">
+                                          <p:stCondLst>
+                                            <p:cond delay="0"/>
+                                          </p:stCondLst>
+                                        </p:cTn>
+                                        <p:tgtEl>
+                                          <p:spTgt spid="239"/>
+                                        </p:tgtEl>
+                                        <p:attrNameLst>
+                                          <p:attrName>style.visibility</p:attrName>
+                                        </p:attrNameLst>
+                                      </p:cBhvr>
+                                      <p:to>
+                                        <p:strVal val="visible"/>
+                                      </p:to>
+                                    </p:set>
+                                    <p:animEffect filter="fade" transition="in">
+                                      <p:cBhvr>
+                                        <p:cTn dur="1000"/>
+                                        <p:tgtEl>
+                                          <p:spTgt spid="239"/>
+                                        </p:tgtEl>
+                                      </p:cBhvr>
+                                    </p:animEffect>
+                                  </p:childTnLst>
+                                </p:cTn>
+                              </p:par>
+                              <p:par>
+                                <p:cTn fill="hold" nodeType="withEffect" presetClass="entr" presetID="10" presetSubtype="0">
+                                  <p:stCondLst>
+                                    <p:cond delay="0"/>
+                                  </p:stCondLst>
+                                  <p:childTnLst>
+                                    <p:set>
+                                      <p:cBhvr>
+                                        <p:cTn dur="1" fill="hold">
+                                          <p:stCondLst>
+                                            <p:cond delay="0"/>
+                                          </p:stCondLst>
+                                        </p:cTn>
+                                        <p:tgtEl>
+                                          <p:spTgt spid="240"/>
+                                        </p:tgtEl>
+                                        <p:attrNameLst>
+                                          <p:attrName>style.visibility</p:attrName>
+                                        </p:attrNameLst>
+                                      </p:cBhvr>
+                                      <p:to>
+                                        <p:strVal val="visible"/>
+                                      </p:to>
+                                    </p:set>
+                                    <p:animEffect filter="fade" transition="in">
+                                      <p:cBhvr>
+                                        <p:cTn dur="1000"/>
+                                        <p:tgtEl>
+                                          <p:spTgt spid="240"/>
+                                        </p:tgtEl>
+                                      </p:cBhvr>
+                                    </p:animEffect>
+                                  </p:childTnLst>
+                                </p:cTn>
+                              </p:par>
+                              <p:par>
+                                <p:cTn fill="hold" nodeType="withEffect" presetClass="entr" presetID="10" presetSubtype="0">
+                                  <p:stCondLst>
+                                    <p:cond delay="0"/>
+                                  </p:stCondLst>
+                                  <p:childTnLst>
+                                    <p:set>
+                                      <p:cBhvr>
+                                        <p:cTn dur="1" fill="hold">
+                                          <p:stCondLst>
+                                            <p:cond delay="0"/>
+                                          </p:stCondLst>
+                                        </p:cTn>
+                                        <p:tgtEl>
+                                          <p:spTgt spid="235"/>
+                                        </p:tgtEl>
+                                        <p:attrNameLst>
+                                          <p:attrName>style.visibility</p:attrName>
+                                        </p:attrNameLst>
+                                      </p:cBhvr>
+                                      <p:to>
+                                        <p:strVal val="visible"/>
+                                      </p:to>
+                                    </p:set>
+                                    <p:animEffect filter="fade" transition="in">
+                                      <p:cBhvr>
+                                        <p:cTn dur="1000"/>
+                                        <p:tgtEl>
+                                          <p:spTgt spid="235"/>
+                                        </p:tgtEl>
+                                      </p:cBhvr>
+                                    </p:animEffect>
+                                  </p:childTnLst>
+                                </p:cTn>
+                              </p:par>
+                            </p:childTnLst>
+                          </p:cTn>
+                        </p:par>
+                      </p:childTnLst>
+                    </p:cTn>
+                  </p:par>
+                </p:childTnLst>
+              </p:cTn>
+              <p:prevCondLst>
+                <p:cond evt="onPrev">
+                  <p:tgtEl>
+                    <p:sldTgt/>
+                  </p:tgtEl>
+                </p:cond>
+              </p:prevCondLst>
+              <p:nextCondLst>
+                <p:cond evt="onNext">
+                  <p:tgtEl>
+                    <p:sldTgt/>
+                  </p:tgtEl>
+                </p:cond>
+              </p:nextCondLst>
+            </p:seq>
+          </p:childTnLst>
+        </p:cTn>
+      </p:par>
+    </p:tnLst>
+  </p:timing>
+</p:sld>
+</file>
+
+<file path=ppt/slides/slide23.xml><?xml version="1.0" encoding="utf-8"?>
+<p:sld xmlns:a="http://schemas.openxmlformats.org/drawingml/2006/main" xmlns:r="http://schemas.openxmlformats.org/officeDocument/2006/relationships" xmlns:mc="http://schemas.openxmlformats.org/markup-compatibility/2006" xmlns:mv="urn:schemas-microsoft-com:mac:vml" xmlns:p="http://schemas.openxmlformats.org/presentationml/2006/main" xmlns:c="http://schemas.openxmlformats.org/drawingml/2006/chart" xmlns:dgm="http://schemas.openxmlformats.org/drawingml/2006/diagram" xmlns:o="urn:schemas-microsoft-com:office:office" xmlns:v="urn:schemas-microsoft-com:vml" xmlns:pvml="urn:schemas-microsoft-com:office:powerpoint" xmlns:com="http://schemas.openxmlformats.org/drawingml/2006/compatibility" xmlns:p14="http://schemas.microsoft.com/office/powerpoint/2010/main" xmlns:p15="http://schemas.microsoft.com/office/powerpoint/2012/main">
+  <p:cSld>
+    <p:spTree>
+      <p:nvGrpSpPr>
+        <p:cNvPr id="245" name="Shape 245"/>
+        <p:cNvGrpSpPr/>
+        <p:nvPr/>
+      </p:nvGrpSpPr>
+      <p:grpSpPr>
+        <a:xfrm>
+          <a:off x="0" y="0"/>
+          <a:ext cx="0" cy="0"/>
+          <a:chOff x="0" y="0"/>
+          <a:chExt cx="0" cy="0"/>
+        </a:xfrm>
+      </p:grpSpPr>
+      <p:sp>
+        <p:nvSpPr>
+          <p:cNvPr id="246" name="Google Shape;246;p35"/>
+          <p:cNvSpPr txBox="1"/>
+          <p:nvPr>
+            <p:ph type="title"/>
+          </p:nvPr>
+        </p:nvSpPr>
+        <p:spPr>
+          <a:xfrm>
+            <a:off x="311700" y="295625"/>
+            <a:ext cx="6350400" cy="572700"/>
+          </a:xfrm>
+          <a:prstGeom prst="rect">
+            <a:avLst/>
+          </a:prstGeom>
+        </p:spPr>
+        <p:txBody>
+          <a:bodyPr anchorCtr="0" anchor="t" bIns="91425" lIns="91425" spcFirstLastPara="1" rIns="91425" wrap="square" tIns="91425">
+            <a:noAutofit/>
+          </a:bodyPr>
+          <a:lstStyle/>
+          <a:p>
+            <a:pPr indent="0" lvl="0" marL="0" rtl="0" algn="l">
+              <a:spcBef>
+                <a:spcPts val="0"/>
+              </a:spcBef>
+              <a:spcAft>
+                <a:spcPts val="0"/>
+              </a:spcAft>
+              <a:buNone/>
+            </a:pPr>
+            <a:r>
+              <a:rPr lang="en"/>
+              <a:t>Data Transformation - </a:t>
+            </a:r>
+            <a:r>
+              <a:rPr i="1" lang="en"/>
+              <a:t>get_dummies</a:t>
+            </a:r>
+            <a:endParaRPr i="1"/>
+          </a:p>
+        </p:txBody>
+      </p:sp>
+      <p:pic>
+        <p:nvPicPr>
+          <p:cNvPr id="247" name="Google Shape;247;p35"/>
+          <p:cNvPicPr preferRelativeResize="0"/>
+          <p:nvPr/>
+        </p:nvPicPr>
+        <p:blipFill>
+          <a:blip r:embed="rId3">
+            <a:alphaModFix/>
+          </a:blip>
+          <a:stretch>
+            <a:fillRect/>
+          </a:stretch>
+        </p:blipFill>
+        <p:spPr>
+          <a:xfrm>
+            <a:off x="733825" y="1555300"/>
+            <a:ext cx="3035469" cy="2790850"/>
+          </a:xfrm>
+          <a:prstGeom prst="rect">
+            <a:avLst/>
+          </a:prstGeom>
+          <a:noFill/>
+          <a:ln>
+            <a:noFill/>
+          </a:ln>
+        </p:spPr>
+      </p:pic>
+      <p:pic>
+        <p:nvPicPr>
+          <p:cNvPr id="248" name="Google Shape;248;p35"/>
+          <p:cNvPicPr preferRelativeResize="0"/>
+          <p:nvPr/>
+        </p:nvPicPr>
+        <p:blipFill>
+          <a:blip r:embed="rId4">
+            <a:alphaModFix/>
+          </a:blip>
+          <a:stretch>
+            <a:fillRect/>
+          </a:stretch>
+        </p:blipFill>
+        <p:spPr>
+          <a:xfrm>
+            <a:off x="649050" y="2011023"/>
+            <a:ext cx="7458076" cy="2335125"/>
+          </a:xfrm>
+          <a:prstGeom prst="rect">
+            <a:avLst/>
+          </a:prstGeom>
+          <a:noFill/>
+          <a:ln>
+            <a:noFill/>
+          </a:ln>
+        </p:spPr>
+      </p:pic>
+      <p:pic>
+        <p:nvPicPr>
+          <p:cNvPr id="249" name="Google Shape;249;p35"/>
+          <p:cNvPicPr preferRelativeResize="0"/>
+          <p:nvPr/>
+        </p:nvPicPr>
+        <p:blipFill>
+          <a:blip r:embed="rId3">
+            <a:alphaModFix/>
+          </a:blip>
+          <a:stretch>
+            <a:fillRect/>
+          </a:stretch>
+        </p:blipFill>
+        <p:spPr>
+          <a:xfrm>
+            <a:off x="6819575" y="76125"/>
+            <a:ext cx="1608829" cy="1479174"/>
+          </a:xfrm>
+          <a:prstGeom prst="rect">
+            <a:avLst/>
+          </a:prstGeom>
+          <a:noFill/>
+          <a:ln>
+            <a:noFill/>
+          </a:ln>
+        </p:spPr>
+      </p:pic>
+    </p:spTree>
+  </p:cSld>
+  <p:clrMapOvr>
+    <a:masterClrMapping/>
+  </p:clrMapOvr>
+  <p:timing>
+    <p:tnLst>
+      <p:par>
+        <p:cTn dur="indefinite" nodeType="tmRoot" restart="never">
+          <p:childTnLst>
+            <p:seq concurrent="1" nextAc="seek">
+              <p:cTn dur="indefinite" id="2" nodeType="mainSeq">
+                <p:childTnLst>
+                  <p:par>
+                    <p:cTn fill="hold">
+                      <p:stCondLst>
+                        <p:cond delay="indefinite"/>
+                      </p:stCondLst>
+                      <p:childTnLst>
+                        <p:par>
+                          <p:cTn fill="hold">
+                            <p:stCondLst>
+                              <p:cond delay="0"/>
+                            </p:stCondLst>
+                            <p:childTnLst>
+                              <p:par>
+                                <p:cTn fill="hold" nodeType="clickEffect" presetClass="exit" presetID="1" presetSubtype="0">
+                                  <p:stCondLst>
+                                    <p:cond delay="0"/>
+                                  </p:stCondLst>
+                                  <p:childTnLst>
+                                    <p:set>
+                                      <p:cBhvr>
+                                        <p:cTn dur="1" fill="hold">
+                                          <p:stCondLst>
+                                            <p:cond delay="0"/>
+                                          </p:stCondLst>
+                                        </p:cTn>
+                                        <p:tgtEl>
+                                          <p:spTgt spid="247"/>
+                                        </p:tgtEl>
+                                        <p:attrNameLst>
+                                          <p:attrName>style.visibility</p:attrName>
+                                        </p:attrNameLst>
+                                      </p:cBhvr>
+                                      <p:to>
+                                        <p:strVal val="hidden"/>
+                                      </p:to>
+                                    </p:set>
+                                  </p:childTnLst>
+                                </p:cTn>
+                              </p:par>
+                              <p:par>
+                                <p:cTn fill="hold" nodeType="withEffect" presetClass="entr" presetID="1" presetSubtype="0">
+                                  <p:stCondLst>
+                                    <p:cond delay="0"/>
+                                  </p:stCondLst>
+                                  <p:childTnLst>
+                                    <p:set>
+                                      <p:cBhvr>
+                                        <p:cTn dur="1" fill="hold">
+                                          <p:stCondLst>
+                                            <p:cond delay="0"/>
+                                          </p:stCondLst>
+                                        </p:cTn>
+                                        <p:tgtEl>
+                                          <p:spTgt spid="249"/>
+                                        </p:tgtEl>
+                                        <p:attrNameLst>
+                                          <p:attrName>style.visibility</p:attrName>
+                                        </p:attrNameLst>
+                                      </p:cBhvr>
+                                      <p:to>
+                                        <p:strVal val="visible"/>
+                                      </p:to>
+                                    </p:set>
+                                  </p:childTnLst>
+                                </p:cTn>
+                              </p:par>
+                            </p:childTnLst>
+                          </p:cTn>
+                        </p:par>
+                        <p:par>
+                          <p:cTn fill="hold">
+                            <p:stCondLst>
+                              <p:cond delay="500"/>
+                            </p:stCondLst>
+                            <p:childTnLst>
+                              <p:par>
+                                <p:cTn fill="hold" nodeType="afterEffect" presetClass="entr" presetID="10" presetSubtype="0">
+                                  <p:stCondLst>
+                                    <p:cond delay="0"/>
+                                  </p:stCondLst>
+                                  <p:childTnLst>
+                                    <p:set>
+                                      <p:cBhvr>
+                                        <p:cTn dur="1" fill="hold">
+                                          <p:stCondLst>
+                                            <p:cond delay="0"/>
+                                          </p:stCondLst>
+                                        </p:cTn>
+                                        <p:tgtEl>
+                                          <p:spTgt spid="248"/>
+                                        </p:tgtEl>
+                                        <p:attrNameLst>
+                                          <p:attrName>style.visibility</p:attrName>
+                                        </p:attrNameLst>
+                                      </p:cBhvr>
+                                      <p:to>
+                                        <p:strVal val="visible"/>
+                                      </p:to>
+                                    </p:set>
+                                    <p:animEffect filter="fade" transition="in">
+                                      <p:cBhvr>
+                                        <p:cTn dur="1000"/>
+                                        <p:tgtEl>
+                                          <p:spTgt spid="248"/>
+                                        </p:tgtEl>
+                                      </p:cBhvr>
+                                    </p:animEffect>
+                                  </p:childTnLst>
+                                </p:cTn>
+                              </p:par>
+                            </p:childTnLst>
+                          </p:cTn>
+                        </p:par>
+                      </p:childTnLst>
+                    </p:cTn>
+                  </p:par>
+                </p:childTnLst>
+              </p:cTn>
+              <p:prevCondLst>
+                <p:cond evt="onPrev">
+                  <p:tgtEl>
+                    <p:sldTgt/>
+                  </p:tgtEl>
+                </p:cond>
+              </p:prevCondLst>
+              <p:nextCondLst>
+                <p:cond evt="onNext">
+                  <p:tgtEl>
+                    <p:sldTgt/>
+                  </p:tgtEl>
+                </p:cond>
+              </p:nextCondLst>
+            </p:seq>
+          </p:childTnLst>
+        </p:cTn>
+      </p:par>
+    </p:tnLst>
+  </p:timing>
+</p:sld>
+</file>
+
+<file path=ppt/slides/slide24.xml><?xml version="1.0" encoding="utf-8"?>
+<p:sld xmlns:a="http://schemas.openxmlformats.org/drawingml/2006/main" xmlns:r="http://schemas.openxmlformats.org/officeDocument/2006/relationships" xmlns:mc="http://schemas.openxmlformats.org/markup-compatibility/2006" xmlns:mv="urn:schemas-microsoft-com:mac:vml" xmlns:p="http://schemas.openxmlformats.org/presentationml/2006/main" xmlns:c="http://schemas.openxmlformats.org/drawingml/2006/chart" xmlns:dgm="http://schemas.openxmlformats.org/drawingml/2006/diagram" xmlns:o="urn:schemas-microsoft-com:office:office" xmlns:v="urn:schemas-microsoft-com:vml" xmlns:pvml="urn:schemas-microsoft-com:office:powerpoint" xmlns:com="http://schemas.openxmlformats.org/drawingml/2006/compatibility" xmlns:p14="http://schemas.microsoft.com/office/powerpoint/2010/main" xmlns:p15="http://schemas.microsoft.com/office/powerpoint/2012/main">
+  <p:cSld>
+    <p:spTree>
+      <p:nvGrpSpPr>
+        <p:cNvPr id="253" name="Shape 253"/>
+        <p:cNvGrpSpPr/>
+        <p:nvPr/>
+      </p:nvGrpSpPr>
+      <p:grpSpPr>
+        <a:xfrm>
+          <a:off x="0" y="0"/>
+          <a:ext cx="0" cy="0"/>
+          <a:chOff x="0" y="0"/>
+          <a:chExt cx="0" cy="0"/>
+        </a:xfrm>
+      </p:grpSpPr>
+      <p:sp>
+        <p:nvSpPr>
+          <p:cNvPr id="254" name="Google Shape;254;p36"/>
+          <p:cNvSpPr txBox="1"/>
+          <p:nvPr>
+            <p:ph type="title"/>
+          </p:nvPr>
+        </p:nvSpPr>
+        <p:spPr>
+          <a:xfrm>
+            <a:off x="311700" y="332375"/>
+            <a:ext cx="5970600" cy="572700"/>
+          </a:xfrm>
+          <a:prstGeom prst="rect">
+            <a:avLst/>
+          </a:prstGeom>
+        </p:spPr>
+        <p:txBody>
+          <a:bodyPr anchorCtr="0" anchor="t" bIns="91425" lIns="91425" spcFirstLastPara="1" rIns="91425" wrap="square" tIns="91425">
+            <a:noAutofit/>
+          </a:bodyPr>
+          <a:lstStyle/>
+          <a:p>
+            <a:pPr indent="0" lvl="0" marL="0" rtl="0" algn="l">
+              <a:spcBef>
+                <a:spcPts val="0"/>
+              </a:spcBef>
+              <a:spcAft>
+                <a:spcPts val="0"/>
+              </a:spcAft>
+              <a:buNone/>
+            </a:pPr>
+            <a:r>
+              <a:rPr lang="en"/>
+              <a:t>Algorithm - Ridge Regressor</a:t>
+            </a:r>
+            <a:endParaRPr/>
+          </a:p>
+        </p:txBody>
+      </p:sp>
+      <p:sp>
+        <p:nvSpPr>
+          <p:cNvPr id="255" name="Google Shape;255;p36"/>
+          <p:cNvSpPr txBox="1"/>
+          <p:nvPr>
+            <p:ph idx="1" type="body"/>
+          </p:nvPr>
+        </p:nvSpPr>
+        <p:spPr>
+          <a:xfrm>
+            <a:off x="311700" y="1152475"/>
+            <a:ext cx="8297400" cy="1492800"/>
+          </a:xfrm>
+          <a:prstGeom prst="rect">
+            <a:avLst/>
+          </a:prstGeom>
+        </p:spPr>
+        <p:txBody>
+          <a:bodyPr anchorCtr="0" anchor="t" bIns="91425" lIns="91425" spcFirstLastPara="1" rIns="91425" wrap="square" tIns="91425">
+            <a:noAutofit/>
+          </a:bodyPr>
+          <a:lstStyle/>
+          <a:p>
+            <a:pPr indent="-342900" lvl="0" marL="457200" rtl="0" algn="l">
+              <a:lnSpc>
+                <a:spcPct val="115000"/>
+              </a:lnSpc>
+              <a:spcBef>
+                <a:spcPts val="0"/>
+              </a:spcBef>
+              <a:spcAft>
+                <a:spcPts val="0"/>
+              </a:spcAft>
+              <a:buClr>
+                <a:schemeClr val="accent2"/>
+              </a:buClr>
+              <a:buSzPts val="1800"/>
+              <a:buChar char="●"/>
+            </a:pPr>
+            <a:r>
+              <a:rPr lang="en">
+                <a:solidFill>
+                  <a:schemeClr val="accent2"/>
+                </a:solidFill>
+              </a:rPr>
+              <a:t>Feature variables X’ (those that correlate the most)</a:t>
+            </a:r>
+            <a:endParaRPr>
+              <a:solidFill>
+                <a:schemeClr val="accent2"/>
+              </a:solidFill>
+            </a:endParaRPr>
+          </a:p>
+          <a:p>
+            <a:pPr indent="-342900" lvl="0" marL="457200" rtl="0" algn="l">
+              <a:lnSpc>
+                <a:spcPct val="115000"/>
+              </a:lnSpc>
+              <a:spcBef>
+                <a:spcPts val="0"/>
+              </a:spcBef>
+              <a:spcAft>
+                <a:spcPts val="0"/>
+              </a:spcAft>
+              <a:buClr>
+                <a:schemeClr val="accent2"/>
+              </a:buClr>
+              <a:buSzPts val="1800"/>
+              <a:buChar char="●"/>
+            </a:pPr>
+            <a:r>
+              <a:rPr lang="en">
+                <a:solidFill>
+                  <a:schemeClr val="accent2"/>
+                </a:solidFill>
+              </a:rPr>
+              <a:t>SimpleImputer for missing data</a:t>
+            </a:r>
+            <a:endParaRPr>
+              <a:solidFill>
+                <a:schemeClr val="accent2"/>
+              </a:solidFill>
+            </a:endParaRPr>
+          </a:p>
+          <a:p>
+            <a:pPr indent="-342900" lvl="0" marL="457200" rtl="0" algn="l">
+              <a:lnSpc>
+                <a:spcPct val="115000"/>
+              </a:lnSpc>
+              <a:spcBef>
+                <a:spcPts val="0"/>
+              </a:spcBef>
+              <a:spcAft>
+                <a:spcPts val="0"/>
+              </a:spcAft>
+              <a:buClr>
+                <a:schemeClr val="accent2"/>
+              </a:buClr>
+              <a:buSzPts val="1800"/>
+              <a:buChar char="●"/>
+            </a:pPr>
+            <a:r>
+              <a:rPr lang="en">
+                <a:solidFill>
+                  <a:schemeClr val="accent2"/>
+                </a:solidFill>
+              </a:rPr>
+              <a:t>Normalize numerical data</a:t>
+            </a:r>
+            <a:endParaRPr>
+              <a:solidFill>
+                <a:schemeClr val="accent2"/>
+              </a:solidFill>
+            </a:endParaRPr>
+          </a:p>
+          <a:p>
+            <a:pPr indent="-342900" lvl="0" marL="457200" rtl="0" algn="l">
+              <a:lnSpc>
+                <a:spcPct val="115000"/>
+              </a:lnSpc>
+              <a:spcBef>
+                <a:spcPts val="0"/>
+              </a:spcBef>
+              <a:spcAft>
+                <a:spcPts val="0"/>
+              </a:spcAft>
+              <a:buClr>
+                <a:schemeClr val="accent2"/>
+              </a:buClr>
+              <a:buSzPts val="1800"/>
+              <a:buChar char="●"/>
+            </a:pPr>
+            <a:r>
+              <a:rPr lang="en">
+                <a:solidFill>
+                  <a:schemeClr val="accent2"/>
+                </a:solidFill>
+              </a:rPr>
+              <a:t>Numericize non-numerical data</a:t>
+            </a:r>
+            <a:endParaRPr>
+              <a:solidFill>
+                <a:schemeClr val="accent2"/>
+              </a:solidFill>
+            </a:endParaRPr>
+          </a:p>
+        </p:txBody>
+      </p:sp>
+      <p:pic>
+        <p:nvPicPr>
+          <p:cNvPr id="256" name="Google Shape;256;p36"/>
+          <p:cNvPicPr preferRelativeResize="0"/>
+          <p:nvPr/>
+        </p:nvPicPr>
+        <p:blipFill>
+          <a:blip r:embed="rId3">
+            <a:alphaModFix/>
+          </a:blip>
+          <a:stretch>
+            <a:fillRect/>
+          </a:stretch>
+        </p:blipFill>
+        <p:spPr>
+          <a:xfrm>
+            <a:off x="4532293" y="1680650"/>
+            <a:ext cx="4300007" cy="2888225"/>
+          </a:xfrm>
+          <a:prstGeom prst="rect">
+            <a:avLst/>
+          </a:prstGeom>
+          <a:noFill/>
+          <a:ln>
+            <a:noFill/>
+          </a:ln>
+        </p:spPr>
+      </p:pic>
+      <p:sp>
+        <p:nvSpPr>
+          <p:cNvPr id="257" name="Google Shape;257;p36"/>
+          <p:cNvSpPr txBox="1"/>
+          <p:nvPr/>
+        </p:nvSpPr>
+        <p:spPr>
+          <a:xfrm>
+            <a:off x="311700" y="2615375"/>
+            <a:ext cx="3888900" cy="2098200"/>
+          </a:xfrm>
+          <a:prstGeom prst="rect">
+            <a:avLst/>
+          </a:prstGeom>
+          <a:noFill/>
+          <a:ln>
+            <a:noFill/>
+          </a:ln>
+        </p:spPr>
+        <p:txBody>
+          <a:bodyPr anchorCtr="0" anchor="t" bIns="91425" lIns="91425" spcFirstLastPara="1" rIns="91425" wrap="square" tIns="91425">
+            <a:noAutofit/>
+          </a:bodyPr>
+          <a:lstStyle/>
+          <a:p>
+            <a:pPr indent="-342900" lvl="0" marL="457200" rtl="0" algn="l">
+              <a:lnSpc>
+                <a:spcPct val="115000"/>
+              </a:lnSpc>
+              <a:spcBef>
+                <a:spcPts val="0"/>
+              </a:spcBef>
+              <a:spcAft>
+                <a:spcPts val="0"/>
+              </a:spcAft>
+              <a:buClr>
+                <a:schemeClr val="accent2"/>
+              </a:buClr>
+              <a:buSzPts val="1800"/>
+              <a:buFont typeface="Proxima Nova"/>
+              <a:buChar char="❖"/>
+            </a:pPr>
+            <a:r>
+              <a:rPr lang="en" sz="1800">
+                <a:solidFill>
+                  <a:schemeClr val="accent2"/>
+                </a:solidFill>
+                <a:latin typeface="Proxima Nova"/>
+                <a:ea typeface="Proxima Nova"/>
+                <a:cs typeface="Proxima Nova"/>
+                <a:sym typeface="Proxima Nova"/>
+              </a:rPr>
+              <a:t>Hyperparameter tuning </a:t>
+            </a:r>
+            <a:r>
+              <a:rPr i="1" lang="en" sz="1800">
+                <a:solidFill>
+                  <a:schemeClr val="accent2"/>
+                </a:solidFill>
+                <a:latin typeface="Proxima Nova"/>
+                <a:ea typeface="Proxima Nova"/>
+                <a:cs typeface="Proxima Nova"/>
+                <a:sym typeface="Proxima Nova"/>
+              </a:rPr>
+              <a:t>Ridge Regressor </a:t>
+            </a:r>
+            <a:r>
+              <a:rPr lang="en" sz="1800">
+                <a:solidFill>
+                  <a:schemeClr val="accent2"/>
+                </a:solidFill>
+                <a:latin typeface="Proxima Nova"/>
+                <a:ea typeface="Proxima Nova"/>
+                <a:cs typeface="Proxima Nova"/>
+                <a:sym typeface="Proxima Nova"/>
+              </a:rPr>
+              <a:t>using</a:t>
+            </a:r>
+            <a:r>
+              <a:rPr i="1" lang="en" sz="1800">
+                <a:solidFill>
+                  <a:schemeClr val="accent2"/>
+                </a:solidFill>
+                <a:latin typeface="Proxima Nova"/>
+                <a:ea typeface="Proxima Nova"/>
+                <a:cs typeface="Proxima Nova"/>
+                <a:sym typeface="Proxima Nova"/>
+              </a:rPr>
+              <a:t> GridSearch CV</a:t>
+            </a:r>
+            <a:endParaRPr i="1" sz="1800">
+              <a:solidFill>
+                <a:schemeClr val="accent2"/>
+              </a:solidFill>
+              <a:latin typeface="Proxima Nova"/>
+              <a:ea typeface="Proxima Nova"/>
+              <a:cs typeface="Proxima Nova"/>
+              <a:sym typeface="Proxima Nova"/>
+            </a:endParaRPr>
+          </a:p>
+          <a:p>
+            <a:pPr indent="-342900" lvl="0" marL="457200" rtl="0" algn="l">
+              <a:lnSpc>
+                <a:spcPct val="115000"/>
+              </a:lnSpc>
+              <a:spcBef>
+                <a:spcPts val="1000"/>
+              </a:spcBef>
+              <a:spcAft>
+                <a:spcPts val="0"/>
+              </a:spcAft>
+              <a:buClr>
+                <a:schemeClr val="accent2"/>
+              </a:buClr>
+              <a:buSzPts val="1800"/>
+              <a:buFont typeface="Proxima Nova"/>
+              <a:buChar char="❖"/>
+            </a:pPr>
+            <a:r>
+              <a:rPr lang="en" sz="1800">
+                <a:solidFill>
+                  <a:schemeClr val="accent2"/>
+                </a:solidFill>
+                <a:latin typeface="Proxima Nova"/>
+                <a:ea typeface="Proxima Nova"/>
+                <a:cs typeface="Proxima Nova"/>
+                <a:sym typeface="Proxima Nova"/>
+              </a:rPr>
+              <a:t>Result:</a:t>
+            </a:r>
+            <a:endParaRPr sz="1800">
+              <a:solidFill>
+                <a:schemeClr val="accent2"/>
+              </a:solidFill>
+              <a:latin typeface="Proxima Nova"/>
+              <a:ea typeface="Proxima Nova"/>
+              <a:cs typeface="Proxima Nova"/>
+              <a:sym typeface="Proxima Nova"/>
+            </a:endParaRPr>
+          </a:p>
+          <a:p>
+            <a:pPr indent="-342900" lvl="0" marL="914400" rtl="0" algn="l">
+              <a:lnSpc>
+                <a:spcPct val="115000"/>
+              </a:lnSpc>
+              <a:spcBef>
+                <a:spcPts val="1000"/>
+              </a:spcBef>
+              <a:spcAft>
+                <a:spcPts val="0"/>
+              </a:spcAft>
+              <a:buClr>
+                <a:schemeClr val="accent2"/>
+              </a:buClr>
+              <a:buSzPts val="1800"/>
+              <a:buFont typeface="Proxima Nova"/>
+              <a:buChar char="-"/>
+            </a:pPr>
+            <a:r>
+              <a:rPr lang="en" sz="1800">
+                <a:solidFill>
+                  <a:schemeClr val="accent2"/>
+                </a:solidFill>
+                <a:latin typeface="Proxima Nova"/>
+                <a:ea typeface="Proxima Nova"/>
+                <a:cs typeface="Proxima Nova"/>
+                <a:sym typeface="Proxima Nova"/>
+              </a:rPr>
+              <a:t>RMSE = 1350.65</a:t>
+            </a:r>
+            <a:endParaRPr sz="1800">
+              <a:solidFill>
+                <a:schemeClr val="accent2"/>
+              </a:solidFill>
+              <a:latin typeface="Proxima Nova"/>
+              <a:ea typeface="Proxima Nova"/>
+              <a:cs typeface="Proxima Nova"/>
+              <a:sym typeface="Proxima Nova"/>
+            </a:endParaRPr>
+          </a:p>
+          <a:p>
+            <a:pPr indent="-342900" lvl="0" marL="914400" rtl="0" algn="l">
+              <a:lnSpc>
+                <a:spcPct val="115000"/>
+              </a:lnSpc>
+              <a:spcBef>
+                <a:spcPts val="0"/>
+              </a:spcBef>
+              <a:spcAft>
+                <a:spcPts val="0"/>
+              </a:spcAft>
+              <a:buClr>
+                <a:schemeClr val="accent2"/>
+              </a:buClr>
+              <a:buSzPts val="1800"/>
+              <a:buFont typeface="Proxima Nova"/>
+              <a:buChar char="-"/>
+            </a:pPr>
+            <a:r>
+              <a:rPr lang="en" sz="1800">
+                <a:solidFill>
+                  <a:schemeClr val="accent2"/>
+                </a:solidFill>
+                <a:latin typeface="Proxima Nova"/>
+                <a:ea typeface="Proxima Nova"/>
+                <a:cs typeface="Proxima Nova"/>
+                <a:sym typeface="Proxima Nova"/>
+              </a:rPr>
+              <a:t>𝛂 = 0.686</a:t>
+            </a:r>
+            <a:endParaRPr sz="1800">
+              <a:solidFill>
+                <a:schemeClr val="accent2"/>
+              </a:solidFill>
+              <a:latin typeface="Proxima Nova"/>
+              <a:ea typeface="Proxima Nova"/>
+              <a:cs typeface="Proxima Nova"/>
+              <a:sym typeface="Proxima Nova"/>
+            </a:endParaRPr>
+          </a:p>
+        </p:txBody>
+      </p:sp>
+    </p:spTree>
+  </p:cSld>
+  <p:clrMapOvr>
+    <a:masterClrMapping/>
+  </p:clrMapOvr>
+</p:sld>
+</file>
+
+<file path=ppt/slides/slide25.xml><?xml version="1.0" encoding="utf-8"?>
+<p:sld xmlns:a="http://schemas.openxmlformats.org/drawingml/2006/main" xmlns:r="http://schemas.openxmlformats.org/officeDocument/2006/relationships" xmlns:mc="http://schemas.openxmlformats.org/markup-compatibility/2006" xmlns:mv="urn:schemas-microsoft-com:mac:vml" xmlns:p="http://schemas.openxmlformats.org/presentationml/2006/main" xmlns:c="http://schemas.openxmlformats.org/drawingml/2006/chart" xmlns:dgm="http://schemas.openxmlformats.org/drawingml/2006/diagram" xmlns:o="urn:schemas-microsoft-com:office:office" xmlns:v="urn:schemas-microsoft-com:vml" xmlns:pvml="urn:schemas-microsoft-com:office:powerpoint" xmlns:com="http://schemas.openxmlformats.org/drawingml/2006/compatibility" xmlns:p14="http://schemas.microsoft.com/office/powerpoint/2010/main" xmlns:p15="http://schemas.microsoft.com/office/powerpoint/2012/main">
+  <p:cSld>
+    <p:spTree>
+      <p:nvGrpSpPr>
+        <p:cNvPr id="261" name="Shape 261"/>
+        <p:cNvGrpSpPr/>
+        <p:nvPr/>
+      </p:nvGrpSpPr>
+      <p:grpSpPr>
+        <a:xfrm>
+          <a:off x="0" y="0"/>
+          <a:ext cx="0" cy="0"/>
+          <a:chOff x="0" y="0"/>
+          <a:chExt cx="0" cy="0"/>
+        </a:xfrm>
+      </p:grpSpPr>
+      <p:sp>
+        <p:nvSpPr>
+          <p:cNvPr id="262" name="Google Shape;262;p37"/>
+          <p:cNvSpPr txBox="1"/>
+          <p:nvPr>
+            <p:ph type="title"/>
+          </p:nvPr>
+        </p:nvSpPr>
+        <p:spPr>
+          <a:xfrm>
+            <a:off x="311700" y="332375"/>
+            <a:ext cx="4476600" cy="572700"/>
+          </a:xfrm>
+          <a:prstGeom prst="rect">
+            <a:avLst/>
+          </a:prstGeom>
+        </p:spPr>
+        <p:txBody>
+          <a:bodyPr anchorCtr="0" anchor="t" bIns="91425" lIns="91425" spcFirstLastPara="1" rIns="91425" wrap="square" tIns="91425">
+            <a:noAutofit/>
+          </a:bodyPr>
+          <a:lstStyle/>
+          <a:p>
+            <a:pPr indent="0" lvl="0" marL="0" rtl="0" algn="l">
+              <a:spcBef>
+                <a:spcPts val="0"/>
+              </a:spcBef>
+              <a:spcAft>
+                <a:spcPts val="0"/>
+              </a:spcAft>
+              <a:buNone/>
+            </a:pPr>
+            <a:r>
+              <a:rPr lang="en"/>
+              <a:t>Conclusion for 1st model</a:t>
+            </a:r>
+            <a:endParaRPr/>
+          </a:p>
+        </p:txBody>
+      </p:sp>
+      <p:sp>
+        <p:nvSpPr>
+          <p:cNvPr id="263" name="Google Shape;263;p37"/>
+          <p:cNvSpPr txBox="1"/>
+          <p:nvPr>
+            <p:ph idx="1" type="body"/>
+          </p:nvPr>
+        </p:nvSpPr>
+        <p:spPr>
+          <a:xfrm>
+            <a:off x="311700" y="1152475"/>
+            <a:ext cx="8628300" cy="3880800"/>
+          </a:xfrm>
+          <a:prstGeom prst="rect">
+            <a:avLst/>
+          </a:prstGeom>
+        </p:spPr>
+        <p:txBody>
+          <a:bodyPr anchorCtr="0" anchor="t" bIns="91425" lIns="91425" spcFirstLastPara="1" rIns="91425" wrap="square" tIns="91425">
+            <a:noAutofit/>
+          </a:bodyPr>
+          <a:lstStyle/>
+          <a:p>
+            <a:pPr indent="0" lvl="0" marL="0" rtl="0" algn="l">
+              <a:spcBef>
+                <a:spcPts val="0"/>
+              </a:spcBef>
+              <a:spcAft>
+                <a:spcPts val="0"/>
+              </a:spcAft>
+              <a:buNone/>
+            </a:pPr>
+            <a:r>
+              <a:rPr lang="en"/>
+              <a:t>Unsatisfactory results: the RMSE is still too high. Still, lessons to be drawn for a GM</a:t>
+            </a:r>
+            <a:endParaRPr/>
+          </a:p>
+          <a:p>
+            <a:pPr indent="-342900" lvl="0" marL="457200" rtl="0" algn="l">
+              <a:spcBef>
+                <a:spcPts val="1600"/>
+              </a:spcBef>
+              <a:spcAft>
+                <a:spcPts val="0"/>
+              </a:spcAft>
+              <a:buSzPts val="1800"/>
+              <a:buChar char="●"/>
+            </a:pPr>
+            <a:r>
+              <a:rPr lang="en"/>
+              <a:t>High correlation between target and cfb td’s, cfb rec yards</a:t>
+            </a:r>
+            <a:endParaRPr/>
+          </a:p>
+          <a:p>
+            <a:pPr indent="-342900" lvl="0" marL="457200" rtl="0" algn="l">
+              <a:spcBef>
+                <a:spcPts val="1600"/>
+              </a:spcBef>
+              <a:spcAft>
+                <a:spcPts val="0"/>
+              </a:spcAft>
+              <a:buSzPts val="1800"/>
+              <a:buChar char="●"/>
+            </a:pPr>
+            <a:r>
+              <a:rPr lang="en"/>
+              <a:t>Negative correlation between target and cfb games: player drafted as a junior tends to perform better than a senior</a:t>
+            </a:r>
+            <a:endParaRPr/>
+          </a:p>
+          <a:p>
+            <a:pPr indent="-342900" lvl="0" marL="457200" rtl="0" algn="l">
+              <a:spcBef>
+                <a:spcPts val="1600"/>
+              </a:spcBef>
+              <a:spcAft>
+                <a:spcPts val="0"/>
+              </a:spcAft>
+              <a:buSzPts val="1800"/>
+              <a:buChar char="●"/>
+            </a:pPr>
+            <a:r>
+              <a:rPr lang="en"/>
+              <a:t>Lack of correlation between target and most of combine features: decision making should rely more on college performances rather than combine stats </a:t>
+            </a:r>
+            <a:endParaRPr/>
+          </a:p>
+          <a:p>
+            <a:pPr indent="-342900" lvl="0" marL="457200" rtl="0" algn="l">
+              <a:spcBef>
+                <a:spcPts val="1600"/>
+              </a:spcBef>
+              <a:spcAft>
+                <a:spcPts val="1600"/>
+              </a:spcAft>
+              <a:buSzPts val="1800"/>
+              <a:buChar char="●"/>
+            </a:pPr>
+            <a:r>
+              <a:rPr lang="en"/>
+              <a:t>Importance of cfb conference: among the power 5 conferences, ACC and SEC players perform better on average. Big 12 players perform worse</a:t>
+            </a:r>
+            <a:endParaRPr/>
+          </a:p>
+        </p:txBody>
+      </p:sp>
+      <p:sp>
+        <p:nvSpPr>
+          <p:cNvPr id="264" name="Google Shape;264;p37"/>
+          <p:cNvSpPr txBox="1"/>
+          <p:nvPr>
+            <p:ph type="title"/>
+          </p:nvPr>
+        </p:nvSpPr>
+        <p:spPr>
+          <a:xfrm>
+            <a:off x="5057700" y="394975"/>
+            <a:ext cx="3624900" cy="510000"/>
+          </a:xfrm>
+          <a:prstGeom prst="rect">
+            <a:avLst/>
+          </a:prstGeom>
+          <a:ln cap="flat" cmpd="sng" w="9525">
+            <a:solidFill>
+              <a:srgbClr val="000000"/>
+            </a:solidFill>
+            <a:prstDash val="solid"/>
+            <a:round/>
+            <a:headEnd len="sm" w="sm" type="none"/>
+            <a:tailEnd len="sm" w="sm" type="none"/>
+          </a:ln>
+        </p:spPr>
+        <p:txBody>
+          <a:bodyPr anchorCtr="0" anchor="t" bIns="91425" lIns="91425" spcFirstLastPara="1" rIns="91425" wrap="square" tIns="91425">
+            <a:noAutofit/>
+          </a:bodyPr>
+          <a:lstStyle/>
+          <a:p>
+            <a:pPr indent="0" lvl="0" marL="0" rtl="0" algn="l">
+              <a:spcBef>
+                <a:spcPts val="0"/>
+              </a:spcBef>
+              <a:spcAft>
+                <a:spcPts val="0"/>
+              </a:spcAft>
+              <a:buNone/>
+            </a:pPr>
+            <a:r>
+              <a:rPr lang="en" sz="2000"/>
+              <a:t>Target y = yards first 5 seasons</a:t>
+            </a:r>
+            <a:endParaRPr sz="2000"/>
+          </a:p>
+        </p:txBody>
+      </p:sp>
+    </p:spTree>
+  </p:cSld>
+  <p:clrMapOvr>
+    <a:masterClrMapping/>
+  </p:clrMapOvr>
+</p:sld>
+</file>
+
+<file path=ppt/slides/slide26.xml><?xml version="1.0" encoding="utf-8"?>
+<p:sld xmlns:a="http://schemas.openxmlformats.org/drawingml/2006/main" xmlns:r="http://schemas.openxmlformats.org/officeDocument/2006/relationships" xmlns:mc="http://schemas.openxmlformats.org/markup-compatibility/2006" xmlns:mv="urn:schemas-microsoft-com:mac:vml" xmlns:p="http://schemas.openxmlformats.org/presentationml/2006/main" xmlns:c="http://schemas.openxmlformats.org/drawingml/2006/chart" xmlns:dgm="http://schemas.openxmlformats.org/drawingml/2006/diagram" xmlns:o="urn:schemas-microsoft-com:office:office" xmlns:v="urn:schemas-microsoft-com:vml" xmlns:pvml="urn:schemas-microsoft-com:office:powerpoint" xmlns:com="http://schemas.openxmlformats.org/drawingml/2006/compatibility" xmlns:p14="http://schemas.microsoft.com/office/powerpoint/2010/main" xmlns:p15="http://schemas.microsoft.com/office/powerpoint/2012/main">
+  <p:cSld>
+    <p:spTree>
+      <p:nvGrpSpPr>
+        <p:cNvPr id="268" name="Shape 268"/>
+        <p:cNvGrpSpPr/>
+        <p:nvPr/>
+      </p:nvGrpSpPr>
+      <p:grpSpPr>
+        <a:xfrm>
+          <a:off x="0" y="0"/>
+          <a:ext cx="0" cy="0"/>
+          <a:chOff x="0" y="0"/>
+          <a:chExt cx="0" cy="0"/>
+        </a:xfrm>
+      </p:grpSpPr>
+      <p:sp>
+        <p:nvSpPr>
+          <p:cNvPr id="269" name="Google Shape;269;p38"/>
+          <p:cNvSpPr txBox="1"/>
+          <p:nvPr>
+            <p:ph type="title"/>
+          </p:nvPr>
+        </p:nvSpPr>
+        <p:spPr>
+          <a:xfrm>
+            <a:off x="311700" y="332375"/>
+            <a:ext cx="4660200" cy="572700"/>
+          </a:xfrm>
+          <a:prstGeom prst="rect">
+            <a:avLst/>
+          </a:prstGeom>
+        </p:spPr>
+        <p:txBody>
+          <a:bodyPr anchorCtr="0" anchor="t" bIns="91425" lIns="91425" spcFirstLastPara="1" rIns="91425" wrap="square" tIns="91425">
+            <a:noAutofit/>
+          </a:bodyPr>
+          <a:lstStyle/>
+          <a:p>
+            <a:pPr indent="0" lvl="0" marL="0" rtl="0" algn="l">
+              <a:spcBef>
+                <a:spcPts val="0"/>
+              </a:spcBef>
+              <a:spcAft>
+                <a:spcPts val="0"/>
+              </a:spcAft>
+              <a:buNone/>
+            </a:pPr>
+            <a:r>
+              <a:rPr b="1" lang="en"/>
+              <a:t>In-Depth Analysis (2) - Goal</a:t>
+            </a:r>
+            <a:endParaRPr b="1"/>
+          </a:p>
+        </p:txBody>
+      </p:sp>
+      <p:sp>
+        <p:nvSpPr>
+          <p:cNvPr id="270" name="Google Shape;270;p38"/>
+          <p:cNvSpPr txBox="1"/>
+          <p:nvPr>
+            <p:ph idx="1" type="body"/>
+          </p:nvPr>
+        </p:nvSpPr>
+        <p:spPr>
+          <a:xfrm>
+            <a:off x="311700" y="1152475"/>
+            <a:ext cx="8628300" cy="721200"/>
+          </a:xfrm>
+          <a:prstGeom prst="rect">
+            <a:avLst/>
+          </a:prstGeom>
+        </p:spPr>
+        <p:txBody>
+          <a:bodyPr anchorCtr="0" anchor="t" bIns="91425" lIns="91425" spcFirstLastPara="1" rIns="91425" wrap="square" tIns="91425">
+            <a:noAutofit/>
+          </a:bodyPr>
+          <a:lstStyle/>
+          <a:p>
+            <a:pPr indent="0" lvl="0" marL="0" rtl="0" algn="l">
+              <a:spcBef>
+                <a:spcPts val="0"/>
+              </a:spcBef>
+              <a:spcAft>
+                <a:spcPts val="0"/>
+              </a:spcAft>
+              <a:buNone/>
+            </a:pPr>
+            <a:r>
+              <a:rPr b="1" lang="en"/>
+              <a:t>Classification Problem</a:t>
+            </a:r>
+            <a:r>
+              <a:rPr lang="en"/>
+              <a:t>: perform analysis to predict if player is either a flop or a success (binary value based target)</a:t>
+            </a:r>
+            <a:endParaRPr/>
+          </a:p>
+          <a:p>
+            <a:pPr indent="0" lvl="0" marL="0" rtl="0" algn="l">
+              <a:spcBef>
+                <a:spcPts val="1600"/>
+              </a:spcBef>
+              <a:spcAft>
+                <a:spcPts val="1600"/>
+              </a:spcAft>
+              <a:buNone/>
+            </a:pPr>
+            <a:r>
+              <a:t/>
+            </a:r>
+            <a:endParaRPr/>
+          </a:p>
+        </p:txBody>
+      </p:sp>
+      <p:sp>
+        <p:nvSpPr>
+          <p:cNvPr id="271" name="Google Shape;271;p38"/>
+          <p:cNvSpPr txBox="1"/>
+          <p:nvPr>
+            <p:ph type="title"/>
+          </p:nvPr>
+        </p:nvSpPr>
+        <p:spPr>
+          <a:xfrm>
+            <a:off x="5057700" y="394975"/>
+            <a:ext cx="3624900" cy="510000"/>
+          </a:xfrm>
+          <a:prstGeom prst="rect">
+            <a:avLst/>
+          </a:prstGeom>
+          <a:ln cap="flat" cmpd="sng" w="9525">
+            <a:solidFill>
+              <a:srgbClr val="000000"/>
+            </a:solidFill>
+            <a:prstDash val="solid"/>
+            <a:round/>
+            <a:headEnd len="sm" w="sm" type="none"/>
+            <a:tailEnd len="sm" w="sm" type="none"/>
+          </a:ln>
+        </p:spPr>
+        <p:txBody>
+          <a:bodyPr anchorCtr="0" anchor="t" bIns="91425" lIns="91425" spcFirstLastPara="1" rIns="91425" wrap="square" tIns="91425">
+            <a:noAutofit/>
+          </a:bodyPr>
+          <a:lstStyle/>
+          <a:p>
+            <a:pPr indent="0" lvl="0" marL="0" rtl="0" algn="l">
+              <a:spcBef>
+                <a:spcPts val="0"/>
+              </a:spcBef>
+              <a:spcAft>
+                <a:spcPts val="0"/>
+              </a:spcAft>
+              <a:buNone/>
+            </a:pPr>
+            <a:r>
+              <a:rPr lang="en" sz="2000"/>
+              <a:t>Target y = yards first 5 seasons</a:t>
+            </a:r>
+            <a:endParaRPr sz="2000"/>
+          </a:p>
+        </p:txBody>
+      </p:sp>
+      <p:sp>
+        <p:nvSpPr>
+          <p:cNvPr id="272" name="Google Shape;272;p38"/>
+          <p:cNvSpPr txBox="1"/>
+          <p:nvPr/>
+        </p:nvSpPr>
+        <p:spPr>
+          <a:xfrm>
+            <a:off x="364050" y="1934950"/>
+            <a:ext cx="6579600" cy="3000000"/>
+          </a:xfrm>
+          <a:prstGeom prst="rect">
+            <a:avLst/>
+          </a:prstGeom>
+          <a:noFill/>
+          <a:ln>
+            <a:noFill/>
+          </a:ln>
+        </p:spPr>
+        <p:txBody>
+          <a:bodyPr anchorCtr="0" anchor="t" bIns="91425" lIns="91425" spcFirstLastPara="1" rIns="91425" wrap="square" tIns="91425">
+            <a:noAutofit/>
+          </a:bodyPr>
+          <a:lstStyle/>
+          <a:p>
+            <a:pPr indent="0" lvl="0" marL="0" rtl="0" algn="l">
+              <a:lnSpc>
+                <a:spcPct val="115000"/>
+              </a:lnSpc>
+              <a:spcBef>
+                <a:spcPts val="0"/>
+              </a:spcBef>
+              <a:spcAft>
+                <a:spcPts val="0"/>
+              </a:spcAft>
+              <a:buNone/>
+            </a:pPr>
+            <a:r>
+              <a:rPr lang="en" sz="1800">
+                <a:solidFill>
+                  <a:schemeClr val="accent3"/>
+                </a:solidFill>
+                <a:latin typeface="Proxima Nova"/>
+                <a:ea typeface="Proxima Nova"/>
+                <a:cs typeface="Proxima Nova"/>
+                <a:sym typeface="Proxima Nova"/>
+              </a:rPr>
+              <a:t>Define new target y</a:t>
+            </a:r>
+            <a:r>
+              <a:rPr baseline="-25000" lang="en" sz="1800">
+                <a:solidFill>
+                  <a:schemeClr val="accent3"/>
+                </a:solidFill>
+                <a:latin typeface="Proxima Nova"/>
+                <a:ea typeface="Proxima Nova"/>
+                <a:cs typeface="Proxima Nova"/>
+                <a:sym typeface="Proxima Nova"/>
+              </a:rPr>
+              <a:t>new</a:t>
+            </a:r>
+            <a:r>
+              <a:rPr lang="en" sz="1800">
+                <a:solidFill>
+                  <a:schemeClr val="accent3"/>
+                </a:solidFill>
+                <a:latin typeface="Proxima Nova"/>
+                <a:ea typeface="Proxima Nova"/>
+                <a:cs typeface="Proxima Nova"/>
+                <a:sym typeface="Proxima Nova"/>
+              </a:rPr>
+              <a:t> with respect to a fixed threshold</a:t>
+            </a:r>
+            <a:endParaRPr sz="1800">
+              <a:solidFill>
+                <a:schemeClr val="accent3"/>
+              </a:solidFill>
+              <a:latin typeface="Proxima Nova"/>
+              <a:ea typeface="Proxima Nova"/>
+              <a:cs typeface="Proxima Nova"/>
+              <a:sym typeface="Proxima Nova"/>
+            </a:endParaRPr>
+          </a:p>
+          <a:p>
+            <a:pPr indent="-342900" lvl="0" marL="457200" rtl="0" algn="l">
+              <a:lnSpc>
+                <a:spcPct val="115000"/>
+              </a:lnSpc>
+              <a:spcBef>
+                <a:spcPts val="1600"/>
+              </a:spcBef>
+              <a:spcAft>
+                <a:spcPts val="0"/>
+              </a:spcAft>
+              <a:buClr>
+                <a:schemeClr val="accent3"/>
+              </a:buClr>
+              <a:buSzPts val="1800"/>
+              <a:buFont typeface="Proxima Nova"/>
+              <a:buChar char="-"/>
+            </a:pPr>
+            <a:r>
+              <a:rPr lang="en" sz="1800">
+                <a:solidFill>
+                  <a:schemeClr val="accent3"/>
+                </a:solidFill>
+                <a:latin typeface="Proxima Nova"/>
+                <a:ea typeface="Proxima Nova"/>
+                <a:cs typeface="Proxima Nova"/>
+                <a:sym typeface="Proxima Nova"/>
+              </a:rPr>
+              <a:t>y ≤ 100 ↠ y</a:t>
+            </a:r>
+            <a:r>
+              <a:rPr baseline="-25000" lang="en" sz="1800">
+                <a:solidFill>
+                  <a:schemeClr val="accent3"/>
+                </a:solidFill>
+                <a:latin typeface="Proxima Nova"/>
+                <a:ea typeface="Proxima Nova"/>
+                <a:cs typeface="Proxima Nova"/>
+                <a:sym typeface="Proxima Nova"/>
+              </a:rPr>
+              <a:t>new</a:t>
+            </a:r>
+            <a:r>
+              <a:rPr lang="en" sz="1800">
+                <a:solidFill>
+                  <a:schemeClr val="accent3"/>
+                </a:solidFill>
+                <a:latin typeface="Proxima Nova"/>
+                <a:ea typeface="Proxima Nova"/>
+                <a:cs typeface="Proxima Nova"/>
+                <a:sym typeface="Proxima Nova"/>
+              </a:rPr>
+              <a:t> = 0 (flop)</a:t>
+            </a:r>
+            <a:endParaRPr sz="1800">
+              <a:solidFill>
+                <a:schemeClr val="accent3"/>
+              </a:solidFill>
+              <a:latin typeface="Proxima Nova"/>
+              <a:ea typeface="Proxima Nova"/>
+              <a:cs typeface="Proxima Nova"/>
+              <a:sym typeface="Proxima Nova"/>
+            </a:endParaRPr>
+          </a:p>
+          <a:p>
+            <a:pPr indent="-342900" lvl="0" marL="457200" rtl="0" algn="l">
+              <a:lnSpc>
+                <a:spcPct val="115000"/>
+              </a:lnSpc>
+              <a:spcBef>
+                <a:spcPts val="1600"/>
+              </a:spcBef>
+              <a:spcAft>
+                <a:spcPts val="0"/>
+              </a:spcAft>
+              <a:buClr>
+                <a:schemeClr val="accent3"/>
+              </a:buClr>
+              <a:buSzPts val="1800"/>
+              <a:buFont typeface="Proxima Nova"/>
+              <a:buChar char="-"/>
+            </a:pPr>
+            <a:r>
+              <a:rPr lang="en" sz="1800">
+                <a:solidFill>
+                  <a:schemeClr val="accent3"/>
+                </a:solidFill>
+                <a:latin typeface="Proxima Nova"/>
+                <a:ea typeface="Proxima Nova"/>
+                <a:cs typeface="Proxima Nova"/>
+                <a:sym typeface="Proxima Nova"/>
+              </a:rPr>
+              <a:t>y &gt; 100 ↠ y</a:t>
+            </a:r>
+            <a:r>
+              <a:rPr baseline="-25000" lang="en" sz="1800">
+                <a:solidFill>
+                  <a:schemeClr val="accent3"/>
+                </a:solidFill>
+                <a:latin typeface="Proxima Nova"/>
+                <a:ea typeface="Proxima Nova"/>
+                <a:cs typeface="Proxima Nova"/>
+                <a:sym typeface="Proxima Nova"/>
+              </a:rPr>
+              <a:t>new</a:t>
+            </a:r>
+            <a:r>
+              <a:rPr lang="en" sz="1800">
+                <a:solidFill>
+                  <a:schemeClr val="accent3"/>
+                </a:solidFill>
+                <a:latin typeface="Proxima Nova"/>
+                <a:ea typeface="Proxima Nova"/>
+                <a:cs typeface="Proxima Nova"/>
+                <a:sym typeface="Proxima Nova"/>
+              </a:rPr>
+              <a:t> = 1 (success)</a:t>
+            </a:r>
+            <a:endParaRPr sz="1800">
+              <a:solidFill>
+                <a:schemeClr val="accent3"/>
+              </a:solidFill>
+              <a:latin typeface="Proxima Nova"/>
+              <a:ea typeface="Proxima Nova"/>
+              <a:cs typeface="Proxima Nova"/>
+              <a:sym typeface="Proxima Nova"/>
+            </a:endParaRPr>
+          </a:p>
+          <a:p>
+            <a:pPr indent="0" lvl="0" marL="0" rtl="0" algn="l">
+              <a:lnSpc>
+                <a:spcPct val="115000"/>
+              </a:lnSpc>
+              <a:spcBef>
+                <a:spcPts val="1600"/>
+              </a:spcBef>
+              <a:spcAft>
+                <a:spcPts val="0"/>
+              </a:spcAft>
+              <a:buNone/>
+            </a:pPr>
+            <a:r>
+              <a:rPr lang="en" sz="1800">
+                <a:solidFill>
+                  <a:schemeClr val="accent3"/>
+                </a:solidFill>
+                <a:latin typeface="Proxima Nova"/>
+                <a:ea typeface="Proxima Nova"/>
+                <a:cs typeface="Proxima Nova"/>
+                <a:sym typeface="Proxima Nova"/>
+              </a:rPr>
+              <a:t>Model: </a:t>
+            </a:r>
+            <a:r>
+              <a:rPr b="1" lang="en" sz="1800">
+                <a:solidFill>
+                  <a:schemeClr val="accent3"/>
+                </a:solidFill>
+                <a:latin typeface="Proxima Nova"/>
+                <a:ea typeface="Proxima Nova"/>
+                <a:cs typeface="Proxima Nova"/>
+                <a:sym typeface="Proxima Nova"/>
+              </a:rPr>
+              <a:t>LogisticRegression</a:t>
+            </a:r>
+            <a:r>
+              <a:rPr lang="en" sz="1800">
+                <a:solidFill>
+                  <a:schemeClr val="accent3"/>
+                </a:solidFill>
+                <a:latin typeface="Proxima Nova"/>
+                <a:ea typeface="Proxima Nova"/>
+                <a:cs typeface="Proxima Nova"/>
+                <a:sym typeface="Proxima Nova"/>
+              </a:rPr>
+              <a:t> (</a:t>
+            </a:r>
+            <a:r>
+              <a:rPr i="1" lang="en" sz="1800">
+                <a:solidFill>
+                  <a:schemeClr val="accent3"/>
+                </a:solidFill>
+                <a:latin typeface="Proxima Nova"/>
+                <a:ea typeface="Proxima Nova"/>
+                <a:cs typeface="Proxima Nova"/>
+                <a:sym typeface="Proxima Nova"/>
+              </a:rPr>
+              <a:t>Scikit-Learn</a:t>
+            </a:r>
+            <a:r>
+              <a:rPr lang="en" sz="1800">
+                <a:solidFill>
+                  <a:schemeClr val="accent3"/>
+                </a:solidFill>
+                <a:latin typeface="Proxima Nova"/>
+                <a:ea typeface="Proxima Nova"/>
+                <a:cs typeface="Proxima Nova"/>
+                <a:sym typeface="Proxima Nova"/>
+              </a:rPr>
+              <a:t>)</a:t>
+            </a:r>
+            <a:endParaRPr sz="1800">
+              <a:solidFill>
+                <a:schemeClr val="accent3"/>
+              </a:solidFill>
+              <a:latin typeface="Proxima Nova"/>
+              <a:ea typeface="Proxima Nova"/>
+              <a:cs typeface="Proxima Nova"/>
+              <a:sym typeface="Proxima Nova"/>
+            </a:endParaRPr>
+          </a:p>
+          <a:p>
+            <a:pPr indent="0" lvl="0" marL="0" rtl="0" algn="l">
+              <a:lnSpc>
+                <a:spcPct val="115000"/>
+              </a:lnSpc>
+              <a:spcBef>
+                <a:spcPts val="1600"/>
+              </a:spcBef>
+              <a:spcAft>
+                <a:spcPts val="1600"/>
+              </a:spcAft>
+              <a:buNone/>
+            </a:pPr>
+            <a:r>
+              <a:rPr lang="en" sz="1800">
+                <a:solidFill>
+                  <a:schemeClr val="accent3"/>
+                </a:solidFill>
+                <a:latin typeface="Proxima Nova"/>
+                <a:ea typeface="Proxima Nova"/>
+                <a:cs typeface="Proxima Nova"/>
+                <a:sym typeface="Proxima Nova"/>
+              </a:rPr>
+              <a:t>Metric: accuracy of cross validation score - CV_score  = 0.66</a:t>
+            </a:r>
+            <a:endParaRPr/>
+          </a:p>
+        </p:txBody>
+      </p:sp>
+      <p:sp>
+        <p:nvSpPr>
+          <p:cNvPr id="273" name="Google Shape;273;p38"/>
+          <p:cNvSpPr txBox="1"/>
+          <p:nvPr>
+            <p:ph type="title"/>
+          </p:nvPr>
+        </p:nvSpPr>
+        <p:spPr>
+          <a:xfrm>
+            <a:off x="5057700" y="394975"/>
+            <a:ext cx="3882300" cy="841800"/>
+          </a:xfrm>
+          <a:prstGeom prst="rect">
+            <a:avLst/>
+          </a:prstGeom>
+          <a:ln cap="flat" cmpd="sng" w="9525">
+            <a:solidFill>
+              <a:srgbClr val="000000"/>
+            </a:solidFill>
+            <a:prstDash val="solid"/>
+            <a:round/>
+            <a:headEnd len="sm" w="sm" type="none"/>
+            <a:tailEnd len="sm" w="sm" type="none"/>
+          </a:ln>
+        </p:spPr>
+        <p:txBody>
+          <a:bodyPr anchorCtr="0" anchor="t" bIns="91425" lIns="91425" spcFirstLastPara="1" rIns="91425" wrap="square" tIns="91425">
+            <a:noAutofit/>
+          </a:bodyPr>
+          <a:lstStyle/>
+          <a:p>
+            <a:pPr indent="0" lvl="0" marL="0" rtl="0" algn="l">
+              <a:spcBef>
+                <a:spcPts val="0"/>
+              </a:spcBef>
+              <a:spcAft>
+                <a:spcPts val="0"/>
+              </a:spcAft>
+              <a:buNone/>
+            </a:pPr>
+            <a:r>
+              <a:rPr lang="en" sz="2000"/>
+              <a:t>Target: 	</a:t>
+            </a:r>
+            <a:r>
+              <a:rPr lang="en" sz="1800">
+                <a:solidFill>
+                  <a:schemeClr val="accent3"/>
+                </a:solidFill>
+              </a:rPr>
+              <a:t>y ≤ 100 ↠ y</a:t>
+            </a:r>
+            <a:r>
+              <a:rPr baseline="-25000" lang="en" sz="1800">
+                <a:solidFill>
+                  <a:schemeClr val="accent3"/>
+                </a:solidFill>
+              </a:rPr>
+              <a:t>new</a:t>
+            </a:r>
+            <a:r>
+              <a:rPr lang="en" sz="1800">
+                <a:solidFill>
+                  <a:schemeClr val="accent3"/>
+                </a:solidFill>
+              </a:rPr>
+              <a:t> = 0 (flop)</a:t>
+            </a:r>
+            <a:endParaRPr sz="1800">
+              <a:solidFill>
+                <a:schemeClr val="accent3"/>
+              </a:solidFill>
+            </a:endParaRPr>
+          </a:p>
+          <a:p>
+            <a:pPr indent="457200" lvl="0" marL="457200" rtl="0" algn="l">
+              <a:spcBef>
+                <a:spcPts val="0"/>
+              </a:spcBef>
+              <a:spcAft>
+                <a:spcPts val="0"/>
+              </a:spcAft>
+              <a:buNone/>
+            </a:pPr>
+            <a:r>
+              <a:rPr lang="en" sz="1800">
+                <a:solidFill>
+                  <a:schemeClr val="accent3"/>
+                </a:solidFill>
+              </a:rPr>
+              <a:t>y &gt; 100 ↠ y</a:t>
+            </a:r>
+            <a:r>
+              <a:rPr baseline="-25000" lang="en" sz="1800">
+                <a:solidFill>
+                  <a:schemeClr val="accent3"/>
+                </a:solidFill>
+              </a:rPr>
+              <a:t>new</a:t>
+            </a:r>
+            <a:r>
+              <a:rPr lang="en" sz="1800">
+                <a:solidFill>
+                  <a:schemeClr val="accent3"/>
+                </a:solidFill>
+              </a:rPr>
+              <a:t> = 1 (success)</a:t>
+            </a:r>
+            <a:r>
+              <a:rPr lang="en" sz="2000"/>
+              <a:t> </a:t>
+            </a:r>
+            <a:endParaRPr sz="2000"/>
+          </a:p>
+        </p:txBody>
+      </p:sp>
+    </p:spTree>
+  </p:cSld>
+  <p:clrMapOvr>
+    <a:masterClrMapping/>
+  </p:clrMapOvr>
+  <p:timing>
+    <p:tnLst>
+      <p:par>
+        <p:cTn dur="indefinite" nodeType="tmRoot" restart="never">
+          <p:childTnLst>
+            <p:seq concurrent="1" nextAc="seek">
+              <p:cTn dur="indefinite" id="2" nodeType="mainSeq">
+                <p:childTnLst>
+                  <p:par>
+                    <p:cTn fill="hold">
+                      <p:stCondLst>
+                        <p:cond delay="indefinite"/>
+                      </p:stCondLst>
+                      <p:childTnLst>
+                        <p:par>
+                          <p:cTn fill="hold">
+                            <p:stCondLst>
+                              <p:cond delay="0"/>
+                            </p:stCondLst>
+                            <p:childTnLst>
+                              <p:par>
+                                <p:cTn fill="hold" nodeType="clickEffect" presetClass="entr" presetID="10" presetSubtype="0">
+                                  <p:stCondLst>
+                                    <p:cond delay="0"/>
+                                  </p:stCondLst>
+                                  <p:childTnLst>
+                                    <p:set>
+                                      <p:cBhvr>
+                                        <p:cTn dur="1" fill="hold">
+                                          <p:stCondLst>
+                                            <p:cond delay="0"/>
+                                          </p:stCondLst>
+                                        </p:cTn>
+                                        <p:tgtEl>
+                                          <p:spTgt spid="272"/>
+                                        </p:tgtEl>
+                                        <p:attrNameLst>
+                                          <p:attrName>style.visibility</p:attrName>
+                                        </p:attrNameLst>
+                                      </p:cBhvr>
+                                      <p:to>
+                                        <p:strVal val="visible"/>
+                                      </p:to>
+                                    </p:set>
+                                    <p:animEffect filter="fade" transition="in">
+                                      <p:cBhvr>
+                                        <p:cTn dur="1000"/>
+                                        <p:tgtEl>
+                                          <p:spTgt spid="272"/>
+                                        </p:tgtEl>
+                                      </p:cBhvr>
+                                    </p:animEffect>
+                                  </p:childTnLst>
+                                </p:cTn>
+                              </p:par>
+                              <p:par>
+                                <p:cTn fill="hold" nodeType="withEffect" presetClass="exit" presetID="1" presetSubtype="0">
+                                  <p:stCondLst>
+                                    <p:cond delay="0"/>
+                                  </p:stCondLst>
+                                  <p:childTnLst>
+                                    <p:set>
+                                      <p:cBhvr>
+                                        <p:cTn dur="1" fill="hold">
+                                          <p:stCondLst>
+                                            <p:cond delay="600"/>
+                                          </p:stCondLst>
+                                        </p:cTn>
+                                        <p:tgtEl>
+                                          <p:spTgt spid="271"/>
+                                        </p:tgtEl>
+                                        <p:attrNameLst>
+                                          <p:attrName>style.visibility</p:attrName>
+                                        </p:attrNameLst>
+                                      </p:cBhvr>
+                                      <p:to>
+                                        <p:strVal val="hidden"/>
+                                      </p:to>
+                                    </p:set>
+                                  </p:childTnLst>
+                                </p:cTn>
+                              </p:par>
+                              <p:par>
+                                <p:cTn fill="hold" nodeType="withEffect" presetClass="entr" presetID="10" presetSubtype="0">
+                                  <p:stCondLst>
+                                    <p:cond delay="0"/>
+                                  </p:stCondLst>
+                                  <p:childTnLst>
+                                    <p:set>
+                                      <p:cBhvr>
+                                        <p:cTn dur="1" fill="hold">
+                                          <p:stCondLst>
+                                            <p:cond delay="0"/>
+                                          </p:stCondLst>
+                                        </p:cTn>
+                                        <p:tgtEl>
+                                          <p:spTgt spid="273"/>
+                                        </p:tgtEl>
+                                        <p:attrNameLst>
+                                          <p:attrName>style.visibility</p:attrName>
+                                        </p:attrNameLst>
+                                      </p:cBhvr>
+                                      <p:to>
+                                        <p:strVal val="visible"/>
+                                      </p:to>
+                                    </p:set>
+                                    <p:animEffect filter="fade" transition="in">
+                                      <p:cBhvr>
+                                        <p:cTn dur="2300"/>
+                                        <p:tgtEl>
+                                          <p:spTgt spid="273"/>
+                                        </p:tgtEl>
+                                      </p:cBhvr>
+                                    </p:animEffect>
+                                  </p:childTnLst>
+                                </p:cTn>
+                              </p:par>
+                            </p:childTnLst>
+                          </p:cTn>
+                        </p:par>
+                      </p:childTnLst>
+                    </p:cTn>
+                  </p:par>
+                </p:childTnLst>
+              </p:cTn>
+              <p:prevCondLst>
+                <p:cond evt="onPrev">
+                  <p:tgtEl>
+                    <p:sldTgt/>
+                  </p:tgtEl>
+                </p:cond>
+              </p:prevCondLst>
+              <p:nextCondLst>
+                <p:cond evt="onNext">
+                  <p:tgtEl>
+                    <p:sldTgt/>
+                  </p:tgtEl>
+                </p:cond>
+              </p:nextCondLst>
+            </p:seq>
+          </p:childTnLst>
+        </p:cTn>
+      </p:par>
+    </p:tnLst>
+  </p:timing>
+</p:sld>
+</file>
+
+<file path=ppt/slides/slide27.xml><?xml version="1.0" encoding="utf-8"?>
+<p:sld xmlns:a="http://schemas.openxmlformats.org/drawingml/2006/main" xmlns:r="http://schemas.openxmlformats.org/officeDocument/2006/relationships" xmlns:mc="http://schemas.openxmlformats.org/markup-compatibility/2006" xmlns:mv="urn:schemas-microsoft-com:mac:vml" xmlns:p="http://schemas.openxmlformats.org/presentationml/2006/main" xmlns:c="http://schemas.openxmlformats.org/drawingml/2006/chart" xmlns:dgm="http://schemas.openxmlformats.org/drawingml/2006/diagram" xmlns:o="urn:schemas-microsoft-com:office:office" xmlns:v="urn:schemas-microsoft-com:vml" xmlns:pvml="urn:schemas-microsoft-com:office:powerpoint" xmlns:com="http://schemas.openxmlformats.org/drawingml/2006/compatibility" xmlns:p14="http://schemas.microsoft.com/office/powerpoint/2010/main" xmlns:p15="http://schemas.microsoft.com/office/powerpoint/2012/main">
+  <p:cSld>
+    <p:spTree>
+      <p:nvGrpSpPr>
+        <p:cNvPr id="277" name="Shape 277"/>
+        <p:cNvGrpSpPr/>
+        <p:nvPr/>
+      </p:nvGrpSpPr>
+      <p:grpSpPr>
+        <a:xfrm>
+          <a:off x="0" y="0"/>
+          <a:ext cx="0" cy="0"/>
+          <a:chOff x="0" y="0"/>
+          <a:chExt cx="0" cy="0"/>
+        </a:xfrm>
+      </p:grpSpPr>
+      <p:sp>
+        <p:nvSpPr>
+          <p:cNvPr id="278" name="Google Shape;278;p39"/>
+          <p:cNvSpPr txBox="1"/>
+          <p:nvPr>
+            <p:ph type="title"/>
+          </p:nvPr>
+        </p:nvSpPr>
+        <p:spPr>
+          <a:xfrm>
+            <a:off x="311700" y="256175"/>
+            <a:ext cx="5211300" cy="572700"/>
+          </a:xfrm>
+          <a:prstGeom prst="rect">
+            <a:avLst/>
+          </a:prstGeom>
+        </p:spPr>
+        <p:txBody>
+          <a:bodyPr anchorCtr="0" anchor="t" bIns="91425" lIns="91425" spcFirstLastPara="1" rIns="91425" wrap="square" tIns="91425">
+            <a:noAutofit/>
+          </a:bodyPr>
+          <a:lstStyle/>
+          <a:p>
+            <a:pPr indent="0" lvl="0" marL="0" rtl="0" algn="l">
+              <a:spcBef>
+                <a:spcPts val="0"/>
+              </a:spcBef>
+              <a:spcAft>
+                <a:spcPts val="0"/>
+              </a:spcAft>
+              <a:buNone/>
+            </a:pPr>
+            <a:r>
+              <a:rPr b="1" lang="en"/>
+              <a:t>Testing against Class of 2020</a:t>
+            </a:r>
+            <a:endParaRPr b="1"/>
+          </a:p>
+        </p:txBody>
+      </p:sp>
+      <p:sp>
+        <p:nvSpPr>
+          <p:cNvPr id="279" name="Google Shape;279;p39"/>
+          <p:cNvSpPr txBox="1"/>
+          <p:nvPr>
+            <p:ph idx="1" type="body"/>
+          </p:nvPr>
+        </p:nvSpPr>
+        <p:spPr>
+          <a:xfrm>
+            <a:off x="311700" y="771550"/>
+            <a:ext cx="7856700" cy="1015200"/>
+          </a:xfrm>
+          <a:prstGeom prst="rect">
+            <a:avLst/>
+          </a:prstGeom>
+        </p:spPr>
+        <p:txBody>
+          <a:bodyPr anchorCtr="0" anchor="t" bIns="91425" lIns="91425" spcFirstLastPara="1" rIns="91425" wrap="square" tIns="91425">
+            <a:noAutofit/>
+          </a:bodyPr>
+          <a:lstStyle/>
+          <a:p>
+            <a:pPr indent="0" lvl="0" marL="0" rtl="0" algn="l">
+              <a:spcBef>
+                <a:spcPts val="1000"/>
+              </a:spcBef>
+              <a:spcAft>
+                <a:spcPts val="0"/>
+              </a:spcAft>
+              <a:buNone/>
+            </a:pPr>
+            <a:r>
+              <a:rPr lang="en"/>
+              <a:t>Derive the probability of success </a:t>
+            </a:r>
+            <a:r>
+              <a:rPr lang="en"/>
+              <a:t>of each draftees of 2020 </a:t>
+            </a:r>
+            <a:endParaRPr/>
+          </a:p>
+          <a:p>
+            <a:pPr indent="0" lvl="0" marL="0" rtl="0" algn="l">
+              <a:spcBef>
+                <a:spcPts val="0"/>
+              </a:spcBef>
+              <a:spcAft>
+                <a:spcPts val="1600"/>
+              </a:spcAft>
+              <a:buNone/>
+            </a:pPr>
+            <a:r>
+              <a:rPr lang="en"/>
+              <a:t>using the </a:t>
+            </a:r>
+            <a:r>
+              <a:rPr i="1" lang="en"/>
+              <a:t>predict_proba</a:t>
+            </a:r>
+            <a:r>
+              <a:rPr lang="en"/>
+              <a:t> function of LogisticRegressor </a:t>
+            </a:r>
+            <a:endParaRPr/>
+          </a:p>
+        </p:txBody>
+      </p:sp>
+      <p:sp>
+        <p:nvSpPr>
+          <p:cNvPr id="280" name="Google Shape;280;p39"/>
+          <p:cNvSpPr txBox="1"/>
+          <p:nvPr/>
+        </p:nvSpPr>
+        <p:spPr>
+          <a:xfrm>
+            <a:off x="5866050" y="173900"/>
+            <a:ext cx="3000000" cy="657600"/>
+          </a:xfrm>
+          <a:prstGeom prst="rect">
+            <a:avLst/>
+          </a:prstGeom>
+          <a:noFill/>
+          <a:ln cap="flat" cmpd="sng" w="9525">
+            <a:solidFill>
+              <a:srgbClr val="000000"/>
+            </a:solidFill>
+            <a:prstDash val="solid"/>
+            <a:round/>
+            <a:headEnd len="sm" w="sm" type="none"/>
+            <a:tailEnd len="sm" w="sm" type="none"/>
+          </a:ln>
+        </p:spPr>
+        <p:txBody>
+          <a:bodyPr anchorCtr="0" anchor="t" bIns="91425" lIns="91425" spcFirstLastPara="1" rIns="91425" wrap="square" tIns="91425">
+            <a:noAutofit/>
+          </a:bodyPr>
+          <a:lstStyle/>
+          <a:p>
+            <a:pPr indent="0" lvl="0" marL="0" rtl="0" algn="l">
+              <a:lnSpc>
+                <a:spcPct val="115000"/>
+              </a:lnSpc>
+              <a:spcBef>
+                <a:spcPts val="1000"/>
+              </a:spcBef>
+              <a:spcAft>
+                <a:spcPts val="1600"/>
+              </a:spcAft>
+              <a:buNone/>
+            </a:pPr>
+            <a:r>
+              <a:rPr b="1" lang="en" sz="1800">
+                <a:solidFill>
+                  <a:schemeClr val="accent3"/>
+                </a:solidFill>
+                <a:latin typeface="Proxima Nova"/>
+                <a:ea typeface="Proxima Nova"/>
+                <a:cs typeface="Proxima Nova"/>
+                <a:sym typeface="Proxima Nova"/>
+              </a:rPr>
+              <a:t>P = probability of success</a:t>
+            </a:r>
+            <a:endParaRPr/>
+          </a:p>
+        </p:txBody>
+      </p:sp>
+      <p:pic>
+        <p:nvPicPr>
+          <p:cNvPr id="281" name="Google Shape;281;p39"/>
+          <p:cNvPicPr preferRelativeResize="0"/>
+          <p:nvPr/>
+        </p:nvPicPr>
+        <p:blipFill>
+          <a:blip r:embed="rId3">
+            <a:alphaModFix/>
+          </a:blip>
+          <a:stretch>
+            <a:fillRect/>
+          </a:stretch>
+        </p:blipFill>
+        <p:spPr>
+          <a:xfrm>
+            <a:off x="191450" y="1778550"/>
+            <a:ext cx="4678560" cy="2823425"/>
+          </a:xfrm>
+          <a:prstGeom prst="rect">
+            <a:avLst/>
+          </a:prstGeom>
+          <a:noFill/>
+          <a:ln>
+            <a:noFill/>
+          </a:ln>
+        </p:spPr>
+      </p:pic>
+      <p:pic>
+        <p:nvPicPr>
+          <p:cNvPr id="282" name="Google Shape;282;p39"/>
+          <p:cNvPicPr preferRelativeResize="0"/>
+          <p:nvPr/>
+        </p:nvPicPr>
+        <p:blipFill>
+          <a:blip r:embed="rId4">
+            <a:alphaModFix/>
+          </a:blip>
+          <a:stretch>
+            <a:fillRect/>
+          </a:stretch>
+        </p:blipFill>
+        <p:spPr>
+          <a:xfrm>
+            <a:off x="3660723" y="1786750"/>
+            <a:ext cx="5147785" cy="2807025"/>
+          </a:xfrm>
+          <a:prstGeom prst="rect">
+            <a:avLst/>
+          </a:prstGeom>
+          <a:noFill/>
+          <a:ln>
+            <a:noFill/>
+          </a:ln>
+        </p:spPr>
+      </p:pic>
+      <p:pic>
+        <p:nvPicPr>
+          <p:cNvPr id="283" name="Google Shape;283;p39"/>
+          <p:cNvPicPr preferRelativeResize="0"/>
+          <p:nvPr/>
+        </p:nvPicPr>
+        <p:blipFill>
+          <a:blip r:embed="rId3">
+            <a:alphaModFix/>
+          </a:blip>
+          <a:stretch>
+            <a:fillRect/>
+          </a:stretch>
+        </p:blipFill>
+        <p:spPr>
+          <a:xfrm>
+            <a:off x="191450" y="2298350"/>
+            <a:ext cx="3294050" cy="1987900"/>
+          </a:xfrm>
+          <a:prstGeom prst="rect">
+            <a:avLst/>
+          </a:prstGeom>
+          <a:noFill/>
+          <a:ln>
+            <a:noFill/>
+          </a:ln>
+        </p:spPr>
+      </p:pic>
+    </p:spTree>
+  </p:cSld>
+  <p:clrMapOvr>
+    <a:masterClrMapping/>
+  </p:clrMapOvr>
+  <p:timing>
+    <p:tnLst>
+      <p:par>
+        <p:cTn dur="indefinite" nodeType="tmRoot" restart="never">
+          <p:childTnLst>
+            <p:seq concurrent="1" nextAc="seek">
+              <p:cTn dur="indefinite" id="2" nodeType="mainSeq">
+                <p:childTnLst>
+                  <p:par>
+                    <p:cTn fill="hold">
+                      <p:stCondLst>
+                        <p:cond delay="indefinite"/>
+                      </p:stCondLst>
+                      <p:childTnLst>
+                        <p:par>
+                          <p:cTn fill="hold">
+                            <p:stCondLst>
+                              <p:cond delay="0"/>
+                            </p:stCondLst>
+                            <p:childTnLst>
+                              <p:par>
+                                <p:cTn fill="hold" nodeType="clickEffect" presetClass="entr" presetID="10" presetSubtype="0">
+                                  <p:stCondLst>
+                                    <p:cond delay="0"/>
+                                  </p:stCondLst>
+                                  <p:childTnLst>
+                                    <p:set>
+                                      <p:cBhvr>
+                                        <p:cTn dur="1" fill="hold">
+                                          <p:stCondLst>
+                                            <p:cond delay="0"/>
+                                          </p:stCondLst>
+                                        </p:cTn>
+                                        <p:tgtEl>
+                                          <p:spTgt spid="281"/>
+                                        </p:tgtEl>
+                                        <p:attrNameLst>
+                                          <p:attrName>style.visibility</p:attrName>
+                                        </p:attrNameLst>
+                                      </p:cBhvr>
+                                      <p:to>
+                                        <p:strVal val="visible"/>
+                                      </p:to>
+                                    </p:set>
+                                    <p:animEffect filter="fade" transition="in">
+                                      <p:cBhvr>
+                                        <p:cTn dur="1000"/>
+                                        <p:tgtEl>
+                                          <p:spTgt spid="281"/>
+                                        </p:tgtEl>
+                                      </p:cBhvr>
+                                    </p:animEffect>
+                                  </p:childTnLst>
+                                </p:cTn>
+                              </p:par>
+                            </p:childTnLst>
+                          </p:cTn>
+                        </p:par>
+                      </p:childTnLst>
+                    </p:cTn>
+                  </p:par>
+                  <p:par>
+                    <p:cTn fill="hold">
+                      <p:stCondLst>
+                        <p:cond delay="indefinite"/>
+                      </p:stCondLst>
+                      <p:childTnLst>
+                        <p:par>
+                          <p:cTn fill="hold">
+                            <p:stCondLst>
+                              <p:cond delay="0"/>
+                            </p:stCondLst>
+                            <p:childTnLst>
+                              <p:par>
+                                <p:cTn fill="hold" nodeType="clickEffect" presetClass="entr" presetID="10" presetSubtype="0">
+                                  <p:stCondLst>
+                                    <p:cond delay="0"/>
+                                  </p:stCondLst>
+                                  <p:childTnLst>
+                                    <p:set>
+                                      <p:cBhvr>
+                                        <p:cTn dur="1" fill="hold">
+                                          <p:stCondLst>
+                                            <p:cond delay="0"/>
+                                          </p:stCondLst>
+                                        </p:cTn>
+                                        <p:tgtEl>
+                                          <p:spTgt spid="282"/>
+                                        </p:tgtEl>
+                                        <p:attrNameLst>
+                                          <p:attrName>style.visibility</p:attrName>
+                                        </p:attrNameLst>
+                                      </p:cBhvr>
+                                      <p:to>
+                                        <p:strVal val="visible"/>
+                                      </p:to>
+                                    </p:set>
+                                    <p:animEffect filter="fade" transition="in">
+                                      <p:cBhvr>
+                                        <p:cTn dur="1000"/>
+                                        <p:tgtEl>
+                                          <p:spTgt spid="282"/>
+                                        </p:tgtEl>
+                                      </p:cBhvr>
+                                    </p:animEffect>
+                                  </p:childTnLst>
+                                </p:cTn>
+                              </p:par>
+                              <p:par>
+                                <p:cTn fill="hold" nodeType="withEffect" presetClass="exit" presetID="1" presetSubtype="0">
+                                  <p:stCondLst>
+                                    <p:cond delay="0"/>
+                                  </p:stCondLst>
+                                  <p:childTnLst>
+                                    <p:set>
+                                      <p:cBhvr>
+                                        <p:cTn dur="1" fill="hold">
+                                          <p:stCondLst>
+                                            <p:cond delay="0"/>
+                                          </p:stCondLst>
+                                        </p:cTn>
+                                        <p:tgtEl>
+                                          <p:spTgt spid="281"/>
+                                        </p:tgtEl>
+                                        <p:attrNameLst>
+                                          <p:attrName>style.visibility</p:attrName>
+                                        </p:attrNameLst>
+                                      </p:cBhvr>
+                                      <p:to>
+                                        <p:strVal val="hidden"/>
+                                      </p:to>
+                                    </p:set>
+                                  </p:childTnLst>
+                                </p:cTn>
+                              </p:par>
+                              <p:par>
+                                <p:cTn fill="hold" nodeType="withEffect" presetClass="entr" presetID="1" presetSubtype="0">
+                                  <p:stCondLst>
+                                    <p:cond delay="0"/>
+                                  </p:stCondLst>
+                                  <p:childTnLst>
+                                    <p:set>
+                                      <p:cBhvr>
+                                        <p:cTn dur="1" fill="hold">
+                                          <p:stCondLst>
+                                            <p:cond delay="0"/>
+                                          </p:stCondLst>
+                                        </p:cTn>
+                                        <p:tgtEl>
+                                          <p:spTgt spid="283"/>
+                                        </p:tgtEl>
+                                        <p:attrNameLst>
+                                          <p:attrName>style.visibility</p:attrName>
+                                        </p:attrNameLst>
+                                      </p:cBhvr>
+                                      <p:to>
+                                        <p:strVal val="visible"/>
+                                      </p:to>
+                                    </p:set>
+                                  </p:childTnLst>
+                                </p:cTn>
+                              </p:par>
+                            </p:childTnLst>
+                          </p:cTn>
+                        </p:par>
+                      </p:childTnLst>
+                    </p:cTn>
+                  </p:par>
+                </p:childTnLst>
+              </p:cTn>
+              <p:prevCondLst>
+                <p:cond evt="onPrev">
+                  <p:tgtEl>
+                    <p:sldTgt/>
+                  </p:tgtEl>
+                </p:cond>
+              </p:prevCondLst>
+              <p:nextCondLst>
+                <p:cond evt="onNext">
+                  <p:tgtEl>
+                    <p:sldTgt/>
+                  </p:tgtEl>
+                </p:cond>
+              </p:nextCondLst>
+            </p:seq>
+          </p:childTnLst>
+        </p:cTn>
+      </p:par>
+    </p:tnLst>
+  </p:timing>
+</p:sld>
+</file>
+
+<file path=ppt/slides/slide28.xml><?xml version="1.0" encoding="utf-8"?>
+<p:sld xmlns:a="http://schemas.openxmlformats.org/drawingml/2006/main" xmlns:r="http://schemas.openxmlformats.org/officeDocument/2006/relationships" xmlns:mc="http://schemas.openxmlformats.org/markup-compatibility/2006" xmlns:mv="urn:schemas-microsoft-com:mac:vml" xmlns:p="http://schemas.openxmlformats.org/presentationml/2006/main" xmlns:c="http://schemas.openxmlformats.org/drawingml/2006/chart" xmlns:dgm="http://schemas.openxmlformats.org/drawingml/2006/diagram" xmlns:o="urn:schemas-microsoft-com:office:office" xmlns:v="urn:schemas-microsoft-com:vml" xmlns:pvml="urn:schemas-microsoft-com:office:powerpoint" xmlns:com="http://schemas.openxmlformats.org/drawingml/2006/compatibility" xmlns:p14="http://schemas.microsoft.com/office/powerpoint/2010/main" xmlns:p15="http://schemas.microsoft.com/office/powerpoint/2012/main">
+  <p:cSld>
+    <p:spTree>
+      <p:nvGrpSpPr>
+        <p:cNvPr id="287" name="Shape 287"/>
+        <p:cNvGrpSpPr/>
+        <p:nvPr/>
+      </p:nvGrpSpPr>
+      <p:grpSpPr>
+        <a:xfrm>
+          <a:off x="0" y="0"/>
+          <a:ext cx="0" cy="0"/>
+          <a:chOff x="0" y="0"/>
+          <a:chExt cx="0" cy="0"/>
+        </a:xfrm>
+      </p:grpSpPr>
+      <p:sp>
+        <p:nvSpPr>
+          <p:cNvPr id="288" name="Google Shape;288;p40"/>
+          <p:cNvSpPr txBox="1"/>
+          <p:nvPr>
+            <p:ph type="title"/>
+          </p:nvPr>
+        </p:nvSpPr>
+        <p:spPr>
+          <a:xfrm>
+            <a:off x="311700" y="332375"/>
+            <a:ext cx="4476600" cy="572700"/>
+          </a:xfrm>
+          <a:prstGeom prst="rect">
+            <a:avLst/>
+          </a:prstGeom>
+        </p:spPr>
+        <p:txBody>
+          <a:bodyPr anchorCtr="0" anchor="t" bIns="91425" lIns="91425" spcFirstLastPara="1" rIns="91425" wrap="square" tIns="91425">
+            <a:noAutofit/>
+          </a:bodyPr>
+          <a:lstStyle/>
+          <a:p>
+            <a:pPr indent="0" lvl="0" marL="0" rtl="0" algn="l">
+              <a:spcBef>
+                <a:spcPts val="0"/>
+              </a:spcBef>
+              <a:spcAft>
+                <a:spcPts val="0"/>
+              </a:spcAft>
+              <a:buNone/>
+            </a:pPr>
+            <a:r>
+              <a:rPr lang="en"/>
+              <a:t>Conclusion for 2nd model</a:t>
+            </a:r>
+            <a:endParaRPr/>
+          </a:p>
+        </p:txBody>
+      </p:sp>
+      <p:sp>
+        <p:nvSpPr>
+          <p:cNvPr id="289" name="Google Shape;289;p40"/>
+          <p:cNvSpPr txBox="1"/>
+          <p:nvPr>
+            <p:ph idx="1" type="body"/>
+          </p:nvPr>
+        </p:nvSpPr>
+        <p:spPr>
+          <a:xfrm>
+            <a:off x="311700" y="1152475"/>
+            <a:ext cx="8628300" cy="2937900"/>
+          </a:xfrm>
+          <a:prstGeom prst="rect">
+            <a:avLst/>
+          </a:prstGeom>
+        </p:spPr>
+        <p:txBody>
+          <a:bodyPr anchorCtr="0" anchor="t" bIns="91425" lIns="91425" spcFirstLastPara="1" rIns="91425" wrap="square" tIns="91425">
+            <a:noAutofit/>
+          </a:bodyPr>
+          <a:lstStyle/>
+          <a:p>
+            <a:pPr indent="0" lvl="0" marL="0" rtl="0" algn="l">
+              <a:spcBef>
+                <a:spcPts val="0"/>
+              </a:spcBef>
+              <a:spcAft>
+                <a:spcPts val="0"/>
+              </a:spcAft>
+              <a:buNone/>
+            </a:pPr>
+            <a:r>
+              <a:rPr lang="en"/>
+              <a:t>Valuable information for a GM when drafting WR’s in the league:</a:t>
+            </a:r>
+            <a:endParaRPr/>
+          </a:p>
+          <a:p>
+            <a:pPr indent="-342900" lvl="0" marL="457200" rtl="0" algn="l">
+              <a:spcBef>
+                <a:spcPts val="1600"/>
+              </a:spcBef>
+              <a:spcAft>
+                <a:spcPts val="0"/>
+              </a:spcAft>
+              <a:buSzPts val="1800"/>
+              <a:buChar char="●"/>
+            </a:pPr>
+            <a:r>
+              <a:rPr lang="en"/>
+              <a:t>Can help confirm the choice of a draftee.</a:t>
+            </a:r>
+            <a:endParaRPr/>
+          </a:p>
+          <a:p>
+            <a:pPr indent="-342900" lvl="0" marL="457200" rtl="0" algn="l">
+              <a:spcBef>
+                <a:spcPts val="0"/>
+              </a:spcBef>
+              <a:spcAft>
+                <a:spcPts val="0"/>
+              </a:spcAft>
+              <a:buSzPts val="1800"/>
+              <a:buChar char="●"/>
+            </a:pPr>
+            <a:r>
+              <a:rPr lang="en"/>
+              <a:t>e.g. 2020 draft: m</a:t>
+            </a:r>
+            <a:r>
+              <a:rPr lang="en"/>
+              <a:t>odel predicts high values of P for top drafted players</a:t>
+            </a:r>
+            <a:endParaRPr/>
+          </a:p>
+          <a:p>
+            <a:pPr indent="0" lvl="0" marL="0" rtl="0" algn="l">
+              <a:spcBef>
+                <a:spcPts val="1600"/>
+              </a:spcBef>
+              <a:spcAft>
+                <a:spcPts val="0"/>
+              </a:spcAft>
+              <a:buNone/>
+            </a:pPr>
+            <a:r>
+              <a:rPr lang="en"/>
+              <a:t>P can</a:t>
+            </a:r>
+            <a:r>
+              <a:rPr lang="en"/>
+              <a:t> be used to establish ranking of players prior to the draft:</a:t>
+            </a:r>
+            <a:endParaRPr/>
+          </a:p>
+          <a:p>
+            <a:pPr indent="-342900" lvl="0" marL="457200" rtl="0" algn="l">
+              <a:spcBef>
+                <a:spcPts val="0"/>
+              </a:spcBef>
+              <a:spcAft>
+                <a:spcPts val="0"/>
+              </a:spcAft>
+              <a:buSzPts val="1800"/>
+              <a:buChar char="●"/>
+            </a:pPr>
+            <a:r>
+              <a:rPr lang="en"/>
+              <a:t>Potentially shuffles the order of draftees</a:t>
+            </a:r>
+            <a:endParaRPr/>
+          </a:p>
+          <a:p>
+            <a:pPr indent="-342900" lvl="0" marL="457200" rtl="0" algn="l">
+              <a:spcBef>
+                <a:spcPts val="0"/>
+              </a:spcBef>
+              <a:spcAft>
+                <a:spcPts val="0"/>
+              </a:spcAft>
+              <a:buSzPts val="1800"/>
+              <a:buChar char="●"/>
+            </a:pPr>
+            <a:r>
+              <a:rPr lang="en"/>
+              <a:t>Players with little spotlight on and yet high chance of success </a:t>
+            </a:r>
+            <a:r>
+              <a:rPr lang="en"/>
+              <a:t>could be drafted in earlier rounds</a:t>
+            </a:r>
+            <a:endParaRPr/>
+          </a:p>
+        </p:txBody>
+      </p:sp>
+      <p:sp>
+        <p:nvSpPr>
+          <p:cNvPr id="290" name="Google Shape;290;p40"/>
+          <p:cNvSpPr txBox="1"/>
+          <p:nvPr/>
+        </p:nvSpPr>
+        <p:spPr>
+          <a:xfrm>
+            <a:off x="5706850" y="289925"/>
+            <a:ext cx="3000000" cy="657600"/>
+          </a:xfrm>
+          <a:prstGeom prst="rect">
+            <a:avLst/>
+          </a:prstGeom>
+          <a:noFill/>
+          <a:ln cap="flat" cmpd="sng" w="9525">
+            <a:solidFill>
+              <a:srgbClr val="000000"/>
+            </a:solidFill>
+            <a:prstDash val="solid"/>
+            <a:round/>
+            <a:headEnd len="sm" w="sm" type="none"/>
+            <a:tailEnd len="sm" w="sm" type="none"/>
+          </a:ln>
+        </p:spPr>
+        <p:txBody>
+          <a:bodyPr anchorCtr="0" anchor="t" bIns="91425" lIns="91425" spcFirstLastPara="1" rIns="91425" wrap="square" tIns="91425">
+            <a:noAutofit/>
+          </a:bodyPr>
+          <a:lstStyle/>
+          <a:p>
+            <a:pPr indent="0" lvl="0" marL="0" rtl="0" algn="l">
+              <a:lnSpc>
+                <a:spcPct val="115000"/>
+              </a:lnSpc>
+              <a:spcBef>
+                <a:spcPts val="1000"/>
+              </a:spcBef>
+              <a:spcAft>
+                <a:spcPts val="1600"/>
+              </a:spcAft>
+              <a:buNone/>
+            </a:pPr>
+            <a:r>
+              <a:rPr b="1" lang="en" sz="1800">
+                <a:solidFill>
+                  <a:schemeClr val="accent3"/>
+                </a:solidFill>
+                <a:latin typeface="Proxima Nova"/>
+                <a:ea typeface="Proxima Nova"/>
+                <a:cs typeface="Proxima Nova"/>
+                <a:sym typeface="Proxima Nova"/>
+              </a:rPr>
+              <a:t>P = probability of success</a:t>
+            </a:r>
+            <a:endParaRPr/>
+          </a:p>
+        </p:txBody>
+      </p:sp>
+    </p:spTree>
+  </p:cSld>
+  <p:clrMapOvr>
+    <a:masterClrMapping/>
+  </p:clrMapOvr>
+</p:sld>
+</file>
+
+<file path=ppt/slides/slide29.xml><?xml version="1.0" encoding="utf-8"?>
+<p:sld xmlns:a="http://schemas.openxmlformats.org/drawingml/2006/main" xmlns:r="http://schemas.openxmlformats.org/officeDocument/2006/relationships" xmlns:mc="http://schemas.openxmlformats.org/markup-compatibility/2006" xmlns:mv="urn:schemas-microsoft-com:mac:vml" xmlns:p="http://schemas.openxmlformats.org/presentationml/2006/main" xmlns:c="http://schemas.openxmlformats.org/drawingml/2006/chart" xmlns:dgm="http://schemas.openxmlformats.org/drawingml/2006/diagram" xmlns:o="urn:schemas-microsoft-com:office:office" xmlns:v="urn:schemas-microsoft-com:vml" xmlns:pvml="urn:schemas-microsoft-com:office:powerpoint" xmlns:com="http://schemas.openxmlformats.org/drawingml/2006/compatibility" xmlns:p14="http://schemas.microsoft.com/office/powerpoint/2010/main" xmlns:p15="http://schemas.microsoft.com/office/powerpoint/2012/main">
+  <p:cSld>
+    <p:bg>
+      <p:bgPr>
+        <a:solidFill>
+          <a:srgbClr val="000000"/>
+        </a:solidFill>
+      </p:bgPr>
+    </p:bg>
+    <p:spTree>
+      <p:nvGrpSpPr>
+        <p:cNvPr id="294" name="Shape 294"/>
+        <p:cNvGrpSpPr/>
+        <p:nvPr/>
+      </p:nvGrpSpPr>
+      <p:grpSpPr>
+        <a:xfrm>
+          <a:off x="0" y="0"/>
+          <a:ext cx="0" cy="0"/>
+          <a:chOff x="0" y="0"/>
+          <a:chExt cx="0" cy="0"/>
+        </a:xfrm>
+      </p:grpSpPr>
+      <p:sp>
+        <p:nvSpPr>
+          <p:cNvPr id="295" name="Google Shape;295;p41"/>
+          <p:cNvSpPr txBox="1"/>
+          <p:nvPr>
+            <p:ph idx="4294967295" type="ctrTitle"/>
+          </p:nvPr>
+        </p:nvSpPr>
+        <p:spPr>
+          <a:xfrm>
+            <a:off x="434400" y="477525"/>
+            <a:ext cx="8275200" cy="820500"/>
+          </a:xfrm>
+          <a:prstGeom prst="rect">
+            <a:avLst/>
+          </a:prstGeom>
+        </p:spPr>
+        <p:txBody>
+          <a:bodyPr anchorCtr="0" anchor="t" bIns="91425" lIns="91425" spcFirstLastPara="1" rIns="91425" wrap="square" tIns="91425">
+            <a:noAutofit/>
+          </a:bodyPr>
+          <a:lstStyle/>
+          <a:p>
+            <a:pPr indent="0" lvl="0" marL="0" rtl="0" algn="l">
+              <a:spcBef>
+                <a:spcPts val="0"/>
+              </a:spcBef>
+              <a:spcAft>
+                <a:spcPts val="0"/>
+              </a:spcAft>
+              <a:buNone/>
+            </a:pPr>
+            <a:r>
+              <a:rPr lang="en">
+                <a:solidFill>
+                  <a:srgbClr val="FFFFFF"/>
+                </a:solidFill>
+              </a:rPr>
+              <a:t>Predicting Wide Receivers Performance in the NFL</a:t>
+            </a:r>
+            <a:endParaRPr>
+              <a:solidFill>
+                <a:srgbClr val="FFFFFF"/>
+              </a:solidFill>
+            </a:endParaRPr>
+          </a:p>
+        </p:txBody>
+      </p:sp>
+      <p:sp>
+        <p:nvSpPr>
+          <p:cNvPr id="296" name="Google Shape;296;p41"/>
+          <p:cNvSpPr txBox="1"/>
+          <p:nvPr>
+            <p:ph idx="4294967295" type="ctrTitle"/>
+          </p:nvPr>
+        </p:nvSpPr>
+        <p:spPr>
+          <a:xfrm>
+            <a:off x="501075" y="2283200"/>
+            <a:ext cx="1948200" cy="820500"/>
+          </a:xfrm>
+          <a:prstGeom prst="rect">
+            <a:avLst/>
+          </a:prstGeom>
+        </p:spPr>
+        <p:txBody>
+          <a:bodyPr anchorCtr="0" anchor="t" bIns="91425" lIns="91425" spcFirstLastPara="1" rIns="91425" wrap="square" tIns="91425">
+            <a:noAutofit/>
+          </a:bodyPr>
+          <a:lstStyle/>
+          <a:p>
+            <a:pPr indent="0" lvl="0" marL="0" rtl="0" algn="l">
+              <a:spcBef>
+                <a:spcPts val="0"/>
+              </a:spcBef>
+              <a:spcAft>
+                <a:spcPts val="0"/>
+              </a:spcAft>
+              <a:buNone/>
+            </a:pPr>
+            <a:r>
+              <a:rPr lang="en">
+                <a:solidFill>
+                  <a:srgbClr val="FFFFFF"/>
+                </a:solidFill>
+              </a:rPr>
+              <a:t>Thank you!</a:t>
+            </a:r>
+            <a:endParaRPr>
+              <a:solidFill>
+                <a:srgbClr val="FFFFFF"/>
+              </a:solidFill>
+            </a:endParaRPr>
+          </a:p>
+        </p:txBody>
+      </p:sp>
+      <p:pic>
+        <p:nvPicPr>
+          <p:cNvPr id="297" name="Google Shape;297;p41"/>
+          <p:cNvPicPr preferRelativeResize="0"/>
+          <p:nvPr/>
+        </p:nvPicPr>
+        <p:blipFill>
+          <a:blip r:embed="rId3">
+            <a:alphaModFix/>
+          </a:blip>
+          <a:stretch>
+            <a:fillRect/>
+          </a:stretch>
+        </p:blipFill>
+        <p:spPr>
+          <a:xfrm>
+            <a:off x="2801181" y="1138800"/>
+            <a:ext cx="6044043" cy="3295750"/>
+          </a:xfrm>
+          <a:prstGeom prst="rect">
+            <a:avLst/>
+          </a:prstGeom>
+          <a:noFill/>
+          <a:ln>
+            <a:noFill/>
+          </a:ln>
+        </p:spPr>
+      </p:pic>
     </p:spTree>
   </p:cSld>
   <p:clrMapOvr>
